--- a/Web/Web.pptx
+++ b/Web/Web.pptx
@@ -126,6 +126,3379 @@
 </p:presentation>
 </file>
 
+<file path=ppt/diagrams/colors1.xml><?xml version="1.0" encoding="utf-8"?>
+<dgm:colorsDef xmlns:dgm="http://schemas.openxmlformats.org/drawingml/2006/diagram" xmlns:a="http://schemas.openxmlformats.org/drawingml/2006/main" uniqueId="urn:microsoft.com/office/officeart/2005/8/colors/colorful1">
+  <dgm:title val=""/>
+  <dgm:desc val=""/>
+  <dgm:catLst>
+    <dgm:cat type="colorful" pri="10100"/>
+  </dgm:catLst>
+  <dgm:styleLbl name="node0">
+    <dgm:fillClrLst meth="repeat">
+      <a:schemeClr val="accent1"/>
+    </dgm:fillClrLst>
+    <dgm:linClrLst meth="repeat">
+      <a:schemeClr val="lt1"/>
+    </dgm:linClrLst>
+    <dgm:effectClrLst/>
+    <dgm:txLinClrLst/>
+    <dgm:txFillClrLst/>
+    <dgm:txEffectClrLst/>
+  </dgm:styleLbl>
+  <dgm:styleLbl name="node1">
+    <dgm:fillClrLst meth="repeat">
+      <a:schemeClr val="accent2"/>
+      <a:schemeClr val="accent3"/>
+      <a:schemeClr val="accent4"/>
+      <a:schemeClr val="accent5"/>
+      <a:schemeClr val="accent6"/>
+    </dgm:fillClrLst>
+    <dgm:linClrLst meth="repeat">
+      <a:schemeClr val="lt1"/>
+    </dgm:linClrLst>
+    <dgm:effectClrLst/>
+    <dgm:txLinClrLst/>
+    <dgm:txFillClrLst/>
+    <dgm:txEffectClrLst/>
+  </dgm:styleLbl>
+  <dgm:styleLbl name="alignNode1">
+    <dgm:fillClrLst meth="repeat">
+      <a:schemeClr val="accent2"/>
+      <a:schemeClr val="accent3"/>
+      <a:schemeClr val="accent4"/>
+      <a:schemeClr val="accent5"/>
+      <a:schemeClr val="accent6"/>
+    </dgm:fillClrLst>
+    <dgm:linClrLst meth="repeat">
+      <a:schemeClr val="accent2"/>
+      <a:schemeClr val="accent3"/>
+      <a:schemeClr val="accent4"/>
+      <a:schemeClr val="accent5"/>
+      <a:schemeClr val="accent6"/>
+    </dgm:linClrLst>
+    <dgm:effectClrLst/>
+    <dgm:txLinClrLst/>
+    <dgm:txFillClrLst/>
+    <dgm:txEffectClrLst/>
+  </dgm:styleLbl>
+  <dgm:styleLbl name="lnNode1">
+    <dgm:fillClrLst meth="repeat">
+      <a:schemeClr val="accent2"/>
+      <a:schemeClr val="accent3"/>
+      <a:schemeClr val="accent4"/>
+      <a:schemeClr val="accent5"/>
+      <a:schemeClr val="accent6"/>
+    </dgm:fillClrLst>
+    <dgm:linClrLst meth="repeat">
+      <a:schemeClr val="lt1"/>
+    </dgm:linClrLst>
+    <dgm:effectClrLst/>
+    <dgm:txLinClrLst/>
+    <dgm:txFillClrLst/>
+    <dgm:txEffectClrLst/>
+  </dgm:styleLbl>
+  <dgm:styleLbl name="vennNode1">
+    <dgm:fillClrLst meth="repeat">
+      <a:schemeClr val="accent2">
+        <a:alpha val="50000"/>
+      </a:schemeClr>
+      <a:schemeClr val="accent3">
+        <a:alpha val="50000"/>
+      </a:schemeClr>
+      <a:schemeClr val="accent4">
+        <a:alpha val="50000"/>
+      </a:schemeClr>
+      <a:schemeClr val="accent5">
+        <a:alpha val="50000"/>
+      </a:schemeClr>
+      <a:schemeClr val="accent6">
+        <a:alpha val="50000"/>
+      </a:schemeClr>
+    </dgm:fillClrLst>
+    <dgm:linClrLst meth="repeat">
+      <a:schemeClr val="lt1"/>
+    </dgm:linClrLst>
+    <dgm:effectClrLst/>
+    <dgm:txLinClrLst/>
+    <dgm:txFillClrLst/>
+    <dgm:txEffectClrLst/>
+  </dgm:styleLbl>
+  <dgm:styleLbl name="node2">
+    <dgm:fillClrLst>
+      <a:schemeClr val="accent2"/>
+    </dgm:fillClrLst>
+    <dgm:linClrLst meth="repeat">
+      <a:schemeClr val="lt1"/>
+    </dgm:linClrLst>
+    <dgm:effectClrLst/>
+    <dgm:txLinClrLst/>
+    <dgm:txFillClrLst/>
+    <dgm:txEffectClrLst/>
+  </dgm:styleLbl>
+  <dgm:styleLbl name="node3">
+    <dgm:fillClrLst>
+      <a:schemeClr val="accent3"/>
+    </dgm:fillClrLst>
+    <dgm:linClrLst meth="repeat">
+      <a:schemeClr val="lt1"/>
+    </dgm:linClrLst>
+    <dgm:effectClrLst/>
+    <dgm:txLinClrLst/>
+    <dgm:txFillClrLst/>
+    <dgm:txEffectClrLst/>
+  </dgm:styleLbl>
+  <dgm:styleLbl name="node4">
+    <dgm:fillClrLst>
+      <a:schemeClr val="accent4"/>
+    </dgm:fillClrLst>
+    <dgm:linClrLst meth="repeat">
+      <a:schemeClr val="lt1"/>
+    </dgm:linClrLst>
+    <dgm:effectClrLst/>
+    <dgm:txLinClrLst/>
+    <dgm:txFillClrLst/>
+    <dgm:txEffectClrLst/>
+  </dgm:styleLbl>
+  <dgm:styleLbl name="fgImgPlace1">
+    <dgm:fillClrLst meth="repeat">
+      <a:schemeClr val="accent2">
+        <a:tint val="50000"/>
+      </a:schemeClr>
+      <a:schemeClr val="accent3">
+        <a:tint val="50000"/>
+      </a:schemeClr>
+      <a:schemeClr val="accent4">
+        <a:tint val="50000"/>
+      </a:schemeClr>
+      <a:schemeClr val="accent5">
+        <a:tint val="50000"/>
+      </a:schemeClr>
+      <a:schemeClr val="accent6">
+        <a:tint val="50000"/>
+      </a:schemeClr>
+    </dgm:fillClrLst>
+    <dgm:linClrLst meth="repeat">
+      <a:schemeClr val="lt1"/>
+    </dgm:linClrLst>
+    <dgm:effectClrLst/>
+    <dgm:txLinClrLst/>
+    <dgm:txFillClrLst meth="repeat">
+      <a:schemeClr val="lt1"/>
+    </dgm:txFillClrLst>
+    <dgm:txEffectClrLst/>
+  </dgm:styleLbl>
+  <dgm:styleLbl name="alignImgPlace1">
+    <dgm:fillClrLst>
+      <a:schemeClr val="accent1">
+        <a:tint val="50000"/>
+      </a:schemeClr>
+      <a:schemeClr val="accent2">
+        <a:tint val="20000"/>
+      </a:schemeClr>
+    </dgm:fillClrLst>
+    <dgm:linClrLst meth="repeat">
+      <a:schemeClr val="lt1"/>
+    </dgm:linClrLst>
+    <dgm:effectClrLst/>
+    <dgm:txLinClrLst/>
+    <dgm:txFillClrLst meth="repeat">
+      <a:schemeClr val="lt1"/>
+    </dgm:txFillClrLst>
+    <dgm:txEffectClrLst/>
+  </dgm:styleLbl>
+  <dgm:styleLbl name="bgImgPlace1">
+    <dgm:fillClrLst>
+      <a:schemeClr val="accent1">
+        <a:tint val="50000"/>
+      </a:schemeClr>
+      <a:schemeClr val="accent2">
+        <a:tint val="20000"/>
+      </a:schemeClr>
+    </dgm:fillClrLst>
+    <dgm:linClrLst meth="repeat">
+      <a:schemeClr val="lt1"/>
+    </dgm:linClrLst>
+    <dgm:effectClrLst/>
+    <dgm:txLinClrLst/>
+    <dgm:txFillClrLst meth="repeat">
+      <a:schemeClr val="lt1"/>
+    </dgm:txFillClrLst>
+    <dgm:txEffectClrLst/>
+  </dgm:styleLbl>
+  <dgm:styleLbl name="sibTrans2D1">
+    <dgm:fillClrLst meth="repeat">
+      <a:schemeClr val="accent2"/>
+      <a:schemeClr val="accent3"/>
+      <a:schemeClr val="accent4"/>
+      <a:schemeClr val="accent5"/>
+      <a:schemeClr val="accent6"/>
+    </dgm:fillClrLst>
+    <dgm:linClrLst meth="cycle">
+      <a:schemeClr val="lt1"/>
+    </dgm:linClrLst>
+    <dgm:effectClrLst/>
+    <dgm:txLinClrLst/>
+    <dgm:txFillClrLst/>
+    <dgm:txEffectClrLst/>
+  </dgm:styleLbl>
+  <dgm:styleLbl name="fgSibTrans2D1">
+    <dgm:fillClrLst meth="repeat">
+      <a:schemeClr val="accent2"/>
+      <a:schemeClr val="accent3"/>
+      <a:schemeClr val="accent4"/>
+      <a:schemeClr val="accent5"/>
+      <a:schemeClr val="accent6"/>
+    </dgm:fillClrLst>
+    <dgm:linClrLst meth="cycle">
+      <a:schemeClr val="lt1"/>
+    </dgm:linClrLst>
+    <dgm:effectClrLst/>
+    <dgm:txLinClrLst/>
+    <dgm:txFillClrLst meth="repeat">
+      <a:schemeClr val="lt1"/>
+    </dgm:txFillClrLst>
+    <dgm:txEffectClrLst/>
+  </dgm:styleLbl>
+  <dgm:styleLbl name="bgSibTrans2D1">
+    <dgm:fillClrLst meth="repeat">
+      <a:schemeClr val="accent2"/>
+      <a:schemeClr val="accent3"/>
+      <a:schemeClr val="accent4"/>
+      <a:schemeClr val="accent5"/>
+      <a:schemeClr val="accent6"/>
+    </dgm:fillClrLst>
+    <dgm:linClrLst meth="cycle">
+      <a:schemeClr val="lt1"/>
+    </dgm:linClrLst>
+    <dgm:effectClrLst/>
+    <dgm:txLinClrLst/>
+    <dgm:txFillClrLst meth="repeat">
+      <a:schemeClr val="lt1"/>
+    </dgm:txFillClrLst>
+    <dgm:txEffectClrLst/>
+  </dgm:styleLbl>
+  <dgm:styleLbl name="sibTrans1D1">
+    <dgm:fillClrLst meth="repeat">
+      <a:schemeClr val="accent2"/>
+      <a:schemeClr val="accent3"/>
+      <a:schemeClr val="accent4"/>
+      <a:schemeClr val="accent5"/>
+      <a:schemeClr val="accent6"/>
+    </dgm:fillClrLst>
+    <dgm:linClrLst meth="repeat">
+      <a:schemeClr val="accent2"/>
+      <a:schemeClr val="accent3"/>
+      <a:schemeClr val="accent4"/>
+      <a:schemeClr val="accent5"/>
+      <a:schemeClr val="accent6"/>
+    </dgm:linClrLst>
+    <dgm:effectClrLst/>
+    <dgm:txLinClrLst/>
+    <dgm:txFillClrLst meth="repeat">
+      <a:schemeClr val="tx1"/>
+    </dgm:txFillClrLst>
+    <dgm:txEffectClrLst/>
+  </dgm:styleLbl>
+  <dgm:styleLbl name="callout">
+    <dgm:fillClrLst meth="repeat">
+      <a:schemeClr val="accent2"/>
+    </dgm:fillClrLst>
+    <dgm:linClrLst meth="repeat">
+      <a:schemeClr val="accent2">
+        <a:tint val="50000"/>
+      </a:schemeClr>
+    </dgm:linClrLst>
+    <dgm:effectClrLst/>
+    <dgm:txLinClrLst/>
+    <dgm:txFillClrLst meth="repeat">
+      <a:schemeClr val="tx1"/>
+    </dgm:txFillClrLst>
+    <dgm:txEffectClrLst/>
+  </dgm:styleLbl>
+  <dgm:styleLbl name="asst0">
+    <dgm:fillClrLst meth="repeat">
+      <a:schemeClr val="accent1"/>
+    </dgm:fillClrLst>
+    <dgm:linClrLst meth="repeat">
+      <a:schemeClr val="lt1"/>
+    </dgm:linClrLst>
+    <dgm:effectClrLst/>
+    <dgm:txLinClrLst/>
+    <dgm:txFillClrLst/>
+    <dgm:txEffectClrLst/>
+  </dgm:styleLbl>
+  <dgm:styleLbl name="asst1">
+    <dgm:fillClrLst meth="repeat">
+      <a:schemeClr val="accent2"/>
+    </dgm:fillClrLst>
+    <dgm:linClrLst meth="repeat">
+      <a:schemeClr val="lt1"/>
+    </dgm:linClrLst>
+    <dgm:effectClrLst/>
+    <dgm:txLinClrLst/>
+    <dgm:txFillClrLst/>
+    <dgm:txEffectClrLst/>
+  </dgm:styleLbl>
+  <dgm:styleLbl name="asst2">
+    <dgm:fillClrLst>
+      <a:schemeClr val="accent3"/>
+    </dgm:fillClrLst>
+    <dgm:linClrLst meth="repeat">
+      <a:schemeClr val="lt1"/>
+    </dgm:linClrLst>
+    <dgm:effectClrLst/>
+    <dgm:txLinClrLst/>
+    <dgm:txFillClrLst/>
+    <dgm:txEffectClrLst/>
+  </dgm:styleLbl>
+  <dgm:styleLbl name="asst3">
+    <dgm:fillClrLst>
+      <a:schemeClr val="accent4"/>
+    </dgm:fillClrLst>
+    <dgm:linClrLst meth="repeat">
+      <a:schemeClr val="lt1"/>
+    </dgm:linClrLst>
+    <dgm:effectClrLst/>
+    <dgm:txLinClrLst/>
+    <dgm:txFillClrLst/>
+    <dgm:txEffectClrLst/>
+  </dgm:styleLbl>
+  <dgm:styleLbl name="asst4">
+    <dgm:fillClrLst>
+      <a:schemeClr val="accent5"/>
+    </dgm:fillClrLst>
+    <dgm:linClrLst meth="repeat">
+      <a:schemeClr val="lt1"/>
+    </dgm:linClrLst>
+    <dgm:effectClrLst/>
+    <dgm:txLinClrLst/>
+    <dgm:txFillClrLst/>
+    <dgm:txEffectClrLst/>
+  </dgm:styleLbl>
+  <dgm:styleLbl name="parChTrans2D1">
+    <dgm:fillClrLst meth="repeat">
+      <a:schemeClr val="accent2"/>
+    </dgm:fillClrLst>
+    <dgm:linClrLst meth="repeat">
+      <a:schemeClr val="lt1"/>
+    </dgm:linClrLst>
+    <dgm:effectClrLst/>
+    <dgm:txLinClrLst/>
+    <dgm:txFillClrLst meth="repeat">
+      <a:schemeClr val="lt1"/>
+    </dgm:txFillClrLst>
+    <dgm:txEffectClrLst/>
+  </dgm:styleLbl>
+  <dgm:styleLbl name="parChTrans2D2">
+    <dgm:fillClrLst meth="repeat">
+      <a:schemeClr val="accent3"/>
+    </dgm:fillClrLst>
+    <dgm:linClrLst meth="repeat">
+      <a:schemeClr val="lt1"/>
+    </dgm:linClrLst>
+    <dgm:effectClrLst/>
+    <dgm:txLinClrLst/>
+    <dgm:txFillClrLst/>
+    <dgm:txEffectClrLst/>
+  </dgm:styleLbl>
+  <dgm:styleLbl name="parChTrans2D3">
+    <dgm:fillClrLst meth="repeat">
+      <a:schemeClr val="accent4"/>
+    </dgm:fillClrLst>
+    <dgm:linClrLst meth="repeat">
+      <a:schemeClr val="lt1"/>
+    </dgm:linClrLst>
+    <dgm:effectClrLst/>
+    <dgm:txLinClrLst/>
+    <dgm:txFillClrLst/>
+    <dgm:txEffectClrLst/>
+  </dgm:styleLbl>
+  <dgm:styleLbl name="parChTrans2D4">
+    <dgm:fillClrLst meth="repeat">
+      <a:schemeClr val="accent5"/>
+    </dgm:fillClrLst>
+    <dgm:linClrLst meth="repeat">
+      <a:schemeClr val="lt1"/>
+    </dgm:linClrLst>
+    <dgm:effectClrLst/>
+    <dgm:txLinClrLst/>
+    <dgm:txFillClrLst meth="repeat">
+      <a:schemeClr val="lt1"/>
+    </dgm:txFillClrLst>
+    <dgm:txEffectClrLst/>
+  </dgm:styleLbl>
+  <dgm:styleLbl name="parChTrans1D1">
+    <dgm:fillClrLst meth="repeat">
+      <a:schemeClr val="accent2"/>
+    </dgm:fillClrLst>
+    <dgm:linClrLst meth="repeat">
+      <a:schemeClr val="accent1"/>
+    </dgm:linClrLst>
+    <dgm:effectClrLst/>
+    <dgm:txLinClrLst/>
+    <dgm:txFillClrLst meth="repeat">
+      <a:schemeClr val="tx1"/>
+    </dgm:txFillClrLst>
+    <dgm:txEffectClrLst/>
+  </dgm:styleLbl>
+  <dgm:styleLbl name="parChTrans1D2">
+    <dgm:fillClrLst meth="repeat">
+      <a:schemeClr val="accent3">
+        <a:tint val="90000"/>
+      </a:schemeClr>
+    </dgm:fillClrLst>
+    <dgm:linClrLst meth="repeat">
+      <a:schemeClr val="accent2"/>
+    </dgm:linClrLst>
+    <dgm:effectClrLst/>
+    <dgm:txLinClrLst/>
+    <dgm:txFillClrLst meth="repeat">
+      <a:schemeClr val="tx1"/>
+    </dgm:txFillClrLst>
+    <dgm:txEffectClrLst/>
+  </dgm:styleLbl>
+  <dgm:styleLbl name="parChTrans1D3">
+    <dgm:fillClrLst meth="repeat">
+      <a:schemeClr val="accent4">
+        <a:tint val="70000"/>
+      </a:schemeClr>
+    </dgm:fillClrLst>
+    <dgm:linClrLst meth="repeat">
+      <a:schemeClr val="accent3"/>
+    </dgm:linClrLst>
+    <dgm:effectClrLst/>
+    <dgm:txLinClrLst/>
+    <dgm:txFillClrLst meth="repeat">
+      <a:schemeClr val="tx1"/>
+    </dgm:txFillClrLst>
+    <dgm:txEffectClrLst/>
+  </dgm:styleLbl>
+  <dgm:styleLbl name="parChTrans1D4">
+    <dgm:fillClrLst meth="repeat">
+      <a:schemeClr val="accent5">
+        <a:tint val="50000"/>
+      </a:schemeClr>
+    </dgm:fillClrLst>
+    <dgm:linClrLst meth="repeat">
+      <a:schemeClr val="accent4"/>
+    </dgm:linClrLst>
+    <dgm:effectClrLst/>
+    <dgm:txLinClrLst/>
+    <dgm:txFillClrLst meth="repeat">
+      <a:schemeClr val="tx1"/>
+    </dgm:txFillClrLst>
+    <dgm:txEffectClrLst/>
+  </dgm:styleLbl>
+  <dgm:styleLbl name="fgAcc1">
+    <dgm:fillClrLst meth="repeat">
+      <a:schemeClr val="lt1">
+        <a:alpha val="90000"/>
+      </a:schemeClr>
+    </dgm:fillClrLst>
+    <dgm:linClrLst meth="repeat">
+      <a:schemeClr val="accent2"/>
+      <a:schemeClr val="accent3"/>
+      <a:schemeClr val="accent4"/>
+      <a:schemeClr val="accent5"/>
+      <a:schemeClr val="accent6"/>
+    </dgm:linClrLst>
+    <dgm:effectClrLst/>
+    <dgm:txLinClrLst/>
+    <dgm:txFillClrLst meth="repeat">
+      <a:schemeClr val="dk1"/>
+    </dgm:txFillClrLst>
+    <dgm:txEffectClrLst/>
+  </dgm:styleLbl>
+  <dgm:styleLbl name="conFgAcc1">
+    <dgm:fillClrLst meth="repeat">
+      <a:schemeClr val="lt1">
+        <a:alpha val="90000"/>
+      </a:schemeClr>
+    </dgm:fillClrLst>
+    <dgm:linClrLst meth="repeat">
+      <a:schemeClr val="accent2"/>
+      <a:schemeClr val="accent3"/>
+      <a:schemeClr val="accent4"/>
+      <a:schemeClr val="accent5"/>
+      <a:schemeClr val="accent6"/>
+    </dgm:linClrLst>
+    <dgm:effectClrLst/>
+    <dgm:txLinClrLst/>
+    <dgm:txFillClrLst meth="repeat">
+      <a:schemeClr val="dk1"/>
+    </dgm:txFillClrLst>
+    <dgm:txEffectClrLst/>
+  </dgm:styleLbl>
+  <dgm:styleLbl name="alignAcc1">
+    <dgm:fillClrLst meth="repeat">
+      <a:schemeClr val="lt1">
+        <a:alpha val="90000"/>
+      </a:schemeClr>
+    </dgm:fillClrLst>
+    <dgm:linClrLst meth="repeat">
+      <a:schemeClr val="accent2"/>
+      <a:schemeClr val="accent3"/>
+      <a:schemeClr val="accent4"/>
+      <a:schemeClr val="accent5"/>
+      <a:schemeClr val="accent6"/>
+    </dgm:linClrLst>
+    <dgm:effectClrLst/>
+    <dgm:txLinClrLst/>
+    <dgm:txFillClrLst meth="repeat">
+      <a:schemeClr val="dk1"/>
+    </dgm:txFillClrLst>
+    <dgm:txEffectClrLst/>
+  </dgm:styleLbl>
+  <dgm:styleLbl name="trAlignAcc1">
+    <dgm:fillClrLst meth="repeat">
+      <a:schemeClr val="lt1">
+        <a:alpha val="40000"/>
+      </a:schemeClr>
+    </dgm:fillClrLst>
+    <dgm:linClrLst meth="repeat">
+      <a:schemeClr val="accent1"/>
+    </dgm:linClrLst>
+    <dgm:effectClrLst/>
+    <dgm:txLinClrLst/>
+    <dgm:txFillClrLst meth="repeat">
+      <a:schemeClr val="dk1"/>
+    </dgm:txFillClrLst>
+    <dgm:txEffectClrLst/>
+  </dgm:styleLbl>
+  <dgm:styleLbl name="bgAcc1">
+    <dgm:fillClrLst meth="repeat">
+      <a:schemeClr val="lt1">
+        <a:alpha val="90000"/>
+      </a:schemeClr>
+    </dgm:fillClrLst>
+    <dgm:linClrLst meth="repeat">
+      <a:schemeClr val="accent2"/>
+      <a:schemeClr val="accent3"/>
+      <a:schemeClr val="accent4"/>
+      <a:schemeClr val="accent5"/>
+      <a:schemeClr val="accent6"/>
+    </dgm:linClrLst>
+    <dgm:effectClrLst/>
+    <dgm:txLinClrLst/>
+    <dgm:txFillClrLst meth="repeat">
+      <a:schemeClr val="dk1"/>
+    </dgm:txFillClrLst>
+    <dgm:txEffectClrLst/>
+  </dgm:styleLbl>
+  <dgm:styleLbl name="solidFgAcc1">
+    <dgm:fillClrLst meth="repeat">
+      <a:schemeClr val="lt1"/>
+    </dgm:fillClrLst>
+    <dgm:linClrLst meth="repeat">
+      <a:schemeClr val="accent2"/>
+      <a:schemeClr val="accent3"/>
+      <a:schemeClr val="accent4"/>
+      <a:schemeClr val="accent5"/>
+      <a:schemeClr val="accent6"/>
+    </dgm:linClrLst>
+    <dgm:effectClrLst/>
+    <dgm:txLinClrLst/>
+    <dgm:txFillClrLst meth="repeat">
+      <a:schemeClr val="dk1"/>
+    </dgm:txFillClrLst>
+    <dgm:txEffectClrLst/>
+  </dgm:styleLbl>
+  <dgm:styleLbl name="solidAlignAcc1">
+    <dgm:fillClrLst meth="repeat">
+      <a:schemeClr val="lt1"/>
+    </dgm:fillClrLst>
+    <dgm:linClrLst meth="repeat">
+      <a:schemeClr val="accent2"/>
+      <a:schemeClr val="accent3"/>
+      <a:schemeClr val="accent4"/>
+      <a:schemeClr val="accent5"/>
+      <a:schemeClr val="accent6"/>
+    </dgm:linClrLst>
+    <dgm:effectClrLst/>
+    <dgm:txLinClrLst/>
+    <dgm:txFillClrLst meth="repeat">
+      <a:schemeClr val="dk1"/>
+    </dgm:txFillClrLst>
+    <dgm:txEffectClrLst/>
+  </dgm:styleLbl>
+  <dgm:styleLbl name="solidBgAcc1">
+    <dgm:fillClrLst meth="repeat">
+      <a:schemeClr val="lt1"/>
+    </dgm:fillClrLst>
+    <dgm:linClrLst meth="repeat">
+      <a:schemeClr val="accent2"/>
+      <a:schemeClr val="accent3"/>
+      <a:schemeClr val="accent4"/>
+      <a:schemeClr val="accent5"/>
+      <a:schemeClr val="accent6"/>
+    </dgm:linClrLst>
+    <dgm:effectClrLst/>
+    <dgm:txLinClrLst/>
+    <dgm:txFillClrLst meth="repeat">
+      <a:schemeClr val="dk1"/>
+    </dgm:txFillClrLst>
+    <dgm:txEffectClrLst/>
+  </dgm:styleLbl>
+  <dgm:styleLbl name="fgAccFollowNode1">
+    <dgm:fillClrLst meth="repeat">
+      <a:schemeClr val="accent2">
+        <a:tint val="40000"/>
+        <a:alpha val="90000"/>
+      </a:schemeClr>
+      <a:schemeClr val="accent3">
+        <a:tint val="40000"/>
+        <a:alpha val="90000"/>
+      </a:schemeClr>
+      <a:schemeClr val="accent4">
+        <a:tint val="40000"/>
+        <a:alpha val="90000"/>
+      </a:schemeClr>
+      <a:schemeClr val="accent5">
+        <a:tint val="40000"/>
+        <a:alpha val="90000"/>
+      </a:schemeClr>
+      <a:schemeClr val="accent6">
+        <a:tint val="40000"/>
+        <a:alpha val="90000"/>
+      </a:schemeClr>
+    </dgm:fillClrLst>
+    <dgm:linClrLst meth="repeat">
+      <a:schemeClr val="accent2">
+        <a:tint val="40000"/>
+        <a:alpha val="90000"/>
+      </a:schemeClr>
+      <a:schemeClr val="accent3">
+        <a:tint val="40000"/>
+        <a:alpha val="90000"/>
+      </a:schemeClr>
+      <a:schemeClr val="accent4">
+        <a:tint val="40000"/>
+        <a:alpha val="90000"/>
+      </a:schemeClr>
+      <a:schemeClr val="accent5">
+        <a:tint val="40000"/>
+        <a:alpha val="90000"/>
+      </a:schemeClr>
+      <a:schemeClr val="accent6">
+        <a:tint val="40000"/>
+        <a:alpha val="90000"/>
+      </a:schemeClr>
+    </dgm:linClrLst>
+    <dgm:effectClrLst/>
+    <dgm:txLinClrLst/>
+    <dgm:txFillClrLst meth="repeat">
+      <a:schemeClr val="dk1"/>
+    </dgm:txFillClrLst>
+    <dgm:txEffectClrLst/>
+  </dgm:styleLbl>
+  <dgm:styleLbl name="alignAccFollowNode1">
+    <dgm:fillClrLst meth="repeat">
+      <a:schemeClr val="accent2">
+        <a:tint val="40000"/>
+        <a:alpha val="90000"/>
+      </a:schemeClr>
+      <a:schemeClr val="accent3">
+        <a:tint val="40000"/>
+        <a:alpha val="90000"/>
+      </a:schemeClr>
+      <a:schemeClr val="accent4">
+        <a:tint val="40000"/>
+        <a:alpha val="90000"/>
+      </a:schemeClr>
+      <a:schemeClr val="accent5">
+        <a:tint val="40000"/>
+        <a:alpha val="90000"/>
+      </a:schemeClr>
+      <a:schemeClr val="accent6">
+        <a:tint val="40000"/>
+        <a:alpha val="90000"/>
+      </a:schemeClr>
+    </dgm:fillClrLst>
+    <dgm:linClrLst meth="repeat">
+      <a:schemeClr val="accent2">
+        <a:tint val="40000"/>
+        <a:alpha val="90000"/>
+      </a:schemeClr>
+      <a:schemeClr val="accent3">
+        <a:tint val="40000"/>
+        <a:alpha val="90000"/>
+      </a:schemeClr>
+      <a:schemeClr val="accent4">
+        <a:tint val="40000"/>
+        <a:alpha val="90000"/>
+      </a:schemeClr>
+      <a:schemeClr val="accent5">
+        <a:tint val="40000"/>
+        <a:alpha val="90000"/>
+      </a:schemeClr>
+      <a:schemeClr val="accent6">
+        <a:tint val="40000"/>
+        <a:alpha val="90000"/>
+      </a:schemeClr>
+    </dgm:linClrLst>
+    <dgm:effectClrLst/>
+    <dgm:txLinClrLst/>
+    <dgm:txFillClrLst meth="repeat">
+      <a:schemeClr val="dk1"/>
+    </dgm:txFillClrLst>
+    <dgm:txEffectClrLst/>
+  </dgm:styleLbl>
+  <dgm:styleLbl name="bgAccFollowNode1">
+    <dgm:fillClrLst meth="repeat">
+      <a:schemeClr val="accent2">
+        <a:tint val="40000"/>
+        <a:alpha val="90000"/>
+      </a:schemeClr>
+      <a:schemeClr val="accent3">
+        <a:tint val="40000"/>
+        <a:alpha val="90000"/>
+      </a:schemeClr>
+      <a:schemeClr val="accent4">
+        <a:tint val="40000"/>
+        <a:alpha val="90000"/>
+      </a:schemeClr>
+      <a:schemeClr val="accent5">
+        <a:tint val="40000"/>
+        <a:alpha val="90000"/>
+      </a:schemeClr>
+      <a:schemeClr val="accent6">
+        <a:tint val="40000"/>
+        <a:alpha val="90000"/>
+      </a:schemeClr>
+    </dgm:fillClrLst>
+    <dgm:linClrLst meth="repeat">
+      <a:schemeClr val="accent2">
+        <a:tint val="40000"/>
+        <a:alpha val="90000"/>
+      </a:schemeClr>
+      <a:schemeClr val="accent3">
+        <a:tint val="40000"/>
+        <a:alpha val="90000"/>
+      </a:schemeClr>
+      <a:schemeClr val="accent4">
+        <a:tint val="40000"/>
+        <a:alpha val="90000"/>
+      </a:schemeClr>
+      <a:schemeClr val="accent5">
+        <a:tint val="40000"/>
+        <a:alpha val="90000"/>
+      </a:schemeClr>
+      <a:schemeClr val="accent6">
+        <a:tint val="40000"/>
+        <a:alpha val="90000"/>
+      </a:schemeClr>
+    </dgm:linClrLst>
+    <dgm:effectClrLst/>
+    <dgm:txLinClrLst/>
+    <dgm:txFillClrLst meth="repeat">
+      <a:schemeClr val="dk1"/>
+    </dgm:txFillClrLst>
+    <dgm:txEffectClrLst/>
+  </dgm:styleLbl>
+  <dgm:styleLbl name="fgAcc0">
+    <dgm:fillClrLst meth="repeat">
+      <a:schemeClr val="lt1">
+        <a:alpha val="90000"/>
+      </a:schemeClr>
+    </dgm:fillClrLst>
+    <dgm:linClrLst>
+      <a:schemeClr val="accent1"/>
+    </dgm:linClrLst>
+    <dgm:effectClrLst/>
+    <dgm:txLinClrLst/>
+    <dgm:txFillClrLst meth="repeat">
+      <a:schemeClr val="dk1"/>
+    </dgm:txFillClrLst>
+    <dgm:txEffectClrLst/>
+  </dgm:styleLbl>
+  <dgm:styleLbl name="fgAcc2">
+    <dgm:fillClrLst meth="repeat">
+      <a:schemeClr val="lt1">
+        <a:alpha val="90000"/>
+      </a:schemeClr>
+    </dgm:fillClrLst>
+    <dgm:linClrLst>
+      <a:schemeClr val="accent2"/>
+    </dgm:linClrLst>
+    <dgm:effectClrLst/>
+    <dgm:txLinClrLst/>
+    <dgm:txFillClrLst meth="repeat">
+      <a:schemeClr val="dk1"/>
+    </dgm:txFillClrLst>
+    <dgm:txEffectClrLst/>
+  </dgm:styleLbl>
+  <dgm:styleLbl name="fgAcc3">
+    <dgm:fillClrLst meth="repeat">
+      <a:schemeClr val="lt1">
+        <a:alpha val="90000"/>
+      </a:schemeClr>
+    </dgm:fillClrLst>
+    <dgm:linClrLst>
+      <a:schemeClr val="accent3"/>
+    </dgm:linClrLst>
+    <dgm:effectClrLst/>
+    <dgm:txLinClrLst/>
+    <dgm:txFillClrLst meth="repeat">
+      <a:schemeClr val="dk1"/>
+    </dgm:txFillClrLst>
+    <dgm:txEffectClrLst/>
+  </dgm:styleLbl>
+  <dgm:styleLbl name="fgAcc4">
+    <dgm:fillClrLst meth="repeat">
+      <a:schemeClr val="lt1">
+        <a:alpha val="90000"/>
+      </a:schemeClr>
+    </dgm:fillClrLst>
+    <dgm:linClrLst>
+      <a:schemeClr val="accent4"/>
+    </dgm:linClrLst>
+    <dgm:effectClrLst/>
+    <dgm:txLinClrLst/>
+    <dgm:txFillClrLst meth="repeat">
+      <a:schemeClr val="dk1"/>
+    </dgm:txFillClrLst>
+    <dgm:txEffectClrLst/>
+  </dgm:styleLbl>
+  <dgm:styleLbl name="bgShp">
+    <dgm:fillClrLst meth="repeat">
+      <a:schemeClr val="accent2">
+        <a:tint val="40000"/>
+      </a:schemeClr>
+    </dgm:fillClrLst>
+    <dgm:linClrLst meth="repeat">
+      <a:schemeClr val="dk1"/>
+    </dgm:linClrLst>
+    <dgm:effectClrLst/>
+    <dgm:txLinClrLst/>
+    <dgm:txFillClrLst meth="repeat">
+      <a:schemeClr val="dk1"/>
+    </dgm:txFillClrLst>
+    <dgm:txEffectClrLst/>
+  </dgm:styleLbl>
+  <dgm:styleLbl name="dkBgShp">
+    <dgm:fillClrLst meth="repeat">
+      <a:schemeClr val="accent2">
+        <a:shade val="90000"/>
+      </a:schemeClr>
+    </dgm:fillClrLst>
+    <dgm:linClrLst meth="repeat">
+      <a:schemeClr val="dk1"/>
+    </dgm:linClrLst>
+    <dgm:effectClrLst/>
+    <dgm:txLinClrLst/>
+    <dgm:txFillClrLst meth="repeat">
+      <a:schemeClr val="lt1"/>
+    </dgm:txFillClrLst>
+    <dgm:txEffectClrLst/>
+  </dgm:styleLbl>
+  <dgm:styleLbl name="trBgShp">
+    <dgm:fillClrLst meth="repeat">
+      <a:schemeClr val="accent1">
+        <a:tint val="50000"/>
+        <a:alpha val="40000"/>
+      </a:schemeClr>
+    </dgm:fillClrLst>
+    <dgm:linClrLst meth="repeat">
+      <a:schemeClr val="accent2"/>
+    </dgm:linClrLst>
+    <dgm:effectClrLst/>
+    <dgm:txLinClrLst/>
+    <dgm:txFillClrLst meth="repeat">
+      <a:schemeClr val="lt1"/>
+    </dgm:txFillClrLst>
+    <dgm:txEffectClrLst/>
+  </dgm:styleLbl>
+  <dgm:styleLbl name="fgShp">
+    <dgm:fillClrLst meth="repeat">
+      <a:schemeClr val="accent2">
+        <a:tint val="40000"/>
+      </a:schemeClr>
+    </dgm:fillClrLst>
+    <dgm:linClrLst meth="repeat">
+      <a:schemeClr val="lt1"/>
+    </dgm:linClrLst>
+    <dgm:effectClrLst/>
+    <dgm:txLinClrLst/>
+    <dgm:txFillClrLst meth="repeat">
+      <a:schemeClr val="dk1"/>
+    </dgm:txFillClrLst>
+    <dgm:txEffectClrLst/>
+  </dgm:styleLbl>
+  <dgm:styleLbl name="revTx">
+    <dgm:fillClrLst meth="repeat">
+      <a:schemeClr val="lt1">
+        <a:alpha val="0"/>
+      </a:schemeClr>
+    </dgm:fillClrLst>
+    <dgm:linClrLst meth="repeat">
+      <a:schemeClr val="dk1">
+        <a:alpha val="0"/>
+      </a:schemeClr>
+    </dgm:linClrLst>
+    <dgm:effectClrLst/>
+    <dgm:txLinClrLst/>
+    <dgm:txFillClrLst meth="repeat">
+      <a:schemeClr val="tx1"/>
+    </dgm:txFillClrLst>
+    <dgm:txEffectClrLst/>
+  </dgm:styleLbl>
+</dgm:colorsDef>
+</file>
+
+<file path=ppt/diagrams/data1.xml><?xml version="1.0" encoding="utf-8"?>
+<dgm:dataModel xmlns:dgm="http://schemas.openxmlformats.org/drawingml/2006/diagram" xmlns:a="http://schemas.openxmlformats.org/drawingml/2006/main">
+  <dgm:ptLst>
+    <dgm:pt modelId="{E577B045-FA6D-4AFF-B17C-3C3AD07E92F5}" type="doc">
+      <dgm:prSet loTypeId="urn:microsoft.com/office/officeart/2016/7/layout/LinearBlockProcessNumbered" loCatId="process" qsTypeId="urn:microsoft.com/office/officeart/2005/8/quickstyle/simple1" qsCatId="simple" csTypeId="urn:microsoft.com/office/officeart/2005/8/colors/colorful1" csCatId="colorful"/>
+      <dgm:spPr/>
+      <dgm:t>
+        <a:bodyPr/>
+        <a:lstStyle/>
+        <a:p>
+          <a:endParaRPr lang="en-US"/>
+        </a:p>
+      </dgm:t>
+    </dgm:pt>
+    <dgm:pt modelId="{C3EC4F32-7A48-4EF4-AE49-28BFD0C19BAB}">
+      <dgm:prSet/>
+      <dgm:spPr/>
+      <dgm:t>
+        <a:bodyPr/>
+        <a:lstStyle/>
+        <a:p>
+          <a:r>
+            <a:rPr lang="en-US"/>
+            <a:t>What is Web Development?</a:t>
+          </a:r>
+        </a:p>
+      </dgm:t>
+    </dgm:pt>
+    <dgm:pt modelId="{7259B3D1-706F-4010-ABAE-EAB4EA44726C}" type="parTrans" cxnId="{088E36F2-26F9-4C59-8808-AF75B7AD549D}">
+      <dgm:prSet/>
+      <dgm:spPr/>
+      <dgm:t>
+        <a:bodyPr/>
+        <a:lstStyle/>
+        <a:p>
+          <a:endParaRPr lang="en-US"/>
+        </a:p>
+      </dgm:t>
+    </dgm:pt>
+    <dgm:pt modelId="{C202EB98-E0ED-43AD-9054-3BC0FAB1358C}" type="sibTrans" cxnId="{088E36F2-26F9-4C59-8808-AF75B7AD549D}">
+      <dgm:prSet phldrT="01" phldr="0"/>
+      <dgm:spPr/>
+      <dgm:t>
+        <a:bodyPr/>
+        <a:lstStyle/>
+        <a:p>
+          <a:r>
+            <a:rPr lang="en-US"/>
+            <a:t>01</a:t>
+          </a:r>
+        </a:p>
+      </dgm:t>
+    </dgm:pt>
+    <dgm:pt modelId="{E76E36D7-E27D-4AAB-9738-9E755A27D544}">
+      <dgm:prSet/>
+      <dgm:spPr/>
+      <dgm:t>
+        <a:bodyPr/>
+        <a:lstStyle/>
+        <a:p>
+          <a:r>
+            <a:rPr lang="en-US"/>
+            <a:t>Who is a Web Developer?</a:t>
+          </a:r>
+        </a:p>
+      </dgm:t>
+    </dgm:pt>
+    <dgm:pt modelId="{6B6EEFC0-1B97-49C0-B809-940C3D3B84DB}" type="parTrans" cxnId="{B20734C5-1CE9-4038-8BB6-453029A81852}">
+      <dgm:prSet/>
+      <dgm:spPr/>
+      <dgm:t>
+        <a:bodyPr/>
+        <a:lstStyle/>
+        <a:p>
+          <a:endParaRPr lang="en-US"/>
+        </a:p>
+      </dgm:t>
+    </dgm:pt>
+    <dgm:pt modelId="{2EED94D1-12F3-47F7-8FD3-A130633F54C3}" type="sibTrans" cxnId="{B20734C5-1CE9-4038-8BB6-453029A81852}">
+      <dgm:prSet phldrT="02" phldr="0"/>
+      <dgm:spPr/>
+      <dgm:t>
+        <a:bodyPr/>
+        <a:lstStyle/>
+        <a:p>
+          <a:r>
+            <a:rPr lang="en-US"/>
+            <a:t>02</a:t>
+          </a:r>
+        </a:p>
+      </dgm:t>
+    </dgm:pt>
+    <dgm:pt modelId="{C89C6309-26FC-46A2-B597-127A537907B5}">
+      <dgm:prSet/>
+      <dgm:spPr/>
+      <dgm:t>
+        <a:bodyPr/>
+        <a:lstStyle/>
+        <a:p>
+          <a:r>
+            <a:rPr lang="en-US"/>
+            <a:t>Who is a Web Designer?</a:t>
+          </a:r>
+        </a:p>
+      </dgm:t>
+    </dgm:pt>
+    <dgm:pt modelId="{A7C2C786-A8BD-426C-AE00-27B91E395D2B}" type="parTrans" cxnId="{3ED9D386-3EC6-44E9-B602-FE5C045FB112}">
+      <dgm:prSet/>
+      <dgm:spPr/>
+      <dgm:t>
+        <a:bodyPr/>
+        <a:lstStyle/>
+        <a:p>
+          <a:endParaRPr lang="en-US"/>
+        </a:p>
+      </dgm:t>
+    </dgm:pt>
+    <dgm:pt modelId="{F14C243E-3C85-4C30-BDE7-98D969197FF0}" type="sibTrans" cxnId="{3ED9D386-3EC6-44E9-B602-FE5C045FB112}">
+      <dgm:prSet phldrT="03" phldr="0"/>
+      <dgm:spPr/>
+      <dgm:t>
+        <a:bodyPr/>
+        <a:lstStyle/>
+        <a:p>
+          <a:r>
+            <a:rPr lang="en-US"/>
+            <a:t>03</a:t>
+          </a:r>
+        </a:p>
+      </dgm:t>
+    </dgm:pt>
+    <dgm:pt modelId="{8A2DADF4-BB97-41F6-9E3A-E75087F53A9C}">
+      <dgm:prSet/>
+      <dgm:spPr/>
+      <dgm:t>
+        <a:bodyPr/>
+        <a:lstStyle/>
+        <a:p>
+          <a:r>
+            <a:rPr lang="en-US"/>
+            <a:t>Web Developer vs Web Designer: Key Roles</a:t>
+          </a:r>
+        </a:p>
+      </dgm:t>
+    </dgm:pt>
+    <dgm:pt modelId="{B1AE029E-DD7E-4DC5-B909-F3BA43E7B747}" type="parTrans" cxnId="{4B8AE599-C813-435F-8E15-55CFC4BDE7BE}">
+      <dgm:prSet/>
+      <dgm:spPr/>
+      <dgm:t>
+        <a:bodyPr/>
+        <a:lstStyle/>
+        <a:p>
+          <a:endParaRPr lang="en-US"/>
+        </a:p>
+      </dgm:t>
+    </dgm:pt>
+    <dgm:pt modelId="{0C8B19BD-FE25-46B5-94C9-4E9110DE09B5}" type="sibTrans" cxnId="{4B8AE599-C813-435F-8E15-55CFC4BDE7BE}">
+      <dgm:prSet phldrT="04" phldr="0"/>
+      <dgm:spPr/>
+      <dgm:t>
+        <a:bodyPr/>
+        <a:lstStyle/>
+        <a:p>
+          <a:r>
+            <a:rPr lang="en-US"/>
+            <a:t>04</a:t>
+          </a:r>
+        </a:p>
+      </dgm:t>
+    </dgm:pt>
+    <dgm:pt modelId="{2118A9BC-6FC2-49A6-AFF1-C192CA912A8F}">
+      <dgm:prSet/>
+      <dgm:spPr/>
+      <dgm:t>
+        <a:bodyPr/>
+        <a:lstStyle/>
+        <a:p>
+          <a:r>
+            <a:rPr lang="en-US"/>
+            <a:t>Salary Trends</a:t>
+          </a:r>
+        </a:p>
+      </dgm:t>
+    </dgm:pt>
+    <dgm:pt modelId="{1F180146-5CB8-4493-9B05-45BBE0C02AD1}" type="parTrans" cxnId="{A4942616-08A2-4C34-BF99-C0494DBCFB88}">
+      <dgm:prSet/>
+      <dgm:spPr/>
+      <dgm:t>
+        <a:bodyPr/>
+        <a:lstStyle/>
+        <a:p>
+          <a:endParaRPr lang="en-US"/>
+        </a:p>
+      </dgm:t>
+    </dgm:pt>
+    <dgm:pt modelId="{EF480448-5B87-49ED-A87D-211953E79000}" type="sibTrans" cxnId="{A4942616-08A2-4C34-BF99-C0494DBCFB88}">
+      <dgm:prSet phldrT="05" phldr="0"/>
+      <dgm:spPr/>
+      <dgm:t>
+        <a:bodyPr/>
+        <a:lstStyle/>
+        <a:p>
+          <a:r>
+            <a:rPr lang="en-US"/>
+            <a:t>05</a:t>
+          </a:r>
+        </a:p>
+      </dgm:t>
+    </dgm:pt>
+    <dgm:pt modelId="{0CC28697-A9F0-44D2-90CA-C46DC7047A7C}" type="pres">
+      <dgm:prSet presAssocID="{E577B045-FA6D-4AFF-B17C-3C3AD07E92F5}" presName="Name0" presStyleCnt="0">
+        <dgm:presLayoutVars>
+          <dgm:animLvl val="lvl"/>
+          <dgm:resizeHandles val="exact"/>
+        </dgm:presLayoutVars>
+      </dgm:prSet>
+      <dgm:spPr/>
+    </dgm:pt>
+    <dgm:pt modelId="{517FFED9-B9CE-4E84-97D0-A7BA5B34B097}" type="pres">
+      <dgm:prSet presAssocID="{C3EC4F32-7A48-4EF4-AE49-28BFD0C19BAB}" presName="compositeNode" presStyleCnt="0">
+        <dgm:presLayoutVars>
+          <dgm:bulletEnabled val="1"/>
+        </dgm:presLayoutVars>
+      </dgm:prSet>
+      <dgm:spPr/>
+    </dgm:pt>
+    <dgm:pt modelId="{62FEAB43-95CC-4702-97F6-5C0754301CAB}" type="pres">
+      <dgm:prSet presAssocID="{C3EC4F32-7A48-4EF4-AE49-28BFD0C19BAB}" presName="bgRect" presStyleLbl="alignNode1" presStyleIdx="0" presStyleCnt="5"/>
+      <dgm:spPr/>
+    </dgm:pt>
+    <dgm:pt modelId="{60269733-037D-4F5E-87E3-C6F346B2383A}" type="pres">
+      <dgm:prSet presAssocID="{C202EB98-E0ED-43AD-9054-3BC0FAB1358C}" presName="sibTransNodeRect" presStyleLbl="alignNode1" presStyleIdx="0" presStyleCnt="5">
+        <dgm:presLayoutVars>
+          <dgm:chMax val="0"/>
+          <dgm:bulletEnabled val="1"/>
+        </dgm:presLayoutVars>
+      </dgm:prSet>
+      <dgm:spPr/>
+    </dgm:pt>
+    <dgm:pt modelId="{D5B0FBBF-D08A-4F19-99FC-9A27A108CDF2}" type="pres">
+      <dgm:prSet presAssocID="{C3EC4F32-7A48-4EF4-AE49-28BFD0C19BAB}" presName="nodeRect" presStyleLbl="alignNode1" presStyleIdx="0" presStyleCnt="5">
+        <dgm:presLayoutVars>
+          <dgm:bulletEnabled val="1"/>
+        </dgm:presLayoutVars>
+      </dgm:prSet>
+      <dgm:spPr/>
+    </dgm:pt>
+    <dgm:pt modelId="{B0C4E6FF-DC6B-4031-917C-EB828FFC5344}" type="pres">
+      <dgm:prSet presAssocID="{C202EB98-E0ED-43AD-9054-3BC0FAB1358C}" presName="sibTrans" presStyleCnt="0"/>
+      <dgm:spPr/>
+    </dgm:pt>
+    <dgm:pt modelId="{9A497ED9-B957-4C18-A054-38B24A50C82C}" type="pres">
+      <dgm:prSet presAssocID="{E76E36D7-E27D-4AAB-9738-9E755A27D544}" presName="compositeNode" presStyleCnt="0">
+        <dgm:presLayoutVars>
+          <dgm:bulletEnabled val="1"/>
+        </dgm:presLayoutVars>
+      </dgm:prSet>
+      <dgm:spPr/>
+    </dgm:pt>
+    <dgm:pt modelId="{EE72A3EC-B4DE-4959-8F2C-F241F799625E}" type="pres">
+      <dgm:prSet presAssocID="{E76E36D7-E27D-4AAB-9738-9E755A27D544}" presName="bgRect" presStyleLbl="alignNode1" presStyleIdx="1" presStyleCnt="5"/>
+      <dgm:spPr/>
+    </dgm:pt>
+    <dgm:pt modelId="{B064356D-7EA5-4237-87EF-5C72FEAEB171}" type="pres">
+      <dgm:prSet presAssocID="{2EED94D1-12F3-47F7-8FD3-A130633F54C3}" presName="sibTransNodeRect" presStyleLbl="alignNode1" presStyleIdx="1" presStyleCnt="5">
+        <dgm:presLayoutVars>
+          <dgm:chMax val="0"/>
+          <dgm:bulletEnabled val="1"/>
+        </dgm:presLayoutVars>
+      </dgm:prSet>
+      <dgm:spPr/>
+    </dgm:pt>
+    <dgm:pt modelId="{D8A17C7A-3A20-45A2-8B7D-B9E0FB574185}" type="pres">
+      <dgm:prSet presAssocID="{E76E36D7-E27D-4AAB-9738-9E755A27D544}" presName="nodeRect" presStyleLbl="alignNode1" presStyleIdx="1" presStyleCnt="5">
+        <dgm:presLayoutVars>
+          <dgm:bulletEnabled val="1"/>
+        </dgm:presLayoutVars>
+      </dgm:prSet>
+      <dgm:spPr/>
+    </dgm:pt>
+    <dgm:pt modelId="{373825AB-DBE0-4FB2-87D3-227845C40C7E}" type="pres">
+      <dgm:prSet presAssocID="{2EED94D1-12F3-47F7-8FD3-A130633F54C3}" presName="sibTrans" presStyleCnt="0"/>
+      <dgm:spPr/>
+    </dgm:pt>
+    <dgm:pt modelId="{42A508F1-9AF7-44AC-80C6-7A2DA50F439B}" type="pres">
+      <dgm:prSet presAssocID="{C89C6309-26FC-46A2-B597-127A537907B5}" presName="compositeNode" presStyleCnt="0">
+        <dgm:presLayoutVars>
+          <dgm:bulletEnabled val="1"/>
+        </dgm:presLayoutVars>
+      </dgm:prSet>
+      <dgm:spPr/>
+    </dgm:pt>
+    <dgm:pt modelId="{BEE820B2-2CD3-4935-B9F0-B52E9E29268F}" type="pres">
+      <dgm:prSet presAssocID="{C89C6309-26FC-46A2-B597-127A537907B5}" presName="bgRect" presStyleLbl="alignNode1" presStyleIdx="2" presStyleCnt="5"/>
+      <dgm:spPr/>
+    </dgm:pt>
+    <dgm:pt modelId="{0986EE69-A632-4B02-971B-6EFE639DFC84}" type="pres">
+      <dgm:prSet presAssocID="{F14C243E-3C85-4C30-BDE7-98D969197FF0}" presName="sibTransNodeRect" presStyleLbl="alignNode1" presStyleIdx="2" presStyleCnt="5">
+        <dgm:presLayoutVars>
+          <dgm:chMax val="0"/>
+          <dgm:bulletEnabled val="1"/>
+        </dgm:presLayoutVars>
+      </dgm:prSet>
+      <dgm:spPr/>
+    </dgm:pt>
+    <dgm:pt modelId="{061D06A1-6F11-4787-81A2-7EFB394742AD}" type="pres">
+      <dgm:prSet presAssocID="{C89C6309-26FC-46A2-B597-127A537907B5}" presName="nodeRect" presStyleLbl="alignNode1" presStyleIdx="2" presStyleCnt="5">
+        <dgm:presLayoutVars>
+          <dgm:bulletEnabled val="1"/>
+        </dgm:presLayoutVars>
+      </dgm:prSet>
+      <dgm:spPr/>
+    </dgm:pt>
+    <dgm:pt modelId="{69A6F840-8402-4EDA-8C35-B002CC428F17}" type="pres">
+      <dgm:prSet presAssocID="{F14C243E-3C85-4C30-BDE7-98D969197FF0}" presName="sibTrans" presStyleCnt="0"/>
+      <dgm:spPr/>
+    </dgm:pt>
+    <dgm:pt modelId="{E7FC5A00-E14E-47F2-B747-CAE8FCAF2409}" type="pres">
+      <dgm:prSet presAssocID="{8A2DADF4-BB97-41F6-9E3A-E75087F53A9C}" presName="compositeNode" presStyleCnt="0">
+        <dgm:presLayoutVars>
+          <dgm:bulletEnabled val="1"/>
+        </dgm:presLayoutVars>
+      </dgm:prSet>
+      <dgm:spPr/>
+    </dgm:pt>
+    <dgm:pt modelId="{D30936C1-597B-4200-AF02-7E41B44005F7}" type="pres">
+      <dgm:prSet presAssocID="{8A2DADF4-BB97-41F6-9E3A-E75087F53A9C}" presName="bgRect" presStyleLbl="alignNode1" presStyleIdx="3" presStyleCnt="5"/>
+      <dgm:spPr/>
+    </dgm:pt>
+    <dgm:pt modelId="{99472F98-8EC0-4808-90A9-264E1AD5B81E}" type="pres">
+      <dgm:prSet presAssocID="{0C8B19BD-FE25-46B5-94C9-4E9110DE09B5}" presName="sibTransNodeRect" presStyleLbl="alignNode1" presStyleIdx="3" presStyleCnt="5">
+        <dgm:presLayoutVars>
+          <dgm:chMax val="0"/>
+          <dgm:bulletEnabled val="1"/>
+        </dgm:presLayoutVars>
+      </dgm:prSet>
+      <dgm:spPr/>
+    </dgm:pt>
+    <dgm:pt modelId="{02F4F071-C707-4447-A600-2B37CCB601A8}" type="pres">
+      <dgm:prSet presAssocID="{8A2DADF4-BB97-41F6-9E3A-E75087F53A9C}" presName="nodeRect" presStyleLbl="alignNode1" presStyleIdx="3" presStyleCnt="5">
+        <dgm:presLayoutVars>
+          <dgm:bulletEnabled val="1"/>
+        </dgm:presLayoutVars>
+      </dgm:prSet>
+      <dgm:spPr/>
+    </dgm:pt>
+    <dgm:pt modelId="{C14B635B-75D3-471F-95CE-7ECC8E20159A}" type="pres">
+      <dgm:prSet presAssocID="{0C8B19BD-FE25-46B5-94C9-4E9110DE09B5}" presName="sibTrans" presStyleCnt="0"/>
+      <dgm:spPr/>
+    </dgm:pt>
+    <dgm:pt modelId="{948BAE4C-B4B0-433C-AA29-5FC755BC51D3}" type="pres">
+      <dgm:prSet presAssocID="{2118A9BC-6FC2-49A6-AFF1-C192CA912A8F}" presName="compositeNode" presStyleCnt="0">
+        <dgm:presLayoutVars>
+          <dgm:bulletEnabled val="1"/>
+        </dgm:presLayoutVars>
+      </dgm:prSet>
+      <dgm:spPr/>
+    </dgm:pt>
+    <dgm:pt modelId="{94B77D61-0B50-4D6E-AAD8-569D8BA7B250}" type="pres">
+      <dgm:prSet presAssocID="{2118A9BC-6FC2-49A6-AFF1-C192CA912A8F}" presName="bgRect" presStyleLbl="alignNode1" presStyleIdx="4" presStyleCnt="5"/>
+      <dgm:spPr/>
+    </dgm:pt>
+    <dgm:pt modelId="{09840DC7-6FF8-4854-A3C5-A5EC4383D3CC}" type="pres">
+      <dgm:prSet presAssocID="{EF480448-5B87-49ED-A87D-211953E79000}" presName="sibTransNodeRect" presStyleLbl="alignNode1" presStyleIdx="4" presStyleCnt="5">
+        <dgm:presLayoutVars>
+          <dgm:chMax val="0"/>
+          <dgm:bulletEnabled val="1"/>
+        </dgm:presLayoutVars>
+      </dgm:prSet>
+      <dgm:spPr/>
+    </dgm:pt>
+    <dgm:pt modelId="{283C3FFD-C0BD-452A-A1CE-76E09FBE1B8E}" type="pres">
+      <dgm:prSet presAssocID="{2118A9BC-6FC2-49A6-AFF1-C192CA912A8F}" presName="nodeRect" presStyleLbl="alignNode1" presStyleIdx="4" presStyleCnt="5">
+        <dgm:presLayoutVars>
+          <dgm:bulletEnabled val="1"/>
+        </dgm:presLayoutVars>
+      </dgm:prSet>
+      <dgm:spPr/>
+    </dgm:pt>
+  </dgm:ptLst>
+  <dgm:cxnLst>
+    <dgm:cxn modelId="{AFF3E40F-BCE9-4972-8BC4-06466B1FA247}" type="presOf" srcId="{E577B045-FA6D-4AFF-B17C-3C3AD07E92F5}" destId="{0CC28697-A9F0-44D2-90CA-C46DC7047A7C}" srcOrd="0" destOrd="0" presId="urn:microsoft.com/office/officeart/2016/7/layout/LinearBlockProcessNumbered"/>
+    <dgm:cxn modelId="{A4942616-08A2-4C34-BF99-C0494DBCFB88}" srcId="{E577B045-FA6D-4AFF-B17C-3C3AD07E92F5}" destId="{2118A9BC-6FC2-49A6-AFF1-C192CA912A8F}" srcOrd="4" destOrd="0" parTransId="{1F180146-5CB8-4493-9B05-45BBE0C02AD1}" sibTransId="{EF480448-5B87-49ED-A87D-211953E79000}"/>
+    <dgm:cxn modelId="{EDA8E720-0846-47C7-9473-8CB0FEE7C382}" type="presOf" srcId="{8A2DADF4-BB97-41F6-9E3A-E75087F53A9C}" destId="{D30936C1-597B-4200-AF02-7E41B44005F7}" srcOrd="0" destOrd="0" presId="urn:microsoft.com/office/officeart/2016/7/layout/LinearBlockProcessNumbered"/>
+    <dgm:cxn modelId="{291F5F2C-6327-4B60-926E-A995581214A3}" type="presOf" srcId="{2EED94D1-12F3-47F7-8FD3-A130633F54C3}" destId="{B064356D-7EA5-4237-87EF-5C72FEAEB171}" srcOrd="0" destOrd="0" presId="urn:microsoft.com/office/officeart/2016/7/layout/LinearBlockProcessNumbered"/>
+    <dgm:cxn modelId="{77DA622E-7ACF-4F5F-8931-E1F74FD79143}" type="presOf" srcId="{E76E36D7-E27D-4AAB-9738-9E755A27D544}" destId="{D8A17C7A-3A20-45A2-8B7D-B9E0FB574185}" srcOrd="1" destOrd="0" presId="urn:microsoft.com/office/officeart/2016/7/layout/LinearBlockProcessNumbered"/>
+    <dgm:cxn modelId="{B2ABFD38-B1A6-491E-A5B5-43D21C768D31}" type="presOf" srcId="{EF480448-5B87-49ED-A87D-211953E79000}" destId="{09840DC7-6FF8-4854-A3C5-A5EC4383D3CC}" srcOrd="0" destOrd="0" presId="urn:microsoft.com/office/officeart/2016/7/layout/LinearBlockProcessNumbered"/>
+    <dgm:cxn modelId="{2CE8725F-F370-4EE1-B6C7-8B39020C316A}" type="presOf" srcId="{C202EB98-E0ED-43AD-9054-3BC0FAB1358C}" destId="{60269733-037D-4F5E-87E3-C6F346B2383A}" srcOrd="0" destOrd="0" presId="urn:microsoft.com/office/officeart/2016/7/layout/LinearBlockProcessNumbered"/>
+    <dgm:cxn modelId="{0A336E68-E9EB-4F93-ADFF-973293BB330A}" type="presOf" srcId="{C3EC4F32-7A48-4EF4-AE49-28BFD0C19BAB}" destId="{62FEAB43-95CC-4702-97F6-5C0754301CAB}" srcOrd="0" destOrd="0" presId="urn:microsoft.com/office/officeart/2016/7/layout/LinearBlockProcessNumbered"/>
+    <dgm:cxn modelId="{C090D249-4F4C-4FC0-A4E2-D77730DD7651}" type="presOf" srcId="{C89C6309-26FC-46A2-B597-127A537907B5}" destId="{061D06A1-6F11-4787-81A2-7EFB394742AD}" srcOrd="1" destOrd="0" presId="urn:microsoft.com/office/officeart/2016/7/layout/LinearBlockProcessNumbered"/>
+    <dgm:cxn modelId="{29E1CA71-46B5-48A7-9AE2-0E94AA735DC5}" type="presOf" srcId="{2118A9BC-6FC2-49A6-AFF1-C192CA912A8F}" destId="{283C3FFD-C0BD-452A-A1CE-76E09FBE1B8E}" srcOrd="1" destOrd="0" presId="urn:microsoft.com/office/officeart/2016/7/layout/LinearBlockProcessNumbered"/>
+    <dgm:cxn modelId="{37D46253-4319-4E7C-B0F1-E8FD70882AC2}" type="presOf" srcId="{E76E36D7-E27D-4AAB-9738-9E755A27D544}" destId="{EE72A3EC-B4DE-4959-8F2C-F241F799625E}" srcOrd="0" destOrd="0" presId="urn:microsoft.com/office/officeart/2016/7/layout/LinearBlockProcessNumbered"/>
+    <dgm:cxn modelId="{C3E6F374-F6CE-4C67-A34E-7FE2D7CD53BD}" type="presOf" srcId="{2118A9BC-6FC2-49A6-AFF1-C192CA912A8F}" destId="{94B77D61-0B50-4D6E-AAD8-569D8BA7B250}" srcOrd="0" destOrd="0" presId="urn:microsoft.com/office/officeart/2016/7/layout/LinearBlockProcessNumbered"/>
+    <dgm:cxn modelId="{88B97576-3E44-4FC9-B4D6-5ACAE6D16190}" type="presOf" srcId="{F14C243E-3C85-4C30-BDE7-98D969197FF0}" destId="{0986EE69-A632-4B02-971B-6EFE639DFC84}" srcOrd="0" destOrd="0" presId="urn:microsoft.com/office/officeart/2016/7/layout/LinearBlockProcessNumbered"/>
+    <dgm:cxn modelId="{BBE78280-0DFA-4356-BC0E-3815C733E028}" type="presOf" srcId="{C89C6309-26FC-46A2-B597-127A537907B5}" destId="{BEE820B2-2CD3-4935-B9F0-B52E9E29268F}" srcOrd="0" destOrd="0" presId="urn:microsoft.com/office/officeart/2016/7/layout/LinearBlockProcessNumbered"/>
+    <dgm:cxn modelId="{A297D781-D141-4538-98FB-0B8CDEEA4D9A}" type="presOf" srcId="{0C8B19BD-FE25-46B5-94C9-4E9110DE09B5}" destId="{99472F98-8EC0-4808-90A9-264E1AD5B81E}" srcOrd="0" destOrd="0" presId="urn:microsoft.com/office/officeart/2016/7/layout/LinearBlockProcessNumbered"/>
+    <dgm:cxn modelId="{3ED9D386-3EC6-44E9-B602-FE5C045FB112}" srcId="{E577B045-FA6D-4AFF-B17C-3C3AD07E92F5}" destId="{C89C6309-26FC-46A2-B597-127A537907B5}" srcOrd="2" destOrd="0" parTransId="{A7C2C786-A8BD-426C-AE00-27B91E395D2B}" sibTransId="{F14C243E-3C85-4C30-BDE7-98D969197FF0}"/>
+    <dgm:cxn modelId="{696C2F98-26EC-41FA-87D6-9DC9E7B996AF}" type="presOf" srcId="{8A2DADF4-BB97-41F6-9E3A-E75087F53A9C}" destId="{02F4F071-C707-4447-A600-2B37CCB601A8}" srcOrd="1" destOrd="0" presId="urn:microsoft.com/office/officeart/2016/7/layout/LinearBlockProcessNumbered"/>
+    <dgm:cxn modelId="{4B8AE599-C813-435F-8E15-55CFC4BDE7BE}" srcId="{E577B045-FA6D-4AFF-B17C-3C3AD07E92F5}" destId="{8A2DADF4-BB97-41F6-9E3A-E75087F53A9C}" srcOrd="3" destOrd="0" parTransId="{B1AE029E-DD7E-4DC5-B909-F3BA43E7B747}" sibTransId="{0C8B19BD-FE25-46B5-94C9-4E9110DE09B5}"/>
+    <dgm:cxn modelId="{B20734C5-1CE9-4038-8BB6-453029A81852}" srcId="{E577B045-FA6D-4AFF-B17C-3C3AD07E92F5}" destId="{E76E36D7-E27D-4AAB-9738-9E755A27D544}" srcOrd="1" destOrd="0" parTransId="{6B6EEFC0-1B97-49C0-B809-940C3D3B84DB}" sibTransId="{2EED94D1-12F3-47F7-8FD3-A130633F54C3}"/>
+    <dgm:cxn modelId="{7E76D5F1-A9B0-4D39-A822-BA0888140DDA}" type="presOf" srcId="{C3EC4F32-7A48-4EF4-AE49-28BFD0C19BAB}" destId="{D5B0FBBF-D08A-4F19-99FC-9A27A108CDF2}" srcOrd="1" destOrd="0" presId="urn:microsoft.com/office/officeart/2016/7/layout/LinearBlockProcessNumbered"/>
+    <dgm:cxn modelId="{088E36F2-26F9-4C59-8808-AF75B7AD549D}" srcId="{E577B045-FA6D-4AFF-B17C-3C3AD07E92F5}" destId="{C3EC4F32-7A48-4EF4-AE49-28BFD0C19BAB}" srcOrd="0" destOrd="0" parTransId="{7259B3D1-706F-4010-ABAE-EAB4EA44726C}" sibTransId="{C202EB98-E0ED-43AD-9054-3BC0FAB1358C}"/>
+    <dgm:cxn modelId="{C0F2DB53-45A3-459F-A406-2D0F116F3A17}" type="presParOf" srcId="{0CC28697-A9F0-44D2-90CA-C46DC7047A7C}" destId="{517FFED9-B9CE-4E84-97D0-A7BA5B34B097}" srcOrd="0" destOrd="0" presId="urn:microsoft.com/office/officeart/2016/7/layout/LinearBlockProcessNumbered"/>
+    <dgm:cxn modelId="{E1019C66-F13B-44C6-ACEB-82BA6AD4CA99}" type="presParOf" srcId="{517FFED9-B9CE-4E84-97D0-A7BA5B34B097}" destId="{62FEAB43-95CC-4702-97F6-5C0754301CAB}" srcOrd="0" destOrd="0" presId="urn:microsoft.com/office/officeart/2016/7/layout/LinearBlockProcessNumbered"/>
+    <dgm:cxn modelId="{893F0693-B899-4EC3-94FC-1E379F52A61F}" type="presParOf" srcId="{517FFED9-B9CE-4E84-97D0-A7BA5B34B097}" destId="{60269733-037D-4F5E-87E3-C6F346B2383A}" srcOrd="1" destOrd="0" presId="urn:microsoft.com/office/officeart/2016/7/layout/LinearBlockProcessNumbered"/>
+    <dgm:cxn modelId="{6530C9BD-B271-474A-82F9-D09EA0DEE1FC}" type="presParOf" srcId="{517FFED9-B9CE-4E84-97D0-A7BA5B34B097}" destId="{D5B0FBBF-D08A-4F19-99FC-9A27A108CDF2}" srcOrd="2" destOrd="0" presId="urn:microsoft.com/office/officeart/2016/7/layout/LinearBlockProcessNumbered"/>
+    <dgm:cxn modelId="{2F43649D-90EF-4617-AFB8-0585A7080B7D}" type="presParOf" srcId="{0CC28697-A9F0-44D2-90CA-C46DC7047A7C}" destId="{B0C4E6FF-DC6B-4031-917C-EB828FFC5344}" srcOrd="1" destOrd="0" presId="urn:microsoft.com/office/officeart/2016/7/layout/LinearBlockProcessNumbered"/>
+    <dgm:cxn modelId="{7C4555CA-76BB-47D5-928E-4BF36D7FE664}" type="presParOf" srcId="{0CC28697-A9F0-44D2-90CA-C46DC7047A7C}" destId="{9A497ED9-B957-4C18-A054-38B24A50C82C}" srcOrd="2" destOrd="0" presId="urn:microsoft.com/office/officeart/2016/7/layout/LinearBlockProcessNumbered"/>
+    <dgm:cxn modelId="{41A6DBFB-9AB4-4E59-AF01-82F67853A419}" type="presParOf" srcId="{9A497ED9-B957-4C18-A054-38B24A50C82C}" destId="{EE72A3EC-B4DE-4959-8F2C-F241F799625E}" srcOrd="0" destOrd="0" presId="urn:microsoft.com/office/officeart/2016/7/layout/LinearBlockProcessNumbered"/>
+    <dgm:cxn modelId="{35A2C4D1-2C50-4299-AE87-CBBF0E52725C}" type="presParOf" srcId="{9A497ED9-B957-4C18-A054-38B24A50C82C}" destId="{B064356D-7EA5-4237-87EF-5C72FEAEB171}" srcOrd="1" destOrd="0" presId="urn:microsoft.com/office/officeart/2016/7/layout/LinearBlockProcessNumbered"/>
+    <dgm:cxn modelId="{FF514DDD-3A5E-4FD3-8396-B2DDE1213B7D}" type="presParOf" srcId="{9A497ED9-B957-4C18-A054-38B24A50C82C}" destId="{D8A17C7A-3A20-45A2-8B7D-B9E0FB574185}" srcOrd="2" destOrd="0" presId="urn:microsoft.com/office/officeart/2016/7/layout/LinearBlockProcessNumbered"/>
+    <dgm:cxn modelId="{2E10314A-E7AD-410F-A8BE-75C2D7EF38B7}" type="presParOf" srcId="{0CC28697-A9F0-44D2-90CA-C46DC7047A7C}" destId="{373825AB-DBE0-4FB2-87D3-227845C40C7E}" srcOrd="3" destOrd="0" presId="urn:microsoft.com/office/officeart/2016/7/layout/LinearBlockProcessNumbered"/>
+    <dgm:cxn modelId="{E7EB2B05-16D7-4AC0-BBBC-7D97FA9BF11D}" type="presParOf" srcId="{0CC28697-A9F0-44D2-90CA-C46DC7047A7C}" destId="{42A508F1-9AF7-44AC-80C6-7A2DA50F439B}" srcOrd="4" destOrd="0" presId="urn:microsoft.com/office/officeart/2016/7/layout/LinearBlockProcessNumbered"/>
+    <dgm:cxn modelId="{C5152B08-AB49-415F-B42A-D0CB073F5A3B}" type="presParOf" srcId="{42A508F1-9AF7-44AC-80C6-7A2DA50F439B}" destId="{BEE820B2-2CD3-4935-B9F0-B52E9E29268F}" srcOrd="0" destOrd="0" presId="urn:microsoft.com/office/officeart/2016/7/layout/LinearBlockProcessNumbered"/>
+    <dgm:cxn modelId="{AD053A84-A3F4-49B8-81D6-5BF85D6A7ECA}" type="presParOf" srcId="{42A508F1-9AF7-44AC-80C6-7A2DA50F439B}" destId="{0986EE69-A632-4B02-971B-6EFE639DFC84}" srcOrd="1" destOrd="0" presId="urn:microsoft.com/office/officeart/2016/7/layout/LinearBlockProcessNumbered"/>
+    <dgm:cxn modelId="{067333A1-10E7-4F67-BE6E-77B56F36FDA6}" type="presParOf" srcId="{42A508F1-9AF7-44AC-80C6-7A2DA50F439B}" destId="{061D06A1-6F11-4787-81A2-7EFB394742AD}" srcOrd="2" destOrd="0" presId="urn:microsoft.com/office/officeart/2016/7/layout/LinearBlockProcessNumbered"/>
+    <dgm:cxn modelId="{BEB2D6FD-36D8-4B8B-8FEB-0ECFC89922D3}" type="presParOf" srcId="{0CC28697-A9F0-44D2-90CA-C46DC7047A7C}" destId="{69A6F840-8402-4EDA-8C35-B002CC428F17}" srcOrd="5" destOrd="0" presId="urn:microsoft.com/office/officeart/2016/7/layout/LinearBlockProcessNumbered"/>
+    <dgm:cxn modelId="{812957A0-8542-4F4B-BBEA-885E2AD6B26C}" type="presParOf" srcId="{0CC28697-A9F0-44D2-90CA-C46DC7047A7C}" destId="{E7FC5A00-E14E-47F2-B747-CAE8FCAF2409}" srcOrd="6" destOrd="0" presId="urn:microsoft.com/office/officeart/2016/7/layout/LinearBlockProcessNumbered"/>
+    <dgm:cxn modelId="{517D2151-7900-4278-98C1-13899C08C7B6}" type="presParOf" srcId="{E7FC5A00-E14E-47F2-B747-CAE8FCAF2409}" destId="{D30936C1-597B-4200-AF02-7E41B44005F7}" srcOrd="0" destOrd="0" presId="urn:microsoft.com/office/officeart/2016/7/layout/LinearBlockProcessNumbered"/>
+    <dgm:cxn modelId="{F07A3B5D-EED9-4BB9-9334-C358E8A26ECA}" type="presParOf" srcId="{E7FC5A00-E14E-47F2-B747-CAE8FCAF2409}" destId="{99472F98-8EC0-4808-90A9-264E1AD5B81E}" srcOrd="1" destOrd="0" presId="urn:microsoft.com/office/officeart/2016/7/layout/LinearBlockProcessNumbered"/>
+    <dgm:cxn modelId="{38FEE642-4A81-4926-AFE2-DAC9984F1C74}" type="presParOf" srcId="{E7FC5A00-E14E-47F2-B747-CAE8FCAF2409}" destId="{02F4F071-C707-4447-A600-2B37CCB601A8}" srcOrd="2" destOrd="0" presId="urn:microsoft.com/office/officeart/2016/7/layout/LinearBlockProcessNumbered"/>
+    <dgm:cxn modelId="{19F92712-1806-4CAD-BCEB-BB58CEE9CE06}" type="presParOf" srcId="{0CC28697-A9F0-44D2-90CA-C46DC7047A7C}" destId="{C14B635B-75D3-471F-95CE-7ECC8E20159A}" srcOrd="7" destOrd="0" presId="urn:microsoft.com/office/officeart/2016/7/layout/LinearBlockProcessNumbered"/>
+    <dgm:cxn modelId="{935FF273-AF24-4515-AFF5-623A63AC00BD}" type="presParOf" srcId="{0CC28697-A9F0-44D2-90CA-C46DC7047A7C}" destId="{948BAE4C-B4B0-433C-AA29-5FC755BC51D3}" srcOrd="8" destOrd="0" presId="urn:microsoft.com/office/officeart/2016/7/layout/LinearBlockProcessNumbered"/>
+    <dgm:cxn modelId="{57CDD100-8FF3-44A1-AB52-DB8EBDA6E05B}" type="presParOf" srcId="{948BAE4C-B4B0-433C-AA29-5FC755BC51D3}" destId="{94B77D61-0B50-4D6E-AAD8-569D8BA7B250}" srcOrd="0" destOrd="0" presId="urn:microsoft.com/office/officeart/2016/7/layout/LinearBlockProcessNumbered"/>
+    <dgm:cxn modelId="{91D990BC-E618-442F-AF35-0F45BEA2744A}" type="presParOf" srcId="{948BAE4C-B4B0-433C-AA29-5FC755BC51D3}" destId="{09840DC7-6FF8-4854-A3C5-A5EC4383D3CC}" srcOrd="1" destOrd="0" presId="urn:microsoft.com/office/officeart/2016/7/layout/LinearBlockProcessNumbered"/>
+    <dgm:cxn modelId="{9211D5E6-747A-48FD-9A1B-32065CB3D4BD}" type="presParOf" srcId="{948BAE4C-B4B0-433C-AA29-5FC755BC51D3}" destId="{283C3FFD-C0BD-452A-A1CE-76E09FBE1B8E}" srcOrd="2" destOrd="0" presId="urn:microsoft.com/office/officeart/2016/7/layout/LinearBlockProcessNumbered"/>
+  </dgm:cxnLst>
+  <dgm:bg/>
+  <dgm:whole/>
+  <dgm:extLst>
+    <a:ext uri="http://schemas.microsoft.com/office/drawing/2008/diagram">
+      <dsp:dataModelExt xmlns:dsp="http://schemas.microsoft.com/office/drawing/2008/diagram" relId="rId6" minVer="http://schemas.openxmlformats.org/drawingml/2006/diagram"/>
+    </a:ext>
+  </dgm:extLst>
+</dgm:dataModel>
+</file>
+
+<file path=ppt/diagrams/drawing1.xml><?xml version="1.0" encoding="utf-8"?>
+<dsp:drawing xmlns:dgm="http://schemas.openxmlformats.org/drawingml/2006/diagram" xmlns:dsp="http://schemas.microsoft.com/office/drawing/2008/diagram" xmlns:a="http://schemas.openxmlformats.org/drawingml/2006/main">
+  <dsp:spTree>
+    <dsp:nvGrpSpPr>
+      <dsp:cNvPr id="0" name=""/>
+      <dsp:cNvGrpSpPr/>
+    </dsp:nvGrpSpPr>
+    <dsp:grpSpPr/>
+    <dsp:sp modelId="{62FEAB43-95CC-4702-97F6-5C0754301CAB}">
+      <dsp:nvSpPr>
+        <dsp:cNvPr id="0" name=""/>
+        <dsp:cNvSpPr/>
+      </dsp:nvSpPr>
+      <dsp:spPr>
+        <a:xfrm>
+          <a:off x="6113" y="650415"/>
+          <a:ext cx="1911056" cy="2293268"/>
+        </a:xfrm>
+        <a:prstGeom prst="rect">
+          <a:avLst/>
+        </a:prstGeom>
+        <a:solidFill>
+          <a:schemeClr val="accent2">
+            <a:hueOff val="0"/>
+            <a:satOff val="0"/>
+            <a:lumOff val="0"/>
+            <a:alphaOff val="0"/>
+          </a:schemeClr>
+        </a:solidFill>
+        <a:ln w="12700" cap="flat" cmpd="sng" algn="in">
+          <a:solidFill>
+            <a:schemeClr val="accent2">
+              <a:hueOff val="0"/>
+              <a:satOff val="0"/>
+              <a:lumOff val="0"/>
+              <a:alphaOff val="0"/>
+            </a:schemeClr>
+          </a:solidFill>
+          <a:prstDash val="solid"/>
+        </a:ln>
+        <a:effectLst/>
+      </dsp:spPr>
+      <dsp:style>
+        <a:lnRef idx="2">
+          <a:scrgbClr r="0" g="0" b="0"/>
+        </a:lnRef>
+        <a:fillRef idx="1">
+          <a:scrgbClr r="0" g="0" b="0"/>
+        </a:fillRef>
+        <a:effectRef idx="0">
+          <a:scrgbClr r="0" g="0" b="0"/>
+        </a:effectRef>
+        <a:fontRef idx="minor">
+          <a:schemeClr val="lt1"/>
+        </a:fontRef>
+      </dsp:style>
+      <dsp:txBody>
+        <a:bodyPr spcFirstLastPara="0" vert="horz" wrap="square" lIns="188770" tIns="0" rIns="188770" bIns="330200" numCol="1" spcCol="1270" anchor="t" anchorCtr="0">
+          <a:noAutofit/>
+        </a:bodyPr>
+        <a:lstStyle/>
+        <a:p>
+          <a:pPr marL="0" lvl="0" indent="0" algn="l" defTabSz="844550">
+            <a:lnSpc>
+              <a:spcPct val="90000"/>
+            </a:lnSpc>
+            <a:spcBef>
+              <a:spcPct val="0"/>
+            </a:spcBef>
+            <a:spcAft>
+              <a:spcPct val="35000"/>
+            </a:spcAft>
+            <a:buNone/>
+          </a:pPr>
+          <a:r>
+            <a:rPr lang="en-US" sz="1900" kern="1200"/>
+            <a:t>What is Web Development?</a:t>
+          </a:r>
+        </a:p>
+      </dsp:txBody>
+      <dsp:txXfrm>
+        <a:off x="6113" y="1567723"/>
+        <a:ext cx="1911056" cy="1375961"/>
+      </dsp:txXfrm>
+    </dsp:sp>
+    <dsp:sp modelId="{60269733-037D-4F5E-87E3-C6F346B2383A}">
+      <dsp:nvSpPr>
+        <dsp:cNvPr id="0" name=""/>
+        <dsp:cNvSpPr/>
+      </dsp:nvSpPr>
+      <dsp:spPr>
+        <a:xfrm>
+          <a:off x="6113" y="650415"/>
+          <a:ext cx="1911056" cy="917307"/>
+        </a:xfrm>
+        <a:prstGeom prst="rect">
+          <a:avLst/>
+        </a:prstGeom>
+        <a:noFill/>
+        <a:ln w="12700" cap="flat" cmpd="sng" algn="in">
+          <a:noFill/>
+          <a:prstDash val="solid"/>
+        </a:ln>
+        <a:effectLst/>
+        <a:sp3d/>
+      </dsp:spPr>
+      <dsp:style>
+        <a:lnRef idx="2">
+          <a:scrgbClr r="0" g="0" b="0"/>
+        </a:lnRef>
+        <a:fillRef idx="1">
+          <a:scrgbClr r="0" g="0" b="0"/>
+        </a:fillRef>
+        <a:effectRef idx="0">
+          <a:scrgbClr r="0" g="0" b="0"/>
+        </a:effectRef>
+        <a:fontRef idx="minor">
+          <a:schemeClr val="lt1"/>
+        </a:fontRef>
+      </dsp:style>
+      <dsp:txBody>
+        <a:bodyPr spcFirstLastPara="0" vert="horz" wrap="square" lIns="188770" tIns="165100" rIns="188770" bIns="165100" numCol="1" spcCol="1270" anchor="ctr" anchorCtr="0">
+          <a:noAutofit/>
+        </a:bodyPr>
+        <a:lstStyle/>
+        <a:p>
+          <a:pPr marL="0" lvl="0" indent="0" algn="l" defTabSz="1955800">
+            <a:lnSpc>
+              <a:spcPct val="90000"/>
+            </a:lnSpc>
+            <a:spcBef>
+              <a:spcPct val="0"/>
+            </a:spcBef>
+            <a:spcAft>
+              <a:spcPct val="35000"/>
+            </a:spcAft>
+            <a:buNone/>
+          </a:pPr>
+          <a:r>
+            <a:rPr lang="en-US" sz="4400" kern="1200"/>
+            <a:t>01</a:t>
+          </a:r>
+        </a:p>
+      </dsp:txBody>
+      <dsp:txXfrm>
+        <a:off x="6113" y="650415"/>
+        <a:ext cx="1911056" cy="917307"/>
+      </dsp:txXfrm>
+    </dsp:sp>
+    <dsp:sp modelId="{EE72A3EC-B4DE-4959-8F2C-F241F799625E}">
+      <dsp:nvSpPr>
+        <dsp:cNvPr id="0" name=""/>
+        <dsp:cNvSpPr/>
+      </dsp:nvSpPr>
+      <dsp:spPr>
+        <a:xfrm>
+          <a:off x="2070054" y="650415"/>
+          <a:ext cx="1911056" cy="2293268"/>
+        </a:xfrm>
+        <a:prstGeom prst="rect">
+          <a:avLst/>
+        </a:prstGeom>
+        <a:solidFill>
+          <a:schemeClr val="accent3">
+            <a:hueOff val="0"/>
+            <a:satOff val="0"/>
+            <a:lumOff val="0"/>
+            <a:alphaOff val="0"/>
+          </a:schemeClr>
+        </a:solidFill>
+        <a:ln w="12700" cap="flat" cmpd="sng" algn="in">
+          <a:solidFill>
+            <a:schemeClr val="accent3">
+              <a:hueOff val="0"/>
+              <a:satOff val="0"/>
+              <a:lumOff val="0"/>
+              <a:alphaOff val="0"/>
+            </a:schemeClr>
+          </a:solidFill>
+          <a:prstDash val="solid"/>
+        </a:ln>
+        <a:effectLst/>
+      </dsp:spPr>
+      <dsp:style>
+        <a:lnRef idx="2">
+          <a:scrgbClr r="0" g="0" b="0"/>
+        </a:lnRef>
+        <a:fillRef idx="1">
+          <a:scrgbClr r="0" g="0" b="0"/>
+        </a:fillRef>
+        <a:effectRef idx="0">
+          <a:scrgbClr r="0" g="0" b="0"/>
+        </a:effectRef>
+        <a:fontRef idx="minor">
+          <a:schemeClr val="lt1"/>
+        </a:fontRef>
+      </dsp:style>
+      <dsp:txBody>
+        <a:bodyPr spcFirstLastPara="0" vert="horz" wrap="square" lIns="188770" tIns="0" rIns="188770" bIns="330200" numCol="1" spcCol="1270" anchor="t" anchorCtr="0">
+          <a:noAutofit/>
+        </a:bodyPr>
+        <a:lstStyle/>
+        <a:p>
+          <a:pPr marL="0" lvl="0" indent="0" algn="l" defTabSz="844550">
+            <a:lnSpc>
+              <a:spcPct val="90000"/>
+            </a:lnSpc>
+            <a:spcBef>
+              <a:spcPct val="0"/>
+            </a:spcBef>
+            <a:spcAft>
+              <a:spcPct val="35000"/>
+            </a:spcAft>
+            <a:buNone/>
+          </a:pPr>
+          <a:r>
+            <a:rPr lang="en-US" sz="1900" kern="1200"/>
+            <a:t>Who is a Web Developer?</a:t>
+          </a:r>
+        </a:p>
+      </dsp:txBody>
+      <dsp:txXfrm>
+        <a:off x="2070054" y="1567723"/>
+        <a:ext cx="1911056" cy="1375961"/>
+      </dsp:txXfrm>
+    </dsp:sp>
+    <dsp:sp modelId="{B064356D-7EA5-4237-87EF-5C72FEAEB171}">
+      <dsp:nvSpPr>
+        <dsp:cNvPr id="0" name=""/>
+        <dsp:cNvSpPr/>
+      </dsp:nvSpPr>
+      <dsp:spPr>
+        <a:xfrm>
+          <a:off x="2070054" y="650415"/>
+          <a:ext cx="1911056" cy="917307"/>
+        </a:xfrm>
+        <a:prstGeom prst="rect">
+          <a:avLst/>
+        </a:prstGeom>
+        <a:noFill/>
+        <a:ln w="12700" cap="flat" cmpd="sng" algn="in">
+          <a:noFill/>
+          <a:prstDash val="solid"/>
+        </a:ln>
+        <a:effectLst/>
+        <a:sp3d/>
+      </dsp:spPr>
+      <dsp:style>
+        <a:lnRef idx="2">
+          <a:scrgbClr r="0" g="0" b="0"/>
+        </a:lnRef>
+        <a:fillRef idx="1">
+          <a:scrgbClr r="0" g="0" b="0"/>
+        </a:fillRef>
+        <a:effectRef idx="0">
+          <a:scrgbClr r="0" g="0" b="0"/>
+        </a:effectRef>
+        <a:fontRef idx="minor">
+          <a:schemeClr val="lt1"/>
+        </a:fontRef>
+      </dsp:style>
+      <dsp:txBody>
+        <a:bodyPr spcFirstLastPara="0" vert="horz" wrap="square" lIns="188770" tIns="165100" rIns="188770" bIns="165100" numCol="1" spcCol="1270" anchor="ctr" anchorCtr="0">
+          <a:noAutofit/>
+        </a:bodyPr>
+        <a:lstStyle/>
+        <a:p>
+          <a:pPr marL="0" lvl="0" indent="0" algn="l" defTabSz="1955800">
+            <a:lnSpc>
+              <a:spcPct val="90000"/>
+            </a:lnSpc>
+            <a:spcBef>
+              <a:spcPct val="0"/>
+            </a:spcBef>
+            <a:spcAft>
+              <a:spcPct val="35000"/>
+            </a:spcAft>
+            <a:buNone/>
+          </a:pPr>
+          <a:r>
+            <a:rPr lang="en-US" sz="4400" kern="1200"/>
+            <a:t>02</a:t>
+          </a:r>
+        </a:p>
+      </dsp:txBody>
+      <dsp:txXfrm>
+        <a:off x="2070054" y="650415"/>
+        <a:ext cx="1911056" cy="917307"/>
+      </dsp:txXfrm>
+    </dsp:sp>
+    <dsp:sp modelId="{BEE820B2-2CD3-4935-B9F0-B52E9E29268F}">
+      <dsp:nvSpPr>
+        <dsp:cNvPr id="0" name=""/>
+        <dsp:cNvSpPr/>
+      </dsp:nvSpPr>
+      <dsp:spPr>
+        <a:xfrm>
+          <a:off x="4133996" y="650415"/>
+          <a:ext cx="1911056" cy="2293268"/>
+        </a:xfrm>
+        <a:prstGeom prst="rect">
+          <a:avLst/>
+        </a:prstGeom>
+        <a:solidFill>
+          <a:schemeClr val="accent4">
+            <a:hueOff val="0"/>
+            <a:satOff val="0"/>
+            <a:lumOff val="0"/>
+            <a:alphaOff val="0"/>
+          </a:schemeClr>
+        </a:solidFill>
+        <a:ln w="12700" cap="flat" cmpd="sng" algn="in">
+          <a:solidFill>
+            <a:schemeClr val="accent4">
+              <a:hueOff val="0"/>
+              <a:satOff val="0"/>
+              <a:lumOff val="0"/>
+              <a:alphaOff val="0"/>
+            </a:schemeClr>
+          </a:solidFill>
+          <a:prstDash val="solid"/>
+        </a:ln>
+        <a:effectLst/>
+      </dsp:spPr>
+      <dsp:style>
+        <a:lnRef idx="2">
+          <a:scrgbClr r="0" g="0" b="0"/>
+        </a:lnRef>
+        <a:fillRef idx="1">
+          <a:scrgbClr r="0" g="0" b="0"/>
+        </a:fillRef>
+        <a:effectRef idx="0">
+          <a:scrgbClr r="0" g="0" b="0"/>
+        </a:effectRef>
+        <a:fontRef idx="minor">
+          <a:schemeClr val="lt1"/>
+        </a:fontRef>
+      </dsp:style>
+      <dsp:txBody>
+        <a:bodyPr spcFirstLastPara="0" vert="horz" wrap="square" lIns="188770" tIns="0" rIns="188770" bIns="330200" numCol="1" spcCol="1270" anchor="t" anchorCtr="0">
+          <a:noAutofit/>
+        </a:bodyPr>
+        <a:lstStyle/>
+        <a:p>
+          <a:pPr marL="0" lvl="0" indent="0" algn="l" defTabSz="844550">
+            <a:lnSpc>
+              <a:spcPct val="90000"/>
+            </a:lnSpc>
+            <a:spcBef>
+              <a:spcPct val="0"/>
+            </a:spcBef>
+            <a:spcAft>
+              <a:spcPct val="35000"/>
+            </a:spcAft>
+            <a:buNone/>
+          </a:pPr>
+          <a:r>
+            <a:rPr lang="en-US" sz="1900" kern="1200"/>
+            <a:t>Who is a Web Designer?</a:t>
+          </a:r>
+        </a:p>
+      </dsp:txBody>
+      <dsp:txXfrm>
+        <a:off x="4133996" y="1567723"/>
+        <a:ext cx="1911056" cy="1375961"/>
+      </dsp:txXfrm>
+    </dsp:sp>
+    <dsp:sp modelId="{0986EE69-A632-4B02-971B-6EFE639DFC84}">
+      <dsp:nvSpPr>
+        <dsp:cNvPr id="0" name=""/>
+        <dsp:cNvSpPr/>
+      </dsp:nvSpPr>
+      <dsp:spPr>
+        <a:xfrm>
+          <a:off x="4133996" y="650415"/>
+          <a:ext cx="1911056" cy="917307"/>
+        </a:xfrm>
+        <a:prstGeom prst="rect">
+          <a:avLst/>
+        </a:prstGeom>
+        <a:noFill/>
+        <a:ln w="12700" cap="flat" cmpd="sng" algn="in">
+          <a:noFill/>
+          <a:prstDash val="solid"/>
+        </a:ln>
+        <a:effectLst/>
+        <a:sp3d/>
+      </dsp:spPr>
+      <dsp:style>
+        <a:lnRef idx="2">
+          <a:scrgbClr r="0" g="0" b="0"/>
+        </a:lnRef>
+        <a:fillRef idx="1">
+          <a:scrgbClr r="0" g="0" b="0"/>
+        </a:fillRef>
+        <a:effectRef idx="0">
+          <a:scrgbClr r="0" g="0" b="0"/>
+        </a:effectRef>
+        <a:fontRef idx="minor">
+          <a:schemeClr val="lt1"/>
+        </a:fontRef>
+      </dsp:style>
+      <dsp:txBody>
+        <a:bodyPr spcFirstLastPara="0" vert="horz" wrap="square" lIns="188770" tIns="165100" rIns="188770" bIns="165100" numCol="1" spcCol="1270" anchor="ctr" anchorCtr="0">
+          <a:noAutofit/>
+        </a:bodyPr>
+        <a:lstStyle/>
+        <a:p>
+          <a:pPr marL="0" lvl="0" indent="0" algn="l" defTabSz="1955800">
+            <a:lnSpc>
+              <a:spcPct val="90000"/>
+            </a:lnSpc>
+            <a:spcBef>
+              <a:spcPct val="0"/>
+            </a:spcBef>
+            <a:spcAft>
+              <a:spcPct val="35000"/>
+            </a:spcAft>
+            <a:buNone/>
+          </a:pPr>
+          <a:r>
+            <a:rPr lang="en-US" sz="4400" kern="1200"/>
+            <a:t>03</a:t>
+          </a:r>
+        </a:p>
+      </dsp:txBody>
+      <dsp:txXfrm>
+        <a:off x="4133996" y="650415"/>
+        <a:ext cx="1911056" cy="917307"/>
+      </dsp:txXfrm>
+    </dsp:sp>
+    <dsp:sp modelId="{D30936C1-597B-4200-AF02-7E41B44005F7}">
+      <dsp:nvSpPr>
+        <dsp:cNvPr id="0" name=""/>
+        <dsp:cNvSpPr/>
+      </dsp:nvSpPr>
+      <dsp:spPr>
+        <a:xfrm>
+          <a:off x="6197938" y="650415"/>
+          <a:ext cx="1911056" cy="2293268"/>
+        </a:xfrm>
+        <a:prstGeom prst="rect">
+          <a:avLst/>
+        </a:prstGeom>
+        <a:solidFill>
+          <a:schemeClr val="accent5">
+            <a:hueOff val="0"/>
+            <a:satOff val="0"/>
+            <a:lumOff val="0"/>
+            <a:alphaOff val="0"/>
+          </a:schemeClr>
+        </a:solidFill>
+        <a:ln w="12700" cap="flat" cmpd="sng" algn="in">
+          <a:solidFill>
+            <a:schemeClr val="accent5">
+              <a:hueOff val="0"/>
+              <a:satOff val="0"/>
+              <a:lumOff val="0"/>
+              <a:alphaOff val="0"/>
+            </a:schemeClr>
+          </a:solidFill>
+          <a:prstDash val="solid"/>
+        </a:ln>
+        <a:effectLst/>
+      </dsp:spPr>
+      <dsp:style>
+        <a:lnRef idx="2">
+          <a:scrgbClr r="0" g="0" b="0"/>
+        </a:lnRef>
+        <a:fillRef idx="1">
+          <a:scrgbClr r="0" g="0" b="0"/>
+        </a:fillRef>
+        <a:effectRef idx="0">
+          <a:scrgbClr r="0" g="0" b="0"/>
+        </a:effectRef>
+        <a:fontRef idx="minor">
+          <a:schemeClr val="lt1"/>
+        </a:fontRef>
+      </dsp:style>
+      <dsp:txBody>
+        <a:bodyPr spcFirstLastPara="0" vert="horz" wrap="square" lIns="188770" tIns="0" rIns="188770" bIns="330200" numCol="1" spcCol="1270" anchor="t" anchorCtr="0">
+          <a:noAutofit/>
+        </a:bodyPr>
+        <a:lstStyle/>
+        <a:p>
+          <a:pPr marL="0" lvl="0" indent="0" algn="l" defTabSz="844550">
+            <a:lnSpc>
+              <a:spcPct val="90000"/>
+            </a:lnSpc>
+            <a:spcBef>
+              <a:spcPct val="0"/>
+            </a:spcBef>
+            <a:spcAft>
+              <a:spcPct val="35000"/>
+            </a:spcAft>
+            <a:buNone/>
+          </a:pPr>
+          <a:r>
+            <a:rPr lang="en-US" sz="1900" kern="1200"/>
+            <a:t>Web Developer vs Web Designer: Key Roles</a:t>
+          </a:r>
+        </a:p>
+      </dsp:txBody>
+      <dsp:txXfrm>
+        <a:off x="6197938" y="1567723"/>
+        <a:ext cx="1911056" cy="1375961"/>
+      </dsp:txXfrm>
+    </dsp:sp>
+    <dsp:sp modelId="{99472F98-8EC0-4808-90A9-264E1AD5B81E}">
+      <dsp:nvSpPr>
+        <dsp:cNvPr id="0" name=""/>
+        <dsp:cNvSpPr/>
+      </dsp:nvSpPr>
+      <dsp:spPr>
+        <a:xfrm>
+          <a:off x="6197938" y="650415"/>
+          <a:ext cx="1911056" cy="917307"/>
+        </a:xfrm>
+        <a:prstGeom prst="rect">
+          <a:avLst/>
+        </a:prstGeom>
+        <a:noFill/>
+        <a:ln w="12700" cap="flat" cmpd="sng" algn="in">
+          <a:noFill/>
+          <a:prstDash val="solid"/>
+        </a:ln>
+        <a:effectLst/>
+        <a:sp3d/>
+      </dsp:spPr>
+      <dsp:style>
+        <a:lnRef idx="2">
+          <a:scrgbClr r="0" g="0" b="0"/>
+        </a:lnRef>
+        <a:fillRef idx="1">
+          <a:scrgbClr r="0" g="0" b="0"/>
+        </a:fillRef>
+        <a:effectRef idx="0">
+          <a:scrgbClr r="0" g="0" b="0"/>
+        </a:effectRef>
+        <a:fontRef idx="minor">
+          <a:schemeClr val="lt1"/>
+        </a:fontRef>
+      </dsp:style>
+      <dsp:txBody>
+        <a:bodyPr spcFirstLastPara="0" vert="horz" wrap="square" lIns="188770" tIns="165100" rIns="188770" bIns="165100" numCol="1" spcCol="1270" anchor="ctr" anchorCtr="0">
+          <a:noAutofit/>
+        </a:bodyPr>
+        <a:lstStyle/>
+        <a:p>
+          <a:pPr marL="0" lvl="0" indent="0" algn="l" defTabSz="1955800">
+            <a:lnSpc>
+              <a:spcPct val="90000"/>
+            </a:lnSpc>
+            <a:spcBef>
+              <a:spcPct val="0"/>
+            </a:spcBef>
+            <a:spcAft>
+              <a:spcPct val="35000"/>
+            </a:spcAft>
+            <a:buNone/>
+          </a:pPr>
+          <a:r>
+            <a:rPr lang="en-US" sz="4400" kern="1200"/>
+            <a:t>04</a:t>
+          </a:r>
+        </a:p>
+      </dsp:txBody>
+      <dsp:txXfrm>
+        <a:off x="6197938" y="650415"/>
+        <a:ext cx="1911056" cy="917307"/>
+      </dsp:txXfrm>
+    </dsp:sp>
+    <dsp:sp modelId="{94B77D61-0B50-4D6E-AAD8-569D8BA7B250}">
+      <dsp:nvSpPr>
+        <dsp:cNvPr id="0" name=""/>
+        <dsp:cNvSpPr/>
+      </dsp:nvSpPr>
+      <dsp:spPr>
+        <a:xfrm>
+          <a:off x="8261879" y="650415"/>
+          <a:ext cx="1911056" cy="2293268"/>
+        </a:xfrm>
+        <a:prstGeom prst="rect">
+          <a:avLst/>
+        </a:prstGeom>
+        <a:solidFill>
+          <a:schemeClr val="accent6">
+            <a:hueOff val="0"/>
+            <a:satOff val="0"/>
+            <a:lumOff val="0"/>
+            <a:alphaOff val="0"/>
+          </a:schemeClr>
+        </a:solidFill>
+        <a:ln w="12700" cap="flat" cmpd="sng" algn="in">
+          <a:solidFill>
+            <a:schemeClr val="accent6">
+              <a:hueOff val="0"/>
+              <a:satOff val="0"/>
+              <a:lumOff val="0"/>
+              <a:alphaOff val="0"/>
+            </a:schemeClr>
+          </a:solidFill>
+          <a:prstDash val="solid"/>
+        </a:ln>
+        <a:effectLst/>
+      </dsp:spPr>
+      <dsp:style>
+        <a:lnRef idx="2">
+          <a:scrgbClr r="0" g="0" b="0"/>
+        </a:lnRef>
+        <a:fillRef idx="1">
+          <a:scrgbClr r="0" g="0" b="0"/>
+        </a:fillRef>
+        <a:effectRef idx="0">
+          <a:scrgbClr r="0" g="0" b="0"/>
+        </a:effectRef>
+        <a:fontRef idx="minor">
+          <a:schemeClr val="lt1"/>
+        </a:fontRef>
+      </dsp:style>
+      <dsp:txBody>
+        <a:bodyPr spcFirstLastPara="0" vert="horz" wrap="square" lIns="188770" tIns="0" rIns="188770" bIns="330200" numCol="1" spcCol="1270" anchor="t" anchorCtr="0">
+          <a:noAutofit/>
+        </a:bodyPr>
+        <a:lstStyle/>
+        <a:p>
+          <a:pPr marL="0" lvl="0" indent="0" algn="l" defTabSz="844550">
+            <a:lnSpc>
+              <a:spcPct val="90000"/>
+            </a:lnSpc>
+            <a:spcBef>
+              <a:spcPct val="0"/>
+            </a:spcBef>
+            <a:spcAft>
+              <a:spcPct val="35000"/>
+            </a:spcAft>
+            <a:buNone/>
+          </a:pPr>
+          <a:r>
+            <a:rPr lang="en-US" sz="1900" kern="1200"/>
+            <a:t>Salary Trends</a:t>
+          </a:r>
+        </a:p>
+      </dsp:txBody>
+      <dsp:txXfrm>
+        <a:off x="8261879" y="1567723"/>
+        <a:ext cx="1911056" cy="1375961"/>
+      </dsp:txXfrm>
+    </dsp:sp>
+    <dsp:sp modelId="{09840DC7-6FF8-4854-A3C5-A5EC4383D3CC}">
+      <dsp:nvSpPr>
+        <dsp:cNvPr id="0" name=""/>
+        <dsp:cNvSpPr/>
+      </dsp:nvSpPr>
+      <dsp:spPr>
+        <a:xfrm>
+          <a:off x="8261879" y="650415"/>
+          <a:ext cx="1911056" cy="917307"/>
+        </a:xfrm>
+        <a:prstGeom prst="rect">
+          <a:avLst/>
+        </a:prstGeom>
+        <a:noFill/>
+        <a:ln w="12700" cap="flat" cmpd="sng" algn="in">
+          <a:noFill/>
+          <a:prstDash val="solid"/>
+        </a:ln>
+        <a:effectLst/>
+        <a:sp3d/>
+      </dsp:spPr>
+      <dsp:style>
+        <a:lnRef idx="2">
+          <a:scrgbClr r="0" g="0" b="0"/>
+        </a:lnRef>
+        <a:fillRef idx="1">
+          <a:scrgbClr r="0" g="0" b="0"/>
+        </a:fillRef>
+        <a:effectRef idx="0">
+          <a:scrgbClr r="0" g="0" b="0"/>
+        </a:effectRef>
+        <a:fontRef idx="minor">
+          <a:schemeClr val="lt1"/>
+        </a:fontRef>
+      </dsp:style>
+      <dsp:txBody>
+        <a:bodyPr spcFirstLastPara="0" vert="horz" wrap="square" lIns="188770" tIns="165100" rIns="188770" bIns="165100" numCol="1" spcCol="1270" anchor="ctr" anchorCtr="0">
+          <a:noAutofit/>
+        </a:bodyPr>
+        <a:lstStyle/>
+        <a:p>
+          <a:pPr marL="0" lvl="0" indent="0" algn="l" defTabSz="1955800">
+            <a:lnSpc>
+              <a:spcPct val="90000"/>
+            </a:lnSpc>
+            <a:spcBef>
+              <a:spcPct val="0"/>
+            </a:spcBef>
+            <a:spcAft>
+              <a:spcPct val="35000"/>
+            </a:spcAft>
+            <a:buNone/>
+          </a:pPr>
+          <a:r>
+            <a:rPr lang="en-US" sz="4400" kern="1200"/>
+            <a:t>05</a:t>
+          </a:r>
+        </a:p>
+      </dsp:txBody>
+      <dsp:txXfrm>
+        <a:off x="8261879" y="650415"/>
+        <a:ext cx="1911056" cy="917307"/>
+      </dsp:txXfrm>
+    </dsp:sp>
+  </dsp:spTree>
+</dsp:drawing>
+</file>
+
+<file path=ppt/diagrams/layout1.xml><?xml version="1.0" encoding="utf-8"?>
+<dgm:layoutDef xmlns:dgm="http://schemas.openxmlformats.org/drawingml/2006/diagram" xmlns:a="http://schemas.openxmlformats.org/drawingml/2006/main" uniqueId="urn:microsoft.com/office/officeart/2016/7/layout/LinearBlockProcessNumbered">
+  <dgm:title val="Linear Block Process Numbered"/>
+  <dgm:desc val="Used to show a progression; a timeline; sequential steps in a task, process, or workflow; or to emphasize movement or direction. Automatic numbers have been introduced to show the steps of the process. Level 1 text and Level 2 text both appears in a rectangle."/>
+  <dgm:catLst>
+    <dgm:cat type="process" pri="500"/>
+  </dgm:catLst>
+  <dgm:sampData>
+    <dgm:dataModel>
+      <dgm:ptLst>
+        <dgm:pt modelId="0" type="doc"/>
+        <dgm:pt modelId="1">
+          <dgm:prSet phldr="1"/>
+        </dgm:pt>
+        <dgm:pt modelId="11">
+          <dgm:prSet phldr="1"/>
+        </dgm:pt>
+        <dgm:pt modelId="2">
+          <dgm:prSet phldr="1"/>
+        </dgm:pt>
+        <dgm:pt modelId="21">
+          <dgm:prSet phldr="1"/>
+        </dgm:pt>
+        <dgm:pt modelId="3">
+          <dgm:prSet phldr="1"/>
+        </dgm:pt>
+        <dgm:pt modelId="31">
+          <dgm:prSet phldr="1"/>
+        </dgm:pt>
+        <dgm:pt modelId="101" type="sibTrans" cxnId="4">
+          <dgm:prSet phldrT="1"/>
+          <dgm:t>
+            <a:bodyPr/>
+            <a:lstStyle/>
+            <a:p>
+              <a:r>
+                <a:t>01</a:t>
+              </a:r>
+            </a:p>
+          </dgm:t>
+        </dgm:pt>
+        <dgm:pt modelId="201" type="sibTrans" cxnId="5">
+          <dgm:prSet phldrT="2"/>
+          <dgm:t>
+            <a:bodyPr/>
+            <a:lstStyle/>
+            <a:p>
+              <a:r>
+                <a:t>02</a:t>
+              </a:r>
+            </a:p>
+          </dgm:t>
+        </dgm:pt>
+        <dgm:pt modelId="301" type="sibTrans" cxnId="6">
+          <dgm:prSet phldrT="3"/>
+          <dgm:t>
+            <a:bodyPr/>
+            <a:lstStyle/>
+            <a:p>
+              <a:r>
+                <a:t>03</a:t>
+              </a:r>
+            </a:p>
+          </dgm:t>
+        </dgm:pt>
+      </dgm:ptLst>
+      <dgm:cxnLst>
+        <dgm:cxn modelId="4" srcId="0" destId="1" srcOrd="0" destOrd="0" sibTransId="101"/>
+        <dgm:cxn modelId="5" srcId="0" destId="2" srcOrd="1" destOrd="0" sibTransId="201"/>
+        <dgm:cxn modelId="6" srcId="0" destId="3" srcOrd="2" destOrd="0" sibTransId="301"/>
+        <dgm:cxn modelId="13" srcId="1" destId="11" srcOrd="0" destOrd="0"/>
+        <dgm:cxn modelId="23" srcId="2" destId="21" srcOrd="0" destOrd="0"/>
+        <dgm:cxn modelId="33" srcId="3" destId="31" srcOrd="0" destOrd="0"/>
+      </dgm:cxnLst>
+      <dgm:bg/>
+      <dgm:whole/>
+    </dgm:dataModel>
+  </dgm:sampData>
+  <dgm:styleData>
+    <dgm:dataModel>
+      <dgm:ptLst>
+        <dgm:pt modelId="0" type="doc"/>
+        <dgm:pt modelId="1"/>
+        <dgm:pt modelId="11"/>
+        <dgm:pt modelId="2"/>
+        <dgm:pt modelId="21"/>
+      </dgm:ptLst>
+      <dgm:cxnLst>
+        <dgm:cxn modelId="4" srcId="0" destId="1" srcOrd="0" destOrd="0"/>
+        <dgm:cxn modelId="5" srcId="0" destId="2" srcOrd="1" destOrd="0"/>
+        <dgm:cxn modelId="13" srcId="1" destId="11" srcOrd="0" destOrd="0"/>
+        <dgm:cxn modelId="23" srcId="2" destId="21" srcOrd="0" destOrd="0"/>
+      </dgm:cxnLst>
+      <dgm:bg/>
+      <dgm:whole/>
+    </dgm:dataModel>
+  </dgm:styleData>
+  <dgm:clrData>
+    <dgm:dataModel>
+      <dgm:ptLst>
+        <dgm:pt modelId="0" type="doc"/>
+        <dgm:pt modelId="1"/>
+        <dgm:pt modelId="11"/>
+        <dgm:pt modelId="2"/>
+        <dgm:pt modelId="21"/>
+        <dgm:pt modelId="3"/>
+        <dgm:pt modelId="31"/>
+        <dgm:pt modelId="4"/>
+        <dgm:pt modelId="41"/>
+      </dgm:ptLst>
+      <dgm:cxnLst>
+        <dgm:cxn modelId="5" srcId="0" destId="1" srcOrd="0" destOrd="0"/>
+        <dgm:cxn modelId="6" srcId="0" destId="2" srcOrd="1" destOrd="0"/>
+        <dgm:cxn modelId="7" srcId="0" destId="3" srcOrd="2" destOrd="0"/>
+        <dgm:cxn modelId="8" srcId="0" destId="4" srcOrd="3" destOrd="0"/>
+        <dgm:cxn modelId="13" srcId="1" destId="11" srcOrd="0" destOrd="0"/>
+        <dgm:cxn modelId="23" srcId="2" destId="21" srcOrd="0" destOrd="0"/>
+        <dgm:cxn modelId="33" srcId="3" destId="31" srcOrd="0" destOrd="0"/>
+        <dgm:cxn modelId="43" srcId="4" destId="41" srcOrd="0" destOrd="0"/>
+      </dgm:cxnLst>
+      <dgm:bg/>
+      <dgm:whole/>
+    </dgm:dataModel>
+  </dgm:clrData>
+  <dgm:layoutNode name="Name0">
+    <dgm:varLst>
+      <dgm:animLvl val="lvl"/>
+      <dgm:resizeHandles val="exact"/>
+    </dgm:varLst>
+    <dgm:alg type="lin">
+      <dgm:param type="linDir" val="fromL"/>
+      <dgm:param type="nodeVertAlign" val="t"/>
+    </dgm:alg>
+    <dgm:shape xmlns:r="http://schemas.openxmlformats.org/officeDocument/2006/relationships" r:blip="">
+      <dgm:adjLst/>
+    </dgm:shape>
+    <dgm:presOf/>
+    <dgm:constrLst>
+      <dgm:constr type="h" for="ch" forName="compositeNode" refType="h"/>
+      <dgm:constr type="w" for="ch" forName="compositeNode" refType="w"/>
+      <dgm:constr type="w" for="des" forName="simulatedConn" refType="w" refFor="ch" refForName="compositeNode" fact="0.15"/>
+      <dgm:constr type="h" for="des" forName="simulatedConn" refType="w" refFor="des" refForName="simulatedConn"/>
+      <dgm:constr type="h" for="des" forName="vSp1" refType="w" refFor="ch" refForName="compositeNode" fact="0.8"/>
+      <dgm:constr type="h" for="des" forName="vSp2" refType="w" refFor="ch" refForName="compositeNode" fact="0.07"/>
+      <dgm:constr type="w" for="ch" forName="vProcSp" refType="w" refFor="des" refForName="simulatedConn" op="equ"/>
+      <dgm:constr type="h" for="ch" forName="vProcSp" refType="h" refFor="ch" refForName="compositeNode" op="equ"/>
+      <dgm:constr type="w" for="ch" forName="sibTrans" refType="w" refFor="ch" refForName="compositeNode" fact="0.08"/>
+      <dgm:constr type="primFontSz" for="des" forName="sibTransNodeRect" op="equ"/>
+      <dgm:constr type="primFontSz" for="des" forName="nodeRect" op="equ"/>
+    </dgm:constrLst>
+    <dgm:ruleLst/>
+    <dgm:forEach name="Name4" axis="ch" ptType="node">
+      <dgm:layoutNode name="compositeNode">
+        <dgm:varLst>
+          <dgm:bulletEnabled val="1"/>
+        </dgm:varLst>
+        <dgm:alg type="composite"/>
+        <dgm:constrLst>
+          <dgm:constr type="h" refType="w" op="lte" fact="1.2"/>
+          <dgm:constr type="w" for="ch" forName="bgRect" refType="w"/>
+          <dgm:constr type="h" for="ch" forName="bgRect" refType="h"/>
+          <dgm:constr type="t" for="ch" forName="bgRect"/>
+          <dgm:constr type="l" for="ch" forName="bgRect"/>
+          <dgm:constr type="w" for="ch" forName="sibTransNodeRect" refType="w" refFor="ch" refForName="bgRect"/>
+          <dgm:constr type="h" for="ch" forName="sibTransNodeRect" refType="h" refFor="ch" refForName="bgRect" fact="0.4"/>
+          <dgm:constr type="t" for="ch" forName="sibTransNodeRect"/>
+          <dgm:constr type="l" for="ch" forName="sibTransNodeRect"/>
+          <dgm:constr type="r" for="ch" forName="nodeRect" refType="r" refFor="ch" refForName="bgRect"/>
+          <dgm:constr type="h" for="ch" forName="nodeRect" refType="h" refFor="ch" refForName="bgRect" fact="0.6"/>
+          <dgm:constr type="t" for="ch" forName="nodeRect" refType="b" refFor="ch" refForName="sibTransNodeRect"/>
+          <dgm:constr type="l" for="ch" forName="nodeRect" refType="l" refFor="ch" refForName="bgRect"/>
+        </dgm:constrLst>
+        <dgm:ruleLst>
+          <dgm:rule type="w" for="ch" forName="nodeRect" val="NaN" fact="NaN" max="30"/>
+        </dgm:ruleLst>
+        <dgm:layoutNode name="bgRect" styleLbl="alignNode1">
+          <dgm:alg type="sp"/>
+          <dgm:shape xmlns:r="http://schemas.openxmlformats.org/officeDocument/2006/relationships" type="rect" r:blip="">
+            <dgm:adjLst>
+              <dgm:adj idx="1" val="0.05"/>
+            </dgm:adjLst>
+          </dgm:shape>
+          <dgm:presOf axis="self"/>
+          <dgm:constrLst/>
+          <dgm:ruleLst/>
+        </dgm:layoutNode>
+        <dgm:forEach name="Name19" axis="followSib" ptType="sibTrans" hideLastTrans="0" cnt="1">
+          <dgm:layoutNode name="sibTransNodeRect" styleLbl="alignNode1">
+            <dgm:varLst>
+              <dgm:chMax val="0"/>
+              <dgm:bulletEnabled val="1"/>
+            </dgm:varLst>
+            <dgm:presOf axis="self"/>
+            <dgm:alg type="tx">
+              <dgm:param type="parTxLTRAlign" val="l"/>
+              <dgm:param type="parTxRTLAlign" val="l"/>
+            </dgm:alg>
+            <dgm:shape xmlns:r="http://schemas.openxmlformats.org/officeDocument/2006/relationships" type="rect" r:blip="" hideGeom="1">
+              <dgm:adjLst/>
+            </dgm:shape>
+            <dgm:constrLst>
+              <dgm:constr type="primFontSz" val="66"/>
+              <dgm:constr type="tMarg" val="13"/>
+              <dgm:constr type="lMarg" refType="w" fact="0.28"/>
+              <dgm:constr type="rMarg" refType="w" fact="0.28"/>
+              <dgm:constr type="bMarg" val="13"/>
+            </dgm:constrLst>
+            <dgm:ruleLst>
+              <dgm:rule type="primFontSz" val="14" fact="NaN" max="NaN"/>
+              <dgm:rule type="tMarg" val="13" fact="NaN" max="NaN"/>
+            </dgm:ruleLst>
+          </dgm:layoutNode>
+        </dgm:forEach>
+        <dgm:layoutNode name="nodeRect" styleLbl="alignNode1" moveWith="bgRect">
+          <dgm:varLst>
+            <dgm:bulletEnabled val="1"/>
+          </dgm:varLst>
+          <dgm:alg type="tx">
+            <dgm:param type="parTxLTRAlign" val="l"/>
+            <dgm:param type="parTxRTLAlign" val="r"/>
+            <dgm:param type="txAnchorVert" val="t"/>
+            <dgm:param type="stBulletLvl" val="2"/>
+          </dgm:alg>
+          <dgm:shape xmlns:r="http://schemas.openxmlformats.org/officeDocument/2006/relationships" type="rect" r:blip="" hideGeom="1">
+            <dgm:adjLst/>
+          </dgm:shape>
+          <dgm:presOf axis="desOrSelf" ptType="node"/>
+          <dgm:constrLst>
+            <dgm:constr type="primFontSz" val="26"/>
+            <dgm:constr type="tMarg"/>
+            <dgm:constr type="lMarg" refType="w" fact="0.28"/>
+            <dgm:constr type="rMarg" refType="w" fact="0.28"/>
+            <dgm:constr type="bMarg" val="26"/>
+          </dgm:constrLst>
+          <dgm:ruleLst>
+            <dgm:rule type="primFontSz" val="11" fact="NaN" max="NaN"/>
+          </dgm:ruleLst>
+        </dgm:layoutNode>
+      </dgm:layoutNode>
+      <dgm:forEach name="Name14" axis="followSib" ptType="sibTrans" cnt="1">
+        <dgm:layoutNode name="sibTrans">
+          <dgm:alg type="sp"/>
+          <dgm:shape xmlns:r="http://schemas.openxmlformats.org/officeDocument/2006/relationships" r:blip="">
+            <dgm:adjLst/>
+          </dgm:shape>
+          <dgm:presOf/>
+          <dgm:constrLst/>
+          <dgm:ruleLst/>
+        </dgm:layoutNode>
+      </dgm:forEach>
+    </dgm:forEach>
+  </dgm:layoutNode>
+  <dgm:extLst>
+    <a:ext uri="{4F341089-5ED1-44EC-B178-C955D00A3D55}">
+      <dgm1611:autoBuNodeInfoLst xmlns:dgm1611="http://schemas.microsoft.com/office/drawing/2016/11/diagram">
+        <dgm1611:autoBuNodeInfo lvl="1" ptType="sibTrans">
+          <dgm1611:buPr prefix="" leadZeros="1">
+            <a:buAutoNum type="arabicParenBoth"/>
+          </dgm1611:buPr>
+        </dgm1611:autoBuNodeInfo>
+      </dgm1611:autoBuNodeInfoLst>
+    </a:ext>
+  </dgm:extLst>
+</dgm:layoutDef>
+</file>
+
+<file path=ppt/diagrams/quickStyle1.xml><?xml version="1.0" encoding="utf-8"?>
+<dgm:styleDef xmlns:dgm="http://schemas.openxmlformats.org/drawingml/2006/diagram" xmlns:a="http://schemas.openxmlformats.org/drawingml/2006/main" uniqueId="urn:microsoft.com/office/officeart/2005/8/quickstyle/simple1">
+  <dgm:title val=""/>
+  <dgm:desc val=""/>
+  <dgm:catLst>
+    <dgm:cat type="simple" pri="10100"/>
+  </dgm:catLst>
+  <dgm:scene3d>
+    <a:camera prst="orthographicFront"/>
+    <a:lightRig rig="threePt" dir="t"/>
+  </dgm:scene3d>
+  <dgm:styleLbl name="node0">
+    <dgm:scene3d>
+      <a:camera prst="orthographicFront"/>
+      <a:lightRig rig="threePt" dir="t"/>
+    </dgm:scene3d>
+    <dgm:sp3d/>
+    <dgm:txPr/>
+    <dgm:style>
+      <a:lnRef idx="2">
+        <a:scrgbClr r="0" g="0" b="0"/>
+      </a:lnRef>
+      <a:fillRef idx="1">
+        <a:scrgbClr r="0" g="0" b="0"/>
+      </a:fillRef>
+      <a:effectRef idx="0">
+        <a:scrgbClr r="0" g="0" b="0"/>
+      </a:effectRef>
+      <a:fontRef idx="minor">
+        <a:schemeClr val="lt1"/>
+      </a:fontRef>
+    </dgm:style>
+  </dgm:styleLbl>
+  <dgm:styleLbl name="lnNode1">
+    <dgm:scene3d>
+      <a:camera prst="orthographicFront"/>
+      <a:lightRig rig="threePt" dir="t"/>
+    </dgm:scene3d>
+    <dgm:sp3d/>
+    <dgm:txPr/>
+    <dgm:style>
+      <a:lnRef idx="2">
+        <a:scrgbClr r="0" g="0" b="0"/>
+      </a:lnRef>
+      <a:fillRef idx="1">
+        <a:scrgbClr r="0" g="0" b="0"/>
+      </a:fillRef>
+      <a:effectRef idx="0">
+        <a:scrgbClr r="0" g="0" b="0"/>
+      </a:effectRef>
+      <a:fontRef idx="minor">
+        <a:schemeClr val="lt1"/>
+      </a:fontRef>
+    </dgm:style>
+  </dgm:styleLbl>
+  <dgm:styleLbl name="vennNode1">
+    <dgm:scene3d>
+      <a:camera prst="orthographicFront"/>
+      <a:lightRig rig="threePt" dir="t"/>
+    </dgm:scene3d>
+    <dgm:sp3d/>
+    <dgm:txPr/>
+    <dgm:style>
+      <a:lnRef idx="2">
+        <a:scrgbClr r="0" g="0" b="0"/>
+      </a:lnRef>
+      <a:fillRef idx="1">
+        <a:scrgbClr r="0" g="0" b="0"/>
+      </a:fillRef>
+      <a:effectRef idx="0">
+        <a:scrgbClr r="0" g="0" b="0"/>
+      </a:effectRef>
+      <a:fontRef idx="minor">
+        <a:schemeClr val="tx1"/>
+      </a:fontRef>
+    </dgm:style>
+  </dgm:styleLbl>
+  <dgm:styleLbl name="alignNode1">
+    <dgm:scene3d>
+      <a:camera prst="orthographicFront"/>
+      <a:lightRig rig="threePt" dir="t"/>
+    </dgm:scene3d>
+    <dgm:sp3d/>
+    <dgm:txPr/>
+    <dgm:style>
+      <a:lnRef idx="2">
+        <a:scrgbClr r="0" g="0" b="0"/>
+      </a:lnRef>
+      <a:fillRef idx="1">
+        <a:scrgbClr r="0" g="0" b="0"/>
+      </a:fillRef>
+      <a:effectRef idx="0">
+        <a:scrgbClr r="0" g="0" b="0"/>
+      </a:effectRef>
+      <a:fontRef idx="minor">
+        <a:schemeClr val="lt1"/>
+      </a:fontRef>
+    </dgm:style>
+  </dgm:styleLbl>
+  <dgm:styleLbl name="node1">
+    <dgm:scene3d>
+      <a:camera prst="orthographicFront"/>
+      <a:lightRig rig="threePt" dir="t"/>
+    </dgm:scene3d>
+    <dgm:sp3d/>
+    <dgm:txPr/>
+    <dgm:style>
+      <a:lnRef idx="2">
+        <a:scrgbClr r="0" g="0" b="0"/>
+      </a:lnRef>
+      <a:fillRef idx="1">
+        <a:scrgbClr r="0" g="0" b="0"/>
+      </a:fillRef>
+      <a:effectRef idx="0">
+        <a:scrgbClr r="0" g="0" b="0"/>
+      </a:effectRef>
+      <a:fontRef idx="minor">
+        <a:schemeClr val="lt1"/>
+      </a:fontRef>
+    </dgm:style>
+  </dgm:styleLbl>
+  <dgm:styleLbl name="node2">
+    <dgm:scene3d>
+      <a:camera prst="orthographicFront"/>
+      <a:lightRig rig="threePt" dir="t"/>
+    </dgm:scene3d>
+    <dgm:sp3d/>
+    <dgm:txPr/>
+    <dgm:style>
+      <a:lnRef idx="2">
+        <a:scrgbClr r="0" g="0" b="0"/>
+      </a:lnRef>
+      <a:fillRef idx="1">
+        <a:scrgbClr r="0" g="0" b="0"/>
+      </a:fillRef>
+      <a:effectRef idx="0">
+        <a:scrgbClr r="0" g="0" b="0"/>
+      </a:effectRef>
+      <a:fontRef idx="minor">
+        <a:schemeClr val="lt1"/>
+      </a:fontRef>
+    </dgm:style>
+  </dgm:styleLbl>
+  <dgm:styleLbl name="node3">
+    <dgm:scene3d>
+      <a:camera prst="orthographicFront"/>
+      <a:lightRig rig="threePt" dir="t"/>
+    </dgm:scene3d>
+    <dgm:sp3d/>
+    <dgm:txPr/>
+    <dgm:style>
+      <a:lnRef idx="2">
+        <a:scrgbClr r="0" g="0" b="0"/>
+      </a:lnRef>
+      <a:fillRef idx="1">
+        <a:scrgbClr r="0" g="0" b="0"/>
+      </a:fillRef>
+      <a:effectRef idx="0">
+        <a:scrgbClr r="0" g="0" b="0"/>
+      </a:effectRef>
+      <a:fontRef idx="minor">
+        <a:schemeClr val="lt1"/>
+      </a:fontRef>
+    </dgm:style>
+  </dgm:styleLbl>
+  <dgm:styleLbl name="node4">
+    <dgm:scene3d>
+      <a:camera prst="orthographicFront"/>
+      <a:lightRig rig="threePt" dir="t"/>
+    </dgm:scene3d>
+    <dgm:sp3d/>
+    <dgm:txPr/>
+    <dgm:style>
+      <a:lnRef idx="2">
+        <a:scrgbClr r="0" g="0" b="0"/>
+      </a:lnRef>
+      <a:fillRef idx="1">
+        <a:scrgbClr r="0" g="0" b="0"/>
+      </a:fillRef>
+      <a:effectRef idx="0">
+        <a:scrgbClr r="0" g="0" b="0"/>
+      </a:effectRef>
+      <a:fontRef idx="minor">
+        <a:schemeClr val="lt1"/>
+      </a:fontRef>
+    </dgm:style>
+  </dgm:styleLbl>
+  <dgm:styleLbl name="fgImgPlace1">
+    <dgm:scene3d>
+      <a:camera prst="orthographicFront"/>
+      <a:lightRig rig="threePt" dir="t"/>
+    </dgm:scene3d>
+    <dgm:sp3d/>
+    <dgm:txPr/>
+    <dgm:style>
+      <a:lnRef idx="2">
+        <a:scrgbClr r="0" g="0" b="0"/>
+      </a:lnRef>
+      <a:fillRef idx="1">
+        <a:scrgbClr r="0" g="0" b="0"/>
+      </a:fillRef>
+      <a:effectRef idx="0">
+        <a:scrgbClr r="0" g="0" b="0"/>
+      </a:effectRef>
+      <a:fontRef idx="minor"/>
+    </dgm:style>
+  </dgm:styleLbl>
+  <dgm:styleLbl name="alignImgPlace1">
+    <dgm:scene3d>
+      <a:camera prst="orthographicFront"/>
+      <a:lightRig rig="threePt" dir="t"/>
+    </dgm:scene3d>
+    <dgm:sp3d/>
+    <dgm:txPr/>
+    <dgm:style>
+      <a:lnRef idx="2">
+        <a:scrgbClr r="0" g="0" b="0"/>
+      </a:lnRef>
+      <a:fillRef idx="1">
+        <a:scrgbClr r="0" g="0" b="0"/>
+      </a:fillRef>
+      <a:effectRef idx="0">
+        <a:scrgbClr r="0" g="0" b="0"/>
+      </a:effectRef>
+      <a:fontRef idx="minor"/>
+    </dgm:style>
+  </dgm:styleLbl>
+  <dgm:styleLbl name="bgImgPlace1">
+    <dgm:scene3d>
+      <a:camera prst="orthographicFront"/>
+      <a:lightRig rig="threePt" dir="t"/>
+    </dgm:scene3d>
+    <dgm:sp3d/>
+    <dgm:txPr/>
+    <dgm:style>
+      <a:lnRef idx="2">
+        <a:scrgbClr r="0" g="0" b="0"/>
+      </a:lnRef>
+      <a:fillRef idx="1">
+        <a:scrgbClr r="0" g="0" b="0"/>
+      </a:fillRef>
+      <a:effectRef idx="0">
+        <a:scrgbClr r="0" g="0" b="0"/>
+      </a:effectRef>
+      <a:fontRef idx="minor"/>
+    </dgm:style>
+  </dgm:styleLbl>
+  <dgm:styleLbl name="sibTrans2D1">
+    <dgm:scene3d>
+      <a:camera prst="orthographicFront"/>
+      <a:lightRig rig="threePt" dir="t"/>
+    </dgm:scene3d>
+    <dgm:sp3d/>
+    <dgm:txPr/>
+    <dgm:style>
+      <a:lnRef idx="0">
+        <a:scrgbClr r="0" g="0" b="0"/>
+      </a:lnRef>
+      <a:fillRef idx="1">
+        <a:scrgbClr r="0" g="0" b="0"/>
+      </a:fillRef>
+      <a:effectRef idx="0">
+        <a:scrgbClr r="0" g="0" b="0"/>
+      </a:effectRef>
+      <a:fontRef idx="minor">
+        <a:schemeClr val="lt1"/>
+      </a:fontRef>
+    </dgm:style>
+  </dgm:styleLbl>
+  <dgm:styleLbl name="fgSibTrans2D1">
+    <dgm:scene3d>
+      <a:camera prst="orthographicFront"/>
+      <a:lightRig rig="threePt" dir="t"/>
+    </dgm:scene3d>
+    <dgm:sp3d/>
+    <dgm:txPr/>
+    <dgm:style>
+      <a:lnRef idx="0">
+        <a:scrgbClr r="0" g="0" b="0"/>
+      </a:lnRef>
+      <a:fillRef idx="1">
+        <a:scrgbClr r="0" g="0" b="0"/>
+      </a:fillRef>
+      <a:effectRef idx="0">
+        <a:scrgbClr r="0" g="0" b="0"/>
+      </a:effectRef>
+      <a:fontRef idx="minor">
+        <a:schemeClr val="lt1"/>
+      </a:fontRef>
+    </dgm:style>
+  </dgm:styleLbl>
+  <dgm:styleLbl name="bgSibTrans2D1">
+    <dgm:scene3d>
+      <a:camera prst="orthographicFront"/>
+      <a:lightRig rig="threePt" dir="t"/>
+    </dgm:scene3d>
+    <dgm:sp3d/>
+    <dgm:txPr/>
+    <dgm:style>
+      <a:lnRef idx="0">
+        <a:scrgbClr r="0" g="0" b="0"/>
+      </a:lnRef>
+      <a:fillRef idx="1">
+        <a:scrgbClr r="0" g="0" b="0"/>
+      </a:fillRef>
+      <a:effectRef idx="0">
+        <a:scrgbClr r="0" g="0" b="0"/>
+      </a:effectRef>
+      <a:fontRef idx="minor">
+        <a:schemeClr val="lt1"/>
+      </a:fontRef>
+    </dgm:style>
+  </dgm:styleLbl>
+  <dgm:styleLbl name="sibTrans1D1">
+    <dgm:scene3d>
+      <a:camera prst="orthographicFront"/>
+      <a:lightRig rig="threePt" dir="t"/>
+    </dgm:scene3d>
+    <dgm:sp3d/>
+    <dgm:txPr/>
+    <dgm:style>
+      <a:lnRef idx="1">
+        <a:scrgbClr r="0" g="0" b="0"/>
+      </a:lnRef>
+      <a:fillRef idx="0">
+        <a:scrgbClr r="0" g="0" b="0"/>
+      </a:fillRef>
+      <a:effectRef idx="0">
+        <a:scrgbClr r="0" g="0" b="0"/>
+      </a:effectRef>
+      <a:fontRef idx="minor"/>
+    </dgm:style>
+  </dgm:styleLbl>
+  <dgm:styleLbl name="callout">
+    <dgm:scene3d>
+      <a:camera prst="orthographicFront"/>
+      <a:lightRig rig="threePt" dir="t"/>
+    </dgm:scene3d>
+    <dgm:sp3d/>
+    <dgm:txPr/>
+    <dgm:style>
+      <a:lnRef idx="2">
+        <a:scrgbClr r="0" g="0" b="0"/>
+      </a:lnRef>
+      <a:fillRef idx="1">
+        <a:scrgbClr r="0" g="0" b="0"/>
+      </a:fillRef>
+      <a:effectRef idx="0">
+        <a:scrgbClr r="0" g="0" b="0"/>
+      </a:effectRef>
+      <a:fontRef idx="minor"/>
+    </dgm:style>
+  </dgm:styleLbl>
+  <dgm:styleLbl name="asst0">
+    <dgm:scene3d>
+      <a:camera prst="orthographicFront"/>
+      <a:lightRig rig="threePt" dir="t"/>
+    </dgm:scene3d>
+    <dgm:sp3d/>
+    <dgm:txPr/>
+    <dgm:style>
+      <a:lnRef idx="2">
+        <a:scrgbClr r="0" g="0" b="0"/>
+      </a:lnRef>
+      <a:fillRef idx="1">
+        <a:scrgbClr r="0" g="0" b="0"/>
+      </a:fillRef>
+      <a:effectRef idx="0">
+        <a:scrgbClr r="0" g="0" b="0"/>
+      </a:effectRef>
+      <a:fontRef idx="minor">
+        <a:schemeClr val="lt1"/>
+      </a:fontRef>
+    </dgm:style>
+  </dgm:styleLbl>
+  <dgm:styleLbl name="asst1">
+    <dgm:scene3d>
+      <a:camera prst="orthographicFront"/>
+      <a:lightRig rig="threePt" dir="t"/>
+    </dgm:scene3d>
+    <dgm:sp3d/>
+    <dgm:txPr/>
+    <dgm:style>
+      <a:lnRef idx="2">
+        <a:scrgbClr r="0" g="0" b="0"/>
+      </a:lnRef>
+      <a:fillRef idx="1">
+        <a:scrgbClr r="0" g="0" b="0"/>
+      </a:fillRef>
+      <a:effectRef idx="0">
+        <a:scrgbClr r="0" g="0" b="0"/>
+      </a:effectRef>
+      <a:fontRef idx="minor">
+        <a:schemeClr val="lt1"/>
+      </a:fontRef>
+    </dgm:style>
+  </dgm:styleLbl>
+  <dgm:styleLbl name="asst2">
+    <dgm:scene3d>
+      <a:camera prst="orthographicFront"/>
+      <a:lightRig rig="threePt" dir="t"/>
+    </dgm:scene3d>
+    <dgm:sp3d/>
+    <dgm:txPr/>
+    <dgm:style>
+      <a:lnRef idx="2">
+        <a:scrgbClr r="0" g="0" b="0"/>
+      </a:lnRef>
+      <a:fillRef idx="1">
+        <a:scrgbClr r="0" g="0" b="0"/>
+      </a:fillRef>
+      <a:effectRef idx="0">
+        <a:scrgbClr r="0" g="0" b="0"/>
+      </a:effectRef>
+      <a:fontRef idx="minor">
+        <a:schemeClr val="lt1"/>
+      </a:fontRef>
+    </dgm:style>
+  </dgm:styleLbl>
+  <dgm:styleLbl name="asst3">
+    <dgm:scene3d>
+      <a:camera prst="orthographicFront"/>
+      <a:lightRig rig="threePt" dir="t"/>
+    </dgm:scene3d>
+    <dgm:sp3d/>
+    <dgm:txPr/>
+    <dgm:style>
+      <a:lnRef idx="2">
+        <a:scrgbClr r="0" g="0" b="0"/>
+      </a:lnRef>
+      <a:fillRef idx="1">
+        <a:scrgbClr r="0" g="0" b="0"/>
+      </a:fillRef>
+      <a:effectRef idx="0">
+        <a:scrgbClr r="0" g="0" b="0"/>
+      </a:effectRef>
+      <a:fontRef idx="minor">
+        <a:schemeClr val="lt1"/>
+      </a:fontRef>
+    </dgm:style>
+  </dgm:styleLbl>
+  <dgm:styleLbl name="asst4">
+    <dgm:scene3d>
+      <a:camera prst="orthographicFront"/>
+      <a:lightRig rig="threePt" dir="t"/>
+    </dgm:scene3d>
+    <dgm:sp3d/>
+    <dgm:txPr/>
+    <dgm:style>
+      <a:lnRef idx="2">
+        <a:scrgbClr r="0" g="0" b="0"/>
+      </a:lnRef>
+      <a:fillRef idx="1">
+        <a:scrgbClr r="0" g="0" b="0"/>
+      </a:fillRef>
+      <a:effectRef idx="0">
+        <a:scrgbClr r="0" g="0" b="0"/>
+      </a:effectRef>
+      <a:fontRef idx="minor">
+        <a:schemeClr val="lt1"/>
+      </a:fontRef>
+    </dgm:style>
+  </dgm:styleLbl>
+  <dgm:styleLbl name="parChTrans2D1">
+    <dgm:scene3d>
+      <a:camera prst="orthographicFront"/>
+      <a:lightRig rig="threePt" dir="t"/>
+    </dgm:scene3d>
+    <dgm:sp3d/>
+    <dgm:txPr/>
+    <dgm:style>
+      <a:lnRef idx="2">
+        <a:scrgbClr r="0" g="0" b="0"/>
+      </a:lnRef>
+      <a:fillRef idx="1">
+        <a:scrgbClr r="0" g="0" b="0"/>
+      </a:fillRef>
+      <a:effectRef idx="0">
+        <a:scrgbClr r="0" g="0" b="0"/>
+      </a:effectRef>
+      <a:fontRef idx="minor">
+        <a:schemeClr val="lt1"/>
+      </a:fontRef>
+    </dgm:style>
+  </dgm:styleLbl>
+  <dgm:styleLbl name="parChTrans2D2">
+    <dgm:scene3d>
+      <a:camera prst="orthographicFront"/>
+      <a:lightRig rig="threePt" dir="t"/>
+    </dgm:scene3d>
+    <dgm:sp3d/>
+    <dgm:txPr/>
+    <dgm:style>
+      <a:lnRef idx="2">
+        <a:scrgbClr r="0" g="0" b="0"/>
+      </a:lnRef>
+      <a:fillRef idx="1">
+        <a:scrgbClr r="0" g="0" b="0"/>
+      </a:fillRef>
+      <a:effectRef idx="0">
+        <a:scrgbClr r="0" g="0" b="0"/>
+      </a:effectRef>
+      <a:fontRef idx="minor">
+        <a:schemeClr val="lt1"/>
+      </a:fontRef>
+    </dgm:style>
+  </dgm:styleLbl>
+  <dgm:styleLbl name="parChTrans2D3">
+    <dgm:scene3d>
+      <a:camera prst="orthographicFront"/>
+      <a:lightRig rig="threePt" dir="t"/>
+    </dgm:scene3d>
+    <dgm:sp3d/>
+    <dgm:txPr/>
+    <dgm:style>
+      <a:lnRef idx="2">
+        <a:scrgbClr r="0" g="0" b="0"/>
+      </a:lnRef>
+      <a:fillRef idx="1">
+        <a:scrgbClr r="0" g="0" b="0"/>
+      </a:fillRef>
+      <a:effectRef idx="0">
+        <a:scrgbClr r="0" g="0" b="0"/>
+      </a:effectRef>
+      <a:fontRef idx="minor">
+        <a:schemeClr val="lt1"/>
+      </a:fontRef>
+    </dgm:style>
+  </dgm:styleLbl>
+  <dgm:styleLbl name="parChTrans2D4">
+    <dgm:scene3d>
+      <a:camera prst="orthographicFront"/>
+      <a:lightRig rig="threePt" dir="t"/>
+    </dgm:scene3d>
+    <dgm:sp3d/>
+    <dgm:txPr/>
+    <dgm:style>
+      <a:lnRef idx="2">
+        <a:scrgbClr r="0" g="0" b="0"/>
+      </a:lnRef>
+      <a:fillRef idx="1">
+        <a:scrgbClr r="0" g="0" b="0"/>
+      </a:fillRef>
+      <a:effectRef idx="0">
+        <a:scrgbClr r="0" g="0" b="0"/>
+      </a:effectRef>
+      <a:fontRef idx="minor">
+        <a:schemeClr val="lt1"/>
+      </a:fontRef>
+    </dgm:style>
+  </dgm:styleLbl>
+  <dgm:styleLbl name="parChTrans1D1">
+    <dgm:scene3d>
+      <a:camera prst="orthographicFront"/>
+      <a:lightRig rig="threePt" dir="t"/>
+    </dgm:scene3d>
+    <dgm:sp3d/>
+    <dgm:txPr/>
+    <dgm:style>
+      <a:lnRef idx="2">
+        <a:scrgbClr r="0" g="0" b="0"/>
+      </a:lnRef>
+      <a:fillRef idx="0">
+        <a:scrgbClr r="0" g="0" b="0"/>
+      </a:fillRef>
+      <a:effectRef idx="0">
+        <a:scrgbClr r="0" g="0" b="0"/>
+      </a:effectRef>
+      <a:fontRef idx="minor"/>
+    </dgm:style>
+  </dgm:styleLbl>
+  <dgm:styleLbl name="parChTrans1D2">
+    <dgm:scene3d>
+      <a:camera prst="orthographicFront"/>
+      <a:lightRig rig="threePt" dir="t"/>
+    </dgm:scene3d>
+    <dgm:sp3d/>
+    <dgm:txPr/>
+    <dgm:style>
+      <a:lnRef idx="2">
+        <a:scrgbClr r="0" g="0" b="0"/>
+      </a:lnRef>
+      <a:fillRef idx="0">
+        <a:scrgbClr r="0" g="0" b="0"/>
+      </a:fillRef>
+      <a:effectRef idx="0">
+        <a:scrgbClr r="0" g="0" b="0"/>
+      </a:effectRef>
+      <a:fontRef idx="minor"/>
+    </dgm:style>
+  </dgm:styleLbl>
+  <dgm:styleLbl name="parChTrans1D3">
+    <dgm:scene3d>
+      <a:camera prst="orthographicFront"/>
+      <a:lightRig rig="threePt" dir="t"/>
+    </dgm:scene3d>
+    <dgm:sp3d/>
+    <dgm:txPr/>
+    <dgm:style>
+      <a:lnRef idx="2">
+        <a:scrgbClr r="0" g="0" b="0"/>
+      </a:lnRef>
+      <a:fillRef idx="0">
+        <a:scrgbClr r="0" g="0" b="0"/>
+      </a:fillRef>
+      <a:effectRef idx="0">
+        <a:scrgbClr r="0" g="0" b="0"/>
+      </a:effectRef>
+      <a:fontRef idx="minor"/>
+    </dgm:style>
+  </dgm:styleLbl>
+  <dgm:styleLbl name="parChTrans1D4">
+    <dgm:scene3d>
+      <a:camera prst="orthographicFront"/>
+      <a:lightRig rig="threePt" dir="t"/>
+    </dgm:scene3d>
+    <dgm:sp3d/>
+    <dgm:txPr/>
+    <dgm:style>
+      <a:lnRef idx="2">
+        <a:scrgbClr r="0" g="0" b="0"/>
+      </a:lnRef>
+      <a:fillRef idx="0">
+        <a:scrgbClr r="0" g="0" b="0"/>
+      </a:fillRef>
+      <a:effectRef idx="0">
+        <a:scrgbClr r="0" g="0" b="0"/>
+      </a:effectRef>
+      <a:fontRef idx="minor"/>
+    </dgm:style>
+  </dgm:styleLbl>
+  <dgm:styleLbl name="fgAcc1">
+    <dgm:scene3d>
+      <a:camera prst="orthographicFront"/>
+      <a:lightRig rig="threePt" dir="t"/>
+    </dgm:scene3d>
+    <dgm:sp3d/>
+    <dgm:txPr/>
+    <dgm:style>
+      <a:lnRef idx="2">
+        <a:scrgbClr r="0" g="0" b="0"/>
+      </a:lnRef>
+      <a:fillRef idx="1">
+        <a:scrgbClr r="0" g="0" b="0"/>
+      </a:fillRef>
+      <a:effectRef idx="0">
+        <a:scrgbClr r="0" g="0" b="0"/>
+      </a:effectRef>
+      <a:fontRef idx="minor"/>
+    </dgm:style>
+  </dgm:styleLbl>
+  <dgm:styleLbl name="conFgAcc1">
+    <dgm:scene3d>
+      <a:camera prst="orthographicFront"/>
+      <a:lightRig rig="threePt" dir="t"/>
+    </dgm:scene3d>
+    <dgm:sp3d/>
+    <dgm:txPr/>
+    <dgm:style>
+      <a:lnRef idx="2">
+        <a:scrgbClr r="0" g="0" b="0"/>
+      </a:lnRef>
+      <a:fillRef idx="1">
+        <a:scrgbClr r="0" g="0" b="0"/>
+      </a:fillRef>
+      <a:effectRef idx="0">
+        <a:scrgbClr r="0" g="0" b="0"/>
+      </a:effectRef>
+      <a:fontRef idx="minor"/>
+    </dgm:style>
+  </dgm:styleLbl>
+  <dgm:styleLbl name="alignAcc1">
+    <dgm:scene3d>
+      <a:camera prst="orthographicFront"/>
+      <a:lightRig rig="threePt" dir="t"/>
+    </dgm:scene3d>
+    <dgm:sp3d/>
+    <dgm:txPr/>
+    <dgm:style>
+      <a:lnRef idx="2">
+        <a:scrgbClr r="0" g="0" b="0"/>
+      </a:lnRef>
+      <a:fillRef idx="1">
+        <a:scrgbClr r="0" g="0" b="0"/>
+      </a:fillRef>
+      <a:effectRef idx="0">
+        <a:scrgbClr r="0" g="0" b="0"/>
+      </a:effectRef>
+      <a:fontRef idx="minor"/>
+    </dgm:style>
+  </dgm:styleLbl>
+  <dgm:styleLbl name="trAlignAcc1">
+    <dgm:scene3d>
+      <a:camera prst="orthographicFront"/>
+      <a:lightRig rig="threePt" dir="t"/>
+    </dgm:scene3d>
+    <dgm:sp3d/>
+    <dgm:txPr/>
+    <dgm:style>
+      <a:lnRef idx="1">
+        <a:scrgbClr r="0" g="0" b="0"/>
+      </a:lnRef>
+      <a:fillRef idx="1">
+        <a:scrgbClr r="0" g="0" b="0"/>
+      </a:fillRef>
+      <a:effectRef idx="0">
+        <a:scrgbClr r="0" g="0" b="0"/>
+      </a:effectRef>
+      <a:fontRef idx="minor"/>
+    </dgm:style>
+  </dgm:styleLbl>
+  <dgm:styleLbl name="bgAcc1">
+    <dgm:scene3d>
+      <a:camera prst="orthographicFront"/>
+      <a:lightRig rig="threePt" dir="t"/>
+    </dgm:scene3d>
+    <dgm:sp3d/>
+    <dgm:txPr/>
+    <dgm:style>
+      <a:lnRef idx="2">
+        <a:scrgbClr r="0" g="0" b="0"/>
+      </a:lnRef>
+      <a:fillRef idx="1">
+        <a:scrgbClr r="0" g="0" b="0"/>
+      </a:fillRef>
+      <a:effectRef idx="0">
+        <a:scrgbClr r="0" g="0" b="0"/>
+      </a:effectRef>
+      <a:fontRef idx="minor"/>
+    </dgm:style>
+  </dgm:styleLbl>
+  <dgm:styleLbl name="solidFgAcc1">
+    <dgm:scene3d>
+      <a:camera prst="orthographicFront"/>
+      <a:lightRig rig="threePt" dir="t"/>
+    </dgm:scene3d>
+    <dgm:sp3d/>
+    <dgm:txPr/>
+    <dgm:style>
+      <a:lnRef idx="2">
+        <a:scrgbClr r="0" g="0" b="0"/>
+      </a:lnRef>
+      <a:fillRef idx="1">
+        <a:scrgbClr r="0" g="0" b="0"/>
+      </a:fillRef>
+      <a:effectRef idx="0">
+        <a:scrgbClr r="0" g="0" b="0"/>
+      </a:effectRef>
+      <a:fontRef idx="minor"/>
+    </dgm:style>
+  </dgm:styleLbl>
+  <dgm:styleLbl name="solidAlignAcc1">
+    <dgm:scene3d>
+      <a:camera prst="orthographicFront"/>
+      <a:lightRig rig="threePt" dir="t"/>
+    </dgm:scene3d>
+    <dgm:sp3d/>
+    <dgm:txPr/>
+    <dgm:style>
+      <a:lnRef idx="2">
+        <a:scrgbClr r="0" g="0" b="0"/>
+      </a:lnRef>
+      <a:fillRef idx="1">
+        <a:scrgbClr r="0" g="0" b="0"/>
+      </a:fillRef>
+      <a:effectRef idx="0">
+        <a:scrgbClr r="0" g="0" b="0"/>
+      </a:effectRef>
+      <a:fontRef idx="minor"/>
+    </dgm:style>
+  </dgm:styleLbl>
+  <dgm:styleLbl name="solidBgAcc1">
+    <dgm:scene3d>
+      <a:camera prst="orthographicFront"/>
+      <a:lightRig rig="threePt" dir="t"/>
+    </dgm:scene3d>
+    <dgm:sp3d/>
+    <dgm:txPr/>
+    <dgm:style>
+      <a:lnRef idx="2">
+        <a:scrgbClr r="0" g="0" b="0"/>
+      </a:lnRef>
+      <a:fillRef idx="1">
+        <a:scrgbClr r="0" g="0" b="0"/>
+      </a:fillRef>
+      <a:effectRef idx="0">
+        <a:scrgbClr r="0" g="0" b="0"/>
+      </a:effectRef>
+      <a:fontRef idx="minor"/>
+    </dgm:style>
+  </dgm:styleLbl>
+  <dgm:styleLbl name="fgAccFollowNode1">
+    <dgm:scene3d>
+      <a:camera prst="orthographicFront"/>
+      <a:lightRig rig="threePt" dir="t"/>
+    </dgm:scene3d>
+    <dgm:sp3d/>
+    <dgm:txPr/>
+    <dgm:style>
+      <a:lnRef idx="2">
+        <a:scrgbClr r="0" g="0" b="0"/>
+      </a:lnRef>
+      <a:fillRef idx="1">
+        <a:scrgbClr r="0" g="0" b="0"/>
+      </a:fillRef>
+      <a:effectRef idx="0">
+        <a:scrgbClr r="0" g="0" b="0"/>
+      </a:effectRef>
+      <a:fontRef idx="minor"/>
+    </dgm:style>
+  </dgm:styleLbl>
+  <dgm:styleLbl name="alignAccFollowNode1">
+    <dgm:scene3d>
+      <a:camera prst="orthographicFront"/>
+      <a:lightRig rig="threePt" dir="t"/>
+    </dgm:scene3d>
+    <dgm:sp3d/>
+    <dgm:txPr/>
+    <dgm:style>
+      <a:lnRef idx="2">
+        <a:scrgbClr r="0" g="0" b="0"/>
+      </a:lnRef>
+      <a:fillRef idx="1">
+        <a:scrgbClr r="0" g="0" b="0"/>
+      </a:fillRef>
+      <a:effectRef idx="0">
+        <a:scrgbClr r="0" g="0" b="0"/>
+      </a:effectRef>
+      <a:fontRef idx="minor"/>
+    </dgm:style>
+  </dgm:styleLbl>
+  <dgm:styleLbl name="bgAccFollowNode1">
+    <dgm:scene3d>
+      <a:camera prst="orthographicFront"/>
+      <a:lightRig rig="threePt" dir="t"/>
+    </dgm:scene3d>
+    <dgm:sp3d/>
+    <dgm:txPr/>
+    <dgm:style>
+      <a:lnRef idx="2">
+        <a:scrgbClr r="0" g="0" b="0"/>
+      </a:lnRef>
+      <a:fillRef idx="1">
+        <a:scrgbClr r="0" g="0" b="0"/>
+      </a:fillRef>
+      <a:effectRef idx="0">
+        <a:scrgbClr r="0" g="0" b="0"/>
+      </a:effectRef>
+      <a:fontRef idx="minor"/>
+    </dgm:style>
+  </dgm:styleLbl>
+  <dgm:styleLbl name="fgAcc0">
+    <dgm:scene3d>
+      <a:camera prst="orthographicFront"/>
+      <a:lightRig rig="threePt" dir="t"/>
+    </dgm:scene3d>
+    <dgm:sp3d/>
+    <dgm:txPr/>
+    <dgm:style>
+      <a:lnRef idx="2">
+        <a:scrgbClr r="0" g="0" b="0"/>
+      </a:lnRef>
+      <a:fillRef idx="1">
+        <a:scrgbClr r="0" g="0" b="0"/>
+      </a:fillRef>
+      <a:effectRef idx="0">
+        <a:scrgbClr r="0" g="0" b="0"/>
+      </a:effectRef>
+      <a:fontRef idx="minor"/>
+    </dgm:style>
+  </dgm:styleLbl>
+  <dgm:styleLbl name="fgAcc2">
+    <dgm:scene3d>
+      <a:camera prst="orthographicFront"/>
+      <a:lightRig rig="threePt" dir="t"/>
+    </dgm:scene3d>
+    <dgm:sp3d/>
+    <dgm:txPr/>
+    <dgm:style>
+      <a:lnRef idx="2">
+        <a:scrgbClr r="0" g="0" b="0"/>
+      </a:lnRef>
+      <a:fillRef idx="1">
+        <a:scrgbClr r="0" g="0" b="0"/>
+      </a:fillRef>
+      <a:effectRef idx="0">
+        <a:scrgbClr r="0" g="0" b="0"/>
+      </a:effectRef>
+      <a:fontRef idx="minor"/>
+    </dgm:style>
+  </dgm:styleLbl>
+  <dgm:styleLbl name="fgAcc3">
+    <dgm:scene3d>
+      <a:camera prst="orthographicFront"/>
+      <a:lightRig rig="threePt" dir="t"/>
+    </dgm:scene3d>
+    <dgm:sp3d/>
+    <dgm:txPr/>
+    <dgm:style>
+      <a:lnRef idx="2">
+        <a:scrgbClr r="0" g="0" b="0"/>
+      </a:lnRef>
+      <a:fillRef idx="1">
+        <a:scrgbClr r="0" g="0" b="0"/>
+      </a:fillRef>
+      <a:effectRef idx="0">
+        <a:scrgbClr r="0" g="0" b="0"/>
+      </a:effectRef>
+      <a:fontRef idx="minor"/>
+    </dgm:style>
+  </dgm:styleLbl>
+  <dgm:styleLbl name="fgAcc4">
+    <dgm:scene3d>
+      <a:camera prst="orthographicFront"/>
+      <a:lightRig rig="threePt" dir="t"/>
+    </dgm:scene3d>
+    <dgm:sp3d/>
+    <dgm:txPr/>
+    <dgm:style>
+      <a:lnRef idx="2">
+        <a:scrgbClr r="0" g="0" b="0"/>
+      </a:lnRef>
+      <a:fillRef idx="1">
+        <a:scrgbClr r="0" g="0" b="0"/>
+      </a:fillRef>
+      <a:effectRef idx="0">
+        <a:scrgbClr r="0" g="0" b="0"/>
+      </a:effectRef>
+      <a:fontRef idx="minor"/>
+    </dgm:style>
+  </dgm:styleLbl>
+  <dgm:styleLbl name="bgShp">
+    <dgm:scene3d>
+      <a:camera prst="orthographicFront"/>
+      <a:lightRig rig="threePt" dir="t"/>
+    </dgm:scene3d>
+    <dgm:sp3d/>
+    <dgm:txPr/>
+    <dgm:style>
+      <a:lnRef idx="0">
+        <a:scrgbClr r="0" g="0" b="0"/>
+      </a:lnRef>
+      <a:fillRef idx="1">
+        <a:scrgbClr r="0" g="0" b="0"/>
+      </a:fillRef>
+      <a:effectRef idx="0">
+        <a:scrgbClr r="0" g="0" b="0"/>
+      </a:effectRef>
+      <a:fontRef idx="minor"/>
+    </dgm:style>
+  </dgm:styleLbl>
+  <dgm:styleLbl name="dkBgShp">
+    <dgm:scene3d>
+      <a:camera prst="orthographicFront"/>
+      <a:lightRig rig="threePt" dir="t"/>
+    </dgm:scene3d>
+    <dgm:sp3d/>
+    <dgm:txPr/>
+    <dgm:style>
+      <a:lnRef idx="0">
+        <a:scrgbClr r="0" g="0" b="0"/>
+      </a:lnRef>
+      <a:fillRef idx="1">
+        <a:scrgbClr r="0" g="0" b="0"/>
+      </a:fillRef>
+      <a:effectRef idx="0">
+        <a:scrgbClr r="0" g="0" b="0"/>
+      </a:effectRef>
+      <a:fontRef idx="minor"/>
+    </dgm:style>
+  </dgm:styleLbl>
+  <dgm:styleLbl name="trBgShp">
+    <dgm:scene3d>
+      <a:camera prst="orthographicFront"/>
+      <a:lightRig rig="threePt" dir="t"/>
+    </dgm:scene3d>
+    <dgm:sp3d/>
+    <dgm:txPr/>
+    <dgm:style>
+      <a:lnRef idx="0">
+        <a:scrgbClr r="0" g="0" b="0"/>
+      </a:lnRef>
+      <a:fillRef idx="1">
+        <a:scrgbClr r="0" g="0" b="0"/>
+      </a:fillRef>
+      <a:effectRef idx="0">
+        <a:scrgbClr r="0" g="0" b="0"/>
+      </a:effectRef>
+      <a:fontRef idx="minor"/>
+    </dgm:style>
+  </dgm:styleLbl>
+  <dgm:styleLbl name="fgShp">
+    <dgm:scene3d>
+      <a:camera prst="orthographicFront"/>
+      <a:lightRig rig="threePt" dir="t"/>
+    </dgm:scene3d>
+    <dgm:sp3d/>
+    <dgm:txPr/>
+    <dgm:style>
+      <a:lnRef idx="2">
+        <a:scrgbClr r="0" g="0" b="0"/>
+      </a:lnRef>
+      <a:fillRef idx="1">
+        <a:scrgbClr r="0" g="0" b="0"/>
+      </a:fillRef>
+      <a:effectRef idx="0">
+        <a:scrgbClr r="0" g="0" b="0"/>
+      </a:effectRef>
+      <a:fontRef idx="minor"/>
+    </dgm:style>
+  </dgm:styleLbl>
+  <dgm:styleLbl name="revTx">
+    <dgm:scene3d>
+      <a:camera prst="orthographicFront"/>
+      <a:lightRig rig="threePt" dir="t"/>
+    </dgm:scene3d>
+    <dgm:sp3d/>
+    <dgm:txPr/>
+    <dgm:style>
+      <a:lnRef idx="0">
+        <a:scrgbClr r="0" g="0" b="0"/>
+      </a:lnRef>
+      <a:fillRef idx="0">
+        <a:scrgbClr r="0" g="0" b="0"/>
+      </a:fillRef>
+      <a:effectRef idx="0">
+        <a:scrgbClr r="0" g="0" b="0"/>
+      </a:effectRef>
+      <a:fontRef idx="minor"/>
+    </dgm:style>
+  </dgm:styleLbl>
+</dgm:styleDef>
+</file>
+
 <file path=ppt/slideLayouts/slideLayout1.xml><?xml version="1.0" encoding="utf-8"?>
 <p:sldLayout xmlns:a="http://schemas.openxmlformats.org/drawingml/2006/main" xmlns:r="http://schemas.openxmlformats.org/officeDocument/2006/relationships" xmlns:p="http://schemas.openxmlformats.org/presentationml/2006/main" showMasterSp="0" type="title" preserve="1">
   <p:cSld name="Title Slide">
@@ -1337,7 +4710,7 @@
           <a:p>
             <a:fld id="{37DDE41E-EBDE-40F0-8120-A2B3E3547F87}" type="datetimeFigureOut">
               <a:rPr lang="en-IN" smtClean="0"/>
-              <a:t>31-08-2020</a:t>
+              <a:t>01-09-2020</a:t>
             </a:fld>
             <a:endParaRPr lang="en-IN" dirty="0"/>
           </a:p>
@@ -1575,7 +4948,7 @@
           <a:p>
             <a:fld id="{37DDE41E-EBDE-40F0-8120-A2B3E3547F87}" type="datetimeFigureOut">
               <a:rPr lang="en-IN" smtClean="0"/>
-              <a:t>31-08-2020</a:t>
+              <a:t>01-09-2020</a:t>
             </a:fld>
             <a:endParaRPr lang="en-IN" dirty="0"/>
           </a:p>
@@ -1755,7 +5128,7 @@
           <a:p>
             <a:fld id="{37DDE41E-EBDE-40F0-8120-A2B3E3547F87}" type="datetimeFigureOut">
               <a:rPr lang="en-IN" smtClean="0"/>
-              <a:t>31-08-2020</a:t>
+              <a:t>01-09-2020</a:t>
             </a:fld>
             <a:endParaRPr lang="en-IN" dirty="0"/>
           </a:p>
@@ -1925,7 +5298,7 @@
           <a:p>
             <a:fld id="{37DDE41E-EBDE-40F0-8120-A2B3E3547F87}" type="datetimeFigureOut">
               <a:rPr lang="en-IN" smtClean="0"/>
-              <a:t>31-08-2020</a:t>
+              <a:t>01-09-2020</a:t>
             </a:fld>
             <a:endParaRPr lang="en-IN" dirty="0"/>
           </a:p>
@@ -2201,7 +5574,7 @@
           <a:p>
             <a:fld id="{37DDE41E-EBDE-40F0-8120-A2B3E3547F87}" type="datetimeFigureOut">
               <a:rPr lang="en-IN" smtClean="0"/>
-              <a:t>31-08-2020</a:t>
+              <a:t>01-09-2020</a:t>
             </a:fld>
             <a:endParaRPr lang="en-IN" dirty="0"/>
           </a:p>
@@ -3402,7 +6775,7 @@
           <a:p>
             <a:fld id="{37DDE41E-EBDE-40F0-8120-A2B3E3547F87}" type="datetimeFigureOut">
               <a:rPr lang="en-IN" smtClean="0"/>
-              <a:t>31-08-2020</a:t>
+              <a:t>01-09-2020</a:t>
             </a:fld>
             <a:endParaRPr lang="en-IN" dirty="0"/>
           </a:p>
@@ -3792,7 +7165,7 @@
           <a:p>
             <a:fld id="{37DDE41E-EBDE-40F0-8120-A2B3E3547F87}" type="datetimeFigureOut">
               <a:rPr lang="en-IN" smtClean="0"/>
-              <a:t>31-08-2020</a:t>
+              <a:t>01-09-2020</a:t>
             </a:fld>
             <a:endParaRPr lang="en-IN" dirty="0"/>
           </a:p>
@@ -3915,7 +7288,7 @@
           <a:p>
             <a:fld id="{37DDE41E-EBDE-40F0-8120-A2B3E3547F87}" type="datetimeFigureOut">
               <a:rPr lang="en-IN" smtClean="0"/>
-              <a:t>31-08-2020</a:t>
+              <a:t>01-09-2020</a:t>
             </a:fld>
             <a:endParaRPr lang="en-IN" dirty="0"/>
           </a:p>
@@ -4010,7 +7383,7 @@
           <a:p>
             <a:fld id="{37DDE41E-EBDE-40F0-8120-A2B3E3547F87}" type="datetimeFigureOut">
               <a:rPr lang="en-IN" smtClean="0"/>
-              <a:t>31-08-2020</a:t>
+              <a:t>01-09-2020</a:t>
             </a:fld>
             <a:endParaRPr lang="en-IN" dirty="0"/>
           </a:p>
@@ -4773,7 +8146,7 @@
           <a:p>
             <a:fld id="{37DDE41E-EBDE-40F0-8120-A2B3E3547F87}" type="datetimeFigureOut">
               <a:rPr lang="en-IN" smtClean="0"/>
-              <a:t>31-08-2020</a:t>
+              <a:t>01-09-2020</a:t>
             </a:fld>
             <a:endParaRPr lang="en-IN" dirty="0"/>
           </a:p>
@@ -5612,7 +8985,7 @@
           <a:p>
             <a:fld id="{37DDE41E-EBDE-40F0-8120-A2B3E3547F87}" type="datetimeFigureOut">
               <a:rPr lang="en-IN" smtClean="0"/>
-              <a:t>31-08-2020</a:t>
+              <a:t>01-09-2020</a:t>
             </a:fld>
             <a:endParaRPr lang="en-IN" dirty="0"/>
           </a:p>
@@ -5839,7 +9212,7 @@
           <a:p>
             <a:fld id="{37DDE41E-EBDE-40F0-8120-A2B3E3547F87}" type="datetimeFigureOut">
               <a:rPr lang="en-IN" smtClean="0"/>
-              <a:t>31-08-2020</a:t>
+              <a:t>01-09-2020</a:t>
             </a:fld>
             <a:endParaRPr lang="en-IN" dirty="0"/>
           </a:p>
@@ -6975,6 +10348,14 @@
 <file path=ppt/slides/slide10.xml><?xml version="1.0" encoding="utf-8"?>
 <p:sld xmlns:a="http://schemas.openxmlformats.org/drawingml/2006/main" xmlns:r="http://schemas.openxmlformats.org/officeDocument/2006/relationships" xmlns:p="http://schemas.openxmlformats.org/presentationml/2006/main">
   <p:cSld>
+    <p:bg>
+      <p:bgPr>
+        <a:solidFill>
+          <a:schemeClr val="bg2"/>
+        </a:solidFill>
+        <a:effectLst/>
+      </p:bgPr>
+    </p:bg>
     <p:spTree>
       <p:nvGrpSpPr>
         <p:cNvPr id="1" name=""/>
@@ -6989,6 +10370,66 @@
           <a:chExt cx="0" cy="0"/>
         </a:xfrm>
       </p:grpSpPr>
+      <p:sp useBgFill="1">
+        <p:nvSpPr>
+          <p:cNvPr id="8" name="Rectangle 7">
+            <a:extLst>
+              <a:ext uri="{FF2B5EF4-FFF2-40B4-BE49-F238E27FC236}">
+                <a16:creationId xmlns:a16="http://schemas.microsoft.com/office/drawing/2014/main" id="{B680D4D6-B06E-4316-8BBC-7A65A10AC853}"/>
+              </a:ext>
+              <a:ext uri="{C183D7F6-B498-43B3-948B-1728B52AA6E4}">
+                <adec:decorative xmlns:adec="http://schemas.microsoft.com/office/drawing/2017/decorative" val="1"/>
+              </a:ext>
+            </a:extLst>
+          </p:cNvPr>
+          <p:cNvSpPr>
+            <a:spLocks noGrp="1" noRot="1" noChangeAspect="1" noMove="1" noResize="1" noEditPoints="1" noAdjustHandles="1" noChangeArrowheads="1" noChangeShapeType="1" noTextEdit="1"/>
+          </p:cNvSpPr>
+          <p:nvPr>
+            <p:extLst>
+              <p:ext uri="{386F3935-93C4-4BCD-93E2-E3B085C9AB24}">
+                <p16:designElem xmlns:p16="http://schemas.microsoft.com/office/powerpoint/2015/main" val="1"/>
+              </p:ext>
+            </p:extLst>
+          </p:nvPr>
+        </p:nvSpPr>
+        <p:spPr bwMode="ltGray">
+          <a:xfrm>
+            <a:off x="0" y="0"/>
+            <a:ext cx="12191999" cy="6858000"/>
+          </a:xfrm>
+          <a:prstGeom prst="rect">
+            <a:avLst/>
+          </a:prstGeom>
+          <a:ln>
+            <a:noFill/>
+          </a:ln>
+        </p:spPr>
+        <p:style>
+          <a:lnRef idx="2">
+            <a:schemeClr val="accent1">
+              <a:shade val="50000"/>
+            </a:schemeClr>
+          </a:lnRef>
+          <a:fillRef idx="1">
+            <a:schemeClr val="accent1"/>
+          </a:fillRef>
+          <a:effectRef idx="0">
+            <a:schemeClr val="accent1"/>
+          </a:effectRef>
+          <a:fontRef idx="minor">
+            <a:schemeClr val="lt1"/>
+          </a:fontRef>
+        </p:style>
+        <p:txBody>
+          <a:bodyPr rtlCol="0" anchor="ctr"/>
+          <a:lstStyle/>
+          <a:p>
+            <a:pPr algn="ctr"/>
+            <a:endParaRPr lang="en-US"/>
+          </a:p>
+        </p:txBody>
+      </p:sp>
       <p:sp>
         <p:nvSpPr>
           <p:cNvPr id="2" name="Title 1">
@@ -7005,34 +10446,89 @@
             <p:ph type="title"/>
           </p:nvPr>
         </p:nvSpPr>
-        <p:spPr/>
+        <p:spPr>
+          <a:xfrm>
+            <a:off x="761996" y="1153287"/>
+            <a:ext cx="3570566" cy="4551426"/>
+          </a:xfrm>
+        </p:spPr>
         <p:txBody>
-          <a:bodyPr/>
+          <a:bodyPr anchor="ctr">
+            <a:normAutofit/>
+          </a:bodyPr>
           <a:lstStyle/>
           <a:p>
+            <a:pPr algn="r"/>
             <a:r>
-              <a:rPr lang="en-IN" b="1" i="0" dirty="0">
-                <a:solidFill>
-                  <a:srgbClr val="4A4A4A"/>
-                </a:solidFill>
+              <a:rPr lang="en-IN" sz="3200" b="1" i="0">
                 <a:effectLst/>
                 <a:latin typeface="Open Sans"/>
               </a:rPr>
               <a:t>UX Designers</a:t>
             </a:r>
             <a:br>
-              <a:rPr lang="en-IN" b="0" i="0" dirty="0">
-                <a:solidFill>
-                  <a:srgbClr val="4A4A4A"/>
-                </a:solidFill>
+              <a:rPr lang="en-IN" sz="3200" b="0" i="0">
                 <a:effectLst/>
                 <a:latin typeface="Open Sans"/>
               </a:rPr>
             </a:br>
-            <a:endParaRPr lang="en-IN" dirty="0"/>
+            <a:endParaRPr lang="en-IN" sz="3200"/>
           </a:p>
         </p:txBody>
       </p:sp>
+      <p:cxnSp>
+        <p:nvCxnSpPr>
+          <p:cNvPr id="10" name="Straight Connector 9">
+            <a:extLst>
+              <a:ext uri="{FF2B5EF4-FFF2-40B4-BE49-F238E27FC236}">
+                <a16:creationId xmlns:a16="http://schemas.microsoft.com/office/drawing/2014/main" id="{ED72A37F-0C2F-473C-9D71-B80AEE71BF03}"/>
+              </a:ext>
+              <a:ext uri="{C183D7F6-B498-43B3-948B-1728B52AA6E4}">
+                <adec:decorative xmlns:adec="http://schemas.microsoft.com/office/drawing/2017/decorative" val="1"/>
+              </a:ext>
+            </a:extLst>
+          </p:cNvPr>
+          <p:cNvCxnSpPr>
+            <a:cxnSpLocks noGrp="1" noRot="1" noChangeAspect="1" noMove="1" noResize="1" noEditPoints="1" noAdjustHandles="1" noChangeArrowheads="1" noChangeShapeType="1"/>
+          </p:cNvCxnSpPr>
+          <p:nvPr>
+            <p:extLst>
+              <p:ext uri="{386F3935-93C4-4BCD-93E2-E3B085C9AB24}">
+                <p16:designElem xmlns:p16="http://schemas.microsoft.com/office/powerpoint/2015/main" val="1"/>
+              </p:ext>
+            </p:extLst>
+          </p:nvPr>
+        </p:nvCxnSpPr>
+        <p:spPr>
+          <a:xfrm>
+            <a:off x="4663796" y="1962397"/>
+            <a:ext cx="0" cy="2933206"/>
+          </a:xfrm>
+          <a:prstGeom prst="line">
+            <a:avLst/>
+          </a:prstGeom>
+          <a:ln w="22225">
+            <a:solidFill>
+              <a:schemeClr val="accent1"/>
+            </a:solidFill>
+            <a:miter lim="800000"/>
+          </a:ln>
+        </p:spPr>
+        <p:style>
+          <a:lnRef idx="1">
+            <a:schemeClr val="accent1"/>
+          </a:lnRef>
+          <a:fillRef idx="0">
+            <a:schemeClr val="accent1"/>
+          </a:fillRef>
+          <a:effectRef idx="0">
+            <a:schemeClr val="accent1"/>
+          </a:effectRef>
+          <a:fontRef idx="minor">
+            <a:schemeClr val="tx1"/>
+          </a:fontRef>
+        </p:style>
+      </p:cxnSp>
       <p:sp>
         <p:nvSpPr>
           <p:cNvPr id="3" name="Content Placeholder 2">
@@ -7049,9 +10545,14 @@
             <p:ph idx="1"/>
           </p:nvPr>
         </p:nvSpPr>
-        <p:spPr/>
+        <p:spPr>
+          <a:xfrm>
+            <a:off x="4976031" y="1153287"/>
+            <a:ext cx="6453969" cy="4551426"/>
+          </a:xfrm>
+        </p:spPr>
         <p:txBody>
-          <a:bodyPr>
+          <a:bodyPr anchor="ctr">
             <a:normAutofit/>
           </a:bodyPr>
           <a:lstStyle/>
@@ -7060,18 +10561,70 @@
               <a:buNone/>
             </a:pPr>
             <a:r>
-              <a:rPr lang="en-US" sz="2400" b="0" i="0" dirty="0">
-                <a:solidFill>
-                  <a:srgbClr val="4A4A4A"/>
-                </a:solidFill>
+              <a:rPr lang="en-US" b="0" i="0" dirty="0">
                 <a:effectLst/>
                 <a:latin typeface="Open Sans"/>
               </a:rPr>
               <a:t>User Experience (UX) designers make sure that your website is able to keep the visitors engaged. They analyze data before finalizing any design on the website. Also, UX designers run complex tests and restructure the websites when needed to keep the user experience optimal.</a:t>
             </a:r>
-            <a:endParaRPr lang="en-IN" sz="2400" dirty="0"/>
+            <a:endParaRPr lang="en-IN" dirty="0"/>
           </a:p>
         </p:txBody>
+      </p:sp>
+      <p:sp>
+        <p:nvSpPr>
+          <p:cNvPr id="12" name="Rectangle 11">
+            <a:extLst>
+              <a:ext uri="{FF2B5EF4-FFF2-40B4-BE49-F238E27FC236}">
+                <a16:creationId xmlns:a16="http://schemas.microsoft.com/office/drawing/2014/main" id="{64016ABB-4F5D-4BFA-9406-7CD61399B6CC}"/>
+              </a:ext>
+              <a:ext uri="{C183D7F6-B498-43B3-948B-1728B52AA6E4}">
+                <adec:decorative xmlns:adec="http://schemas.microsoft.com/office/drawing/2017/decorative" val="1"/>
+              </a:ext>
+            </a:extLst>
+          </p:cNvPr>
+          <p:cNvSpPr>
+            <a:spLocks noGrp="1" noRot="1" noChangeAspect="1" noMove="1" noResize="1" noEditPoints="1" noAdjustHandles="1" noChangeArrowheads="1" noChangeShapeType="1" noTextEdit="1"/>
+          </p:cNvSpPr>
+          <p:nvPr>
+            <p:extLst>
+              <p:ext uri="{386F3935-93C4-4BCD-93E2-E3B085C9AB24}">
+                <p16:designElem xmlns:p16="http://schemas.microsoft.com/office/powerpoint/2015/main" val="1"/>
+              </p:ext>
+            </p:extLst>
+          </p:nvPr>
+        </p:nvSpPr>
+        <p:spPr>
+          <a:xfrm rot="5400000">
+            <a:off x="5774263" y="440267"/>
+            <a:ext cx="643467" cy="12191999"/>
+          </a:xfrm>
+          <a:prstGeom prst="rect">
+            <a:avLst/>
+          </a:prstGeom>
+          <a:solidFill>
+            <a:schemeClr val="accent1"/>
+          </a:solidFill>
+          <a:ln>
+            <a:noFill/>
+          </a:ln>
+        </p:spPr>
+        <p:style>
+          <a:lnRef idx="2">
+            <a:schemeClr val="accent1">
+              <a:shade val="50000"/>
+            </a:schemeClr>
+          </a:lnRef>
+          <a:fillRef idx="1">
+            <a:schemeClr val="accent1"/>
+          </a:fillRef>
+          <a:effectRef idx="0">
+            <a:schemeClr val="accent1"/>
+          </a:effectRef>
+          <a:fontRef idx="minor">
+            <a:schemeClr val="lt1"/>
+          </a:fontRef>
+        </p:style>
       </p:sp>
     </p:spTree>
     <p:extLst>
@@ -7089,6 +10642,14 @@
 <file path=ppt/slides/slide11.xml><?xml version="1.0" encoding="utf-8"?>
 <p:sld xmlns:a="http://schemas.openxmlformats.org/drawingml/2006/main" xmlns:r="http://schemas.openxmlformats.org/officeDocument/2006/relationships" xmlns:p="http://schemas.openxmlformats.org/presentationml/2006/main">
   <p:cSld>
+    <p:bg>
+      <p:bgPr>
+        <a:solidFill>
+          <a:schemeClr val="bg2"/>
+        </a:solidFill>
+        <a:effectLst/>
+      </p:bgPr>
+    </p:bg>
     <p:spTree>
       <p:nvGrpSpPr>
         <p:cNvPr id="1" name=""/>
@@ -7103,6 +10664,66 @@
           <a:chExt cx="0" cy="0"/>
         </a:xfrm>
       </p:grpSpPr>
+      <p:sp useBgFill="1">
+        <p:nvSpPr>
+          <p:cNvPr id="8" name="Rectangle 7">
+            <a:extLst>
+              <a:ext uri="{FF2B5EF4-FFF2-40B4-BE49-F238E27FC236}">
+                <a16:creationId xmlns:a16="http://schemas.microsoft.com/office/drawing/2014/main" id="{B680D4D6-B06E-4316-8BBC-7A65A10AC853}"/>
+              </a:ext>
+              <a:ext uri="{C183D7F6-B498-43B3-948B-1728B52AA6E4}">
+                <adec:decorative xmlns:adec="http://schemas.microsoft.com/office/drawing/2017/decorative" val="1"/>
+              </a:ext>
+            </a:extLst>
+          </p:cNvPr>
+          <p:cNvSpPr>
+            <a:spLocks noGrp="1" noRot="1" noChangeAspect="1" noMove="1" noResize="1" noEditPoints="1" noAdjustHandles="1" noChangeArrowheads="1" noChangeShapeType="1" noTextEdit="1"/>
+          </p:cNvSpPr>
+          <p:nvPr>
+            <p:extLst>
+              <p:ext uri="{386F3935-93C4-4BCD-93E2-E3B085C9AB24}">
+                <p16:designElem xmlns:p16="http://schemas.microsoft.com/office/powerpoint/2015/main" val="1"/>
+              </p:ext>
+            </p:extLst>
+          </p:nvPr>
+        </p:nvSpPr>
+        <p:spPr bwMode="ltGray">
+          <a:xfrm>
+            <a:off x="0" y="0"/>
+            <a:ext cx="12191999" cy="6858000"/>
+          </a:xfrm>
+          <a:prstGeom prst="rect">
+            <a:avLst/>
+          </a:prstGeom>
+          <a:ln>
+            <a:noFill/>
+          </a:ln>
+        </p:spPr>
+        <p:style>
+          <a:lnRef idx="2">
+            <a:schemeClr val="accent1">
+              <a:shade val="50000"/>
+            </a:schemeClr>
+          </a:lnRef>
+          <a:fillRef idx="1">
+            <a:schemeClr val="accent1"/>
+          </a:fillRef>
+          <a:effectRef idx="0">
+            <a:schemeClr val="accent1"/>
+          </a:effectRef>
+          <a:fontRef idx="minor">
+            <a:schemeClr val="lt1"/>
+          </a:fontRef>
+        </p:style>
+        <p:txBody>
+          <a:bodyPr rtlCol="0" anchor="ctr"/>
+          <a:lstStyle/>
+          <a:p>
+            <a:pPr algn="ctr"/>
+            <a:endParaRPr lang="en-US"/>
+          </a:p>
+        </p:txBody>
+      </p:sp>
       <p:sp>
         <p:nvSpPr>
           <p:cNvPr id="2" name="Title 1">
@@ -7119,34 +10740,89 @@
             <p:ph type="title"/>
           </p:nvPr>
         </p:nvSpPr>
-        <p:spPr/>
+        <p:spPr>
+          <a:xfrm>
+            <a:off x="761996" y="1153287"/>
+            <a:ext cx="3570566" cy="4551426"/>
+          </a:xfrm>
+        </p:spPr>
         <p:txBody>
-          <a:bodyPr/>
+          <a:bodyPr anchor="ctr">
+            <a:normAutofit/>
+          </a:bodyPr>
           <a:lstStyle/>
           <a:p>
+            <a:pPr algn="r"/>
             <a:r>
-              <a:rPr lang="en-IN" b="1" i="0" dirty="0">
-                <a:solidFill>
-                  <a:srgbClr val="4A4A4A"/>
-                </a:solidFill>
+              <a:rPr lang="en-IN" sz="3200" b="1" i="0" dirty="0">
                 <a:effectLst/>
                 <a:latin typeface="Open Sans"/>
               </a:rPr>
               <a:t>Visual Designers</a:t>
             </a:r>
             <a:br>
-              <a:rPr lang="en-IN" b="0" i="0" dirty="0">
-                <a:solidFill>
-                  <a:srgbClr val="4A4A4A"/>
-                </a:solidFill>
+              <a:rPr lang="en-IN" sz="3200" b="0" i="0" dirty="0">
                 <a:effectLst/>
                 <a:latin typeface="Open Sans"/>
               </a:rPr>
             </a:br>
-            <a:endParaRPr lang="en-IN" dirty="0"/>
+            <a:endParaRPr lang="en-IN" sz="3200" dirty="0"/>
           </a:p>
         </p:txBody>
       </p:sp>
+      <p:cxnSp>
+        <p:nvCxnSpPr>
+          <p:cNvPr id="10" name="Straight Connector 9">
+            <a:extLst>
+              <a:ext uri="{FF2B5EF4-FFF2-40B4-BE49-F238E27FC236}">
+                <a16:creationId xmlns:a16="http://schemas.microsoft.com/office/drawing/2014/main" id="{ED72A37F-0C2F-473C-9D71-B80AEE71BF03}"/>
+              </a:ext>
+              <a:ext uri="{C183D7F6-B498-43B3-948B-1728B52AA6E4}">
+                <adec:decorative xmlns:adec="http://schemas.microsoft.com/office/drawing/2017/decorative" val="1"/>
+              </a:ext>
+            </a:extLst>
+          </p:cNvPr>
+          <p:cNvCxnSpPr>
+            <a:cxnSpLocks noGrp="1" noRot="1" noChangeAspect="1" noMove="1" noResize="1" noEditPoints="1" noAdjustHandles="1" noChangeArrowheads="1" noChangeShapeType="1"/>
+          </p:cNvCxnSpPr>
+          <p:nvPr>
+            <p:extLst>
+              <p:ext uri="{386F3935-93C4-4BCD-93E2-E3B085C9AB24}">
+                <p16:designElem xmlns:p16="http://schemas.microsoft.com/office/powerpoint/2015/main" val="1"/>
+              </p:ext>
+            </p:extLst>
+          </p:nvPr>
+        </p:nvCxnSpPr>
+        <p:spPr>
+          <a:xfrm>
+            <a:off x="4663796" y="1962397"/>
+            <a:ext cx="0" cy="2933206"/>
+          </a:xfrm>
+          <a:prstGeom prst="line">
+            <a:avLst/>
+          </a:prstGeom>
+          <a:ln w="22225">
+            <a:solidFill>
+              <a:schemeClr val="accent1"/>
+            </a:solidFill>
+            <a:miter lim="800000"/>
+          </a:ln>
+        </p:spPr>
+        <p:style>
+          <a:lnRef idx="1">
+            <a:schemeClr val="accent1"/>
+          </a:lnRef>
+          <a:fillRef idx="0">
+            <a:schemeClr val="accent1"/>
+          </a:fillRef>
+          <a:effectRef idx="0">
+            <a:schemeClr val="accent1"/>
+          </a:effectRef>
+          <a:fontRef idx="minor">
+            <a:schemeClr val="tx1"/>
+          </a:fontRef>
+        </p:style>
+      </p:cxnSp>
       <p:sp>
         <p:nvSpPr>
           <p:cNvPr id="3" name="Content Placeholder 2">
@@ -7163,9 +10839,14 @@
             <p:ph idx="1"/>
           </p:nvPr>
         </p:nvSpPr>
-        <p:spPr/>
+        <p:spPr>
+          <a:xfrm>
+            <a:off x="4976031" y="1153287"/>
+            <a:ext cx="6453969" cy="4551426"/>
+          </a:xfrm>
+        </p:spPr>
         <p:txBody>
-          <a:bodyPr>
+          <a:bodyPr anchor="ctr">
             <a:normAutofit/>
           </a:bodyPr>
           <a:lstStyle/>
@@ -7174,18 +10855,70 @@
               <a:buNone/>
             </a:pPr>
             <a:r>
-              <a:rPr lang="en-US" sz="2400" b="0" i="0" dirty="0">
-                <a:solidFill>
-                  <a:srgbClr val="4A4A4A"/>
-                </a:solidFill>
+              <a:rPr lang="en-US" b="0" i="0" dirty="0">
                 <a:effectLst/>
                 <a:latin typeface="Open Sans"/>
               </a:rPr>
               <a:t>When we combine the duties of a UI and UX designer, it creates a separate profile called the visual designer. Visual designing refers to creating interfaces that are both visually pleasing and convenient to use. Also, they must respect the voice of a brand. Visual design skills involve both creativity and programming.</a:t>
             </a:r>
-            <a:endParaRPr lang="en-IN" sz="2400" dirty="0"/>
+            <a:endParaRPr lang="en-IN" dirty="0"/>
           </a:p>
         </p:txBody>
+      </p:sp>
+      <p:sp>
+        <p:nvSpPr>
+          <p:cNvPr id="12" name="Rectangle 11">
+            <a:extLst>
+              <a:ext uri="{FF2B5EF4-FFF2-40B4-BE49-F238E27FC236}">
+                <a16:creationId xmlns:a16="http://schemas.microsoft.com/office/drawing/2014/main" id="{64016ABB-4F5D-4BFA-9406-7CD61399B6CC}"/>
+              </a:ext>
+              <a:ext uri="{C183D7F6-B498-43B3-948B-1728B52AA6E4}">
+                <adec:decorative xmlns:adec="http://schemas.microsoft.com/office/drawing/2017/decorative" val="1"/>
+              </a:ext>
+            </a:extLst>
+          </p:cNvPr>
+          <p:cNvSpPr>
+            <a:spLocks noGrp="1" noRot="1" noChangeAspect="1" noMove="1" noResize="1" noEditPoints="1" noAdjustHandles="1" noChangeArrowheads="1" noChangeShapeType="1" noTextEdit="1"/>
+          </p:cNvSpPr>
+          <p:nvPr>
+            <p:extLst>
+              <p:ext uri="{386F3935-93C4-4BCD-93E2-E3B085C9AB24}">
+                <p16:designElem xmlns:p16="http://schemas.microsoft.com/office/powerpoint/2015/main" val="1"/>
+              </p:ext>
+            </p:extLst>
+          </p:nvPr>
+        </p:nvSpPr>
+        <p:spPr>
+          <a:xfrm rot="5400000">
+            <a:off x="5774263" y="440267"/>
+            <a:ext cx="643467" cy="12191999"/>
+          </a:xfrm>
+          <a:prstGeom prst="rect">
+            <a:avLst/>
+          </a:prstGeom>
+          <a:solidFill>
+            <a:schemeClr val="accent1"/>
+          </a:solidFill>
+          <a:ln>
+            <a:noFill/>
+          </a:ln>
+        </p:spPr>
+        <p:style>
+          <a:lnRef idx="2">
+            <a:schemeClr val="accent1">
+              <a:shade val="50000"/>
+            </a:schemeClr>
+          </a:lnRef>
+          <a:fillRef idx="1">
+            <a:schemeClr val="accent1"/>
+          </a:fillRef>
+          <a:effectRef idx="0">
+            <a:schemeClr val="accent1"/>
+          </a:effectRef>
+          <a:fontRef idx="minor">
+            <a:schemeClr val="lt1"/>
+          </a:fontRef>
+        </p:style>
       </p:sp>
     </p:spTree>
     <p:extLst>
@@ -8033,6 +11766,17 @@
 <file path=ppt/slides/slide15.xml><?xml version="1.0" encoding="utf-8"?>
 <p:sld xmlns:a="http://schemas.openxmlformats.org/drawingml/2006/main" xmlns:r="http://schemas.openxmlformats.org/officeDocument/2006/relationships" xmlns:p="http://schemas.openxmlformats.org/presentationml/2006/main">
   <p:cSld>
+    <p:bg>
+      <p:bgPr>
+        <a:solidFill>
+          <a:schemeClr val="bg1">
+            <a:tint val="95000"/>
+            <a:satMod val="170000"/>
+          </a:schemeClr>
+        </a:solidFill>
+        <a:effectLst/>
+      </p:bgPr>
+    </p:bg>
     <p:spTree>
       <p:nvGrpSpPr>
         <p:cNvPr id="1" name=""/>
@@ -8047,6 +11791,129 @@
           <a:chExt cx="0" cy="0"/>
         </a:xfrm>
       </p:grpSpPr>
+      <p:sp useBgFill="1">
+        <p:nvSpPr>
+          <p:cNvPr id="8" name="Rectangle 7">
+            <a:extLst>
+              <a:ext uri="{FF2B5EF4-FFF2-40B4-BE49-F238E27FC236}">
+                <a16:creationId xmlns:a16="http://schemas.microsoft.com/office/drawing/2014/main" id="{CFC012A5-170D-4B0F-A916-A8EE2C6CE94A}"/>
+              </a:ext>
+              <a:ext uri="{C183D7F6-B498-43B3-948B-1728B52AA6E4}">
+                <adec:decorative xmlns:adec="http://schemas.microsoft.com/office/drawing/2017/decorative" val="1"/>
+              </a:ext>
+            </a:extLst>
+          </p:cNvPr>
+          <p:cNvSpPr>
+            <a:spLocks noGrp="1" noRot="1" noChangeAspect="1" noMove="1" noResize="1" noEditPoints="1" noAdjustHandles="1" noChangeArrowheads="1" noChangeShapeType="1" noTextEdit="1"/>
+          </p:cNvSpPr>
+          <p:nvPr>
+            <p:extLst>
+              <p:ext uri="{386F3935-93C4-4BCD-93E2-E3B085C9AB24}">
+                <p16:designElem xmlns:p16="http://schemas.microsoft.com/office/powerpoint/2015/main" val="1"/>
+              </p:ext>
+            </p:extLst>
+          </p:nvPr>
+        </p:nvSpPr>
+        <p:spPr>
+          <a:xfrm>
+            <a:off x="0" y="0"/>
+            <a:ext cx="12192000" cy="6858000"/>
+          </a:xfrm>
+          <a:prstGeom prst="rect">
+            <a:avLst/>
+          </a:prstGeom>
+          <a:ln>
+            <a:noFill/>
+          </a:ln>
+        </p:spPr>
+        <p:style>
+          <a:lnRef idx="2">
+            <a:schemeClr val="accent1">
+              <a:shade val="50000"/>
+            </a:schemeClr>
+          </a:lnRef>
+          <a:fillRef idx="1">
+            <a:schemeClr val="accent1"/>
+          </a:fillRef>
+          <a:effectRef idx="0">
+            <a:schemeClr val="accent1"/>
+          </a:effectRef>
+          <a:fontRef idx="minor">
+            <a:schemeClr val="lt1"/>
+          </a:fontRef>
+        </p:style>
+        <p:txBody>
+          <a:bodyPr rtlCol="0" anchor="ctr"/>
+          <a:lstStyle/>
+          <a:p>
+            <a:pPr algn="ctr"/>
+            <a:endParaRPr lang="en-US"/>
+          </a:p>
+        </p:txBody>
+      </p:sp>
+      <p:sp>
+        <p:nvSpPr>
+          <p:cNvPr id="10" name="Rectangle 9">
+            <a:extLst>
+              <a:ext uri="{FF2B5EF4-FFF2-40B4-BE49-F238E27FC236}">
+                <a16:creationId xmlns:a16="http://schemas.microsoft.com/office/drawing/2014/main" id="{37F40654-5E8C-468A-9596-50927AF198AB}"/>
+              </a:ext>
+              <a:ext uri="{C183D7F6-B498-43B3-948B-1728B52AA6E4}">
+                <adec:decorative xmlns:adec="http://schemas.microsoft.com/office/drawing/2017/decorative" val="1"/>
+              </a:ext>
+            </a:extLst>
+          </p:cNvPr>
+          <p:cNvSpPr>
+            <a:spLocks noGrp="1" noRot="1" noChangeAspect="1" noMove="1" noResize="1" noEditPoints="1" noAdjustHandles="1" noChangeArrowheads="1" noChangeShapeType="1" noTextEdit="1"/>
+          </p:cNvSpPr>
+          <p:nvPr>
+            <p:extLst>
+              <p:ext uri="{386F3935-93C4-4BCD-93E2-E3B085C9AB24}">
+                <p16:designElem xmlns:p16="http://schemas.microsoft.com/office/powerpoint/2015/main" val="1"/>
+              </p:ext>
+            </p:extLst>
+          </p:nvPr>
+        </p:nvSpPr>
+        <p:spPr>
+          <a:xfrm>
+            <a:off x="0" y="0"/>
+            <a:ext cx="3345981" cy="6858000"/>
+          </a:xfrm>
+          <a:prstGeom prst="rect">
+            <a:avLst/>
+          </a:prstGeom>
+          <a:solidFill>
+            <a:schemeClr val="accent1"/>
+          </a:solidFill>
+          <a:ln>
+            <a:noFill/>
+          </a:ln>
+        </p:spPr>
+        <p:style>
+          <a:lnRef idx="2">
+            <a:schemeClr val="accent1">
+              <a:shade val="50000"/>
+            </a:schemeClr>
+          </a:lnRef>
+          <a:fillRef idx="1">
+            <a:schemeClr val="accent1"/>
+          </a:fillRef>
+          <a:effectRef idx="0">
+            <a:schemeClr val="accent1"/>
+          </a:effectRef>
+          <a:fontRef idx="minor">
+            <a:schemeClr val="lt1"/>
+          </a:fontRef>
+        </p:style>
+        <p:txBody>
+          <a:bodyPr rtlCol="0" anchor="ctr"/>
+          <a:lstStyle/>
+          <a:p>
+            <a:pPr algn="ctr"/>
+            <a:endParaRPr lang="en-US"/>
+          </a:p>
+        </p:txBody>
+      </p:sp>
       <p:sp>
         <p:nvSpPr>
           <p:cNvPr id="2" name="Title 1">
@@ -8065,21 +11932,93 @@
         </p:nvSpPr>
         <p:spPr>
           <a:xfrm>
-            <a:off x="1251678" y="1060811"/>
-            <a:ext cx="10178322" cy="1492132"/>
+            <a:off x="965201" y="1354945"/>
+            <a:ext cx="2059048" cy="4148110"/>
           </a:xfrm>
         </p:spPr>
         <p:txBody>
-          <a:bodyPr>
+          <a:bodyPr anchor="ctr">
             <a:normAutofit/>
           </a:bodyPr>
           <a:lstStyle/>
           <a:p>
-            <a:pPr algn="ctr"/>
             <a:r>
-              <a:rPr lang="en-IN" sz="9600" dirty="0"/>
+              <a:rPr lang="en-IN" sz="2800">
+                <a:solidFill>
+                  <a:srgbClr val="2A1A00"/>
+                </a:solidFill>
+              </a:rPr>
               <a:t>Thank you</a:t>
             </a:r>
+          </a:p>
+        </p:txBody>
+      </p:sp>
+      <p:sp>
+        <p:nvSpPr>
+          <p:cNvPr id="12" name="Rectangle 11">
+            <a:extLst>
+              <a:ext uri="{FF2B5EF4-FFF2-40B4-BE49-F238E27FC236}">
+                <a16:creationId xmlns:a16="http://schemas.microsoft.com/office/drawing/2014/main" id="{50B1BD4A-8DE6-4266-9C27-59260F938ED8}"/>
+              </a:ext>
+              <a:ext uri="{C183D7F6-B498-43B3-948B-1728B52AA6E4}">
+                <adec:decorative xmlns:adec="http://schemas.microsoft.com/office/drawing/2017/decorative" val="1"/>
+              </a:ext>
+            </a:extLst>
+          </p:cNvPr>
+          <p:cNvSpPr>
+            <a:spLocks noGrp="1" noRot="1" noChangeAspect="1" noMove="1" noResize="1" noEditPoints="1" noAdjustHandles="1" noChangeArrowheads="1" noChangeShapeType="1" noTextEdit="1"/>
+          </p:cNvSpPr>
+          <p:nvPr>
+            <p:extLst>
+              <p:ext uri="{386F3935-93C4-4BCD-93E2-E3B085C9AB24}">
+                <p16:designElem xmlns:p16="http://schemas.microsoft.com/office/powerpoint/2015/main" val="1"/>
+              </p:ext>
+            </p:extLst>
+          </p:nvPr>
+        </p:nvSpPr>
+        <p:spPr>
+          <a:xfrm>
+            <a:off x="0" y="0"/>
+            <a:ext cx="643467" cy="6858000"/>
+          </a:xfrm>
+          <a:prstGeom prst="rect">
+            <a:avLst/>
+          </a:prstGeom>
+          <a:solidFill>
+            <a:schemeClr val="accent1">
+              <a:lumMod val="75000"/>
+            </a:schemeClr>
+          </a:solidFill>
+          <a:ln>
+            <a:noFill/>
+          </a:ln>
+        </p:spPr>
+        <p:style>
+          <a:lnRef idx="2">
+            <a:schemeClr val="accent1">
+              <a:shade val="50000"/>
+            </a:schemeClr>
+          </a:lnRef>
+          <a:fillRef idx="1003">
+            <a:schemeClr val="lt1"/>
+          </a:fillRef>
+          <a:effectRef idx="0">
+            <a:schemeClr val="accent1"/>
+          </a:effectRef>
+          <a:fontRef idx="minor">
+            <a:schemeClr val="lt1"/>
+          </a:fontRef>
+        </p:style>
+        <p:txBody>
+          <a:bodyPr rtlCol="0" anchor="ctr"/>
+          <a:lstStyle/>
+          <a:p>
+            <a:pPr algn="ctr"/>
+            <a:endParaRPr lang="en-US">
+              <a:solidFill>
+                <a:schemeClr val="accent2"/>
+              </a:solidFill>
+            </a:endParaRPr>
           </a:p>
         </p:txBody>
       </p:sp>
@@ -8101,12 +12040,14 @@
         </p:nvSpPr>
         <p:spPr>
           <a:xfrm>
-            <a:off x="1251678" y="2999875"/>
-            <a:ext cx="10178322" cy="3593591"/>
+            <a:off x="3828580" y="1354945"/>
+            <a:ext cx="7601419" cy="4148110"/>
           </a:xfrm>
         </p:spPr>
         <p:txBody>
-          <a:bodyPr/>
+          <a:bodyPr anchor="ctr">
+            <a:normAutofit/>
+          </a:bodyPr>
           <a:lstStyle/>
           <a:p>
             <a:pPr marL="0" indent="0">
@@ -8173,7 +12114,7 @@
     </p:extLst>
   </p:cSld>
   <p:clrMapOvr>
-    <a:masterClrMapping/>
+    <a:overrideClrMapping bg1="dk1" tx1="lt1" bg2="dk2" tx2="lt2" accent1="accent1" accent2="accent2" accent3="accent3" accent4="accent4" accent5="accent5" accent6="accent6" hlink="hlink" folHlink="folHlink"/>
   </p:clrMapOvr>
 </p:sld>
 </file>
@@ -8181,6 +12122,14 @@
 <file path=ppt/slides/slide2.xml><?xml version="1.0" encoding="utf-8"?>
 <p:sld xmlns:a="http://schemas.openxmlformats.org/drawingml/2006/main" xmlns:r="http://schemas.openxmlformats.org/officeDocument/2006/relationships" xmlns:p="http://schemas.openxmlformats.org/presentationml/2006/main">
   <p:cSld>
+    <p:bg>
+      <p:bgPr>
+        <a:solidFill>
+          <a:schemeClr val="bg1"/>
+        </a:solidFill>
+        <a:effectLst/>
+      </p:bgPr>
+    </p:bg>
     <p:spTree>
       <p:nvGrpSpPr>
         <p:cNvPr id="1" name=""/>
@@ -8195,6 +12144,165 @@
           <a:chExt cx="0" cy="0"/>
         </a:xfrm>
       </p:grpSpPr>
+      <p:sp useBgFill="1">
+        <p:nvSpPr>
+          <p:cNvPr id="15" name="Rectangle 8">
+            <a:extLst>
+              <a:ext uri="{FF2B5EF4-FFF2-40B4-BE49-F238E27FC236}">
+                <a16:creationId xmlns:a16="http://schemas.microsoft.com/office/drawing/2014/main" id="{1B0A7D14-7B67-4022-A8BE-1CCD4A0F1B06}"/>
+              </a:ext>
+              <a:ext uri="{C183D7F6-B498-43B3-948B-1728B52AA6E4}">
+                <adec:decorative xmlns:adec="http://schemas.microsoft.com/office/drawing/2017/decorative" val="1"/>
+              </a:ext>
+            </a:extLst>
+          </p:cNvPr>
+          <p:cNvSpPr>
+            <a:spLocks noGrp="1" noRot="1" noChangeAspect="1" noMove="1" noResize="1" noEditPoints="1" noAdjustHandles="1" noChangeArrowheads="1" noChangeShapeType="1" noTextEdit="1"/>
+          </p:cNvSpPr>
+          <p:nvPr>
+            <p:extLst>
+              <p:ext uri="{386F3935-93C4-4BCD-93E2-E3B085C9AB24}">
+                <p16:designElem xmlns:p16="http://schemas.microsoft.com/office/powerpoint/2015/main" val="1"/>
+              </p:ext>
+            </p:extLst>
+          </p:nvPr>
+        </p:nvSpPr>
+        <p:spPr bwMode="white">
+          <a:xfrm>
+            <a:off x="0" y="0"/>
+            <a:ext cx="12192000" cy="6858000"/>
+          </a:xfrm>
+          <a:prstGeom prst="rect">
+            <a:avLst/>
+          </a:prstGeom>
+          <a:ln>
+            <a:noFill/>
+          </a:ln>
+        </p:spPr>
+        <p:style>
+          <a:lnRef idx="2">
+            <a:schemeClr val="accent1">
+              <a:shade val="50000"/>
+            </a:schemeClr>
+          </a:lnRef>
+          <a:fillRef idx="1">
+            <a:schemeClr val="accent1"/>
+          </a:fillRef>
+          <a:effectRef idx="0">
+            <a:schemeClr val="accent1"/>
+          </a:effectRef>
+          <a:fontRef idx="minor">
+            <a:schemeClr val="lt1"/>
+          </a:fontRef>
+        </p:style>
+        <p:txBody>
+          <a:bodyPr rot="0" spcFirstLastPara="0" vert="horz" wrap="square" lIns="91440" tIns="45720" rIns="91440" bIns="45720" numCol="1" spcCol="0" rtlCol="0" fromWordArt="0" anchor="ctr" anchorCtr="0" forceAA="0" compatLnSpc="1">
+            <a:prstTxWarp prst="textNoShape">
+              <a:avLst/>
+            </a:prstTxWarp>
+            <a:noAutofit/>
+          </a:bodyPr>
+          <a:lstStyle>
+            <a:defPPr>
+              <a:defRPr lang="en-US"/>
+            </a:defPPr>
+            <a:lvl1pPr marL="0" algn="l" defTabSz="914400" rtl="0" eaLnBrk="1" latinLnBrk="0" hangingPunct="1">
+              <a:defRPr sz="1800" kern="1200">
+                <a:solidFill>
+                  <a:schemeClr val="lt1"/>
+                </a:solidFill>
+                <a:latin typeface="+mn-lt"/>
+                <a:ea typeface="+mn-ea"/>
+                <a:cs typeface="+mn-cs"/>
+              </a:defRPr>
+            </a:lvl1pPr>
+            <a:lvl2pPr marL="457200" algn="l" defTabSz="914400" rtl="0" eaLnBrk="1" latinLnBrk="0" hangingPunct="1">
+              <a:defRPr sz="1800" kern="1200">
+                <a:solidFill>
+                  <a:schemeClr val="lt1"/>
+                </a:solidFill>
+                <a:latin typeface="+mn-lt"/>
+                <a:ea typeface="+mn-ea"/>
+                <a:cs typeface="+mn-cs"/>
+              </a:defRPr>
+            </a:lvl2pPr>
+            <a:lvl3pPr marL="914400" algn="l" defTabSz="914400" rtl="0" eaLnBrk="1" latinLnBrk="0" hangingPunct="1">
+              <a:defRPr sz="1800" kern="1200">
+                <a:solidFill>
+                  <a:schemeClr val="lt1"/>
+                </a:solidFill>
+                <a:latin typeface="+mn-lt"/>
+                <a:ea typeface="+mn-ea"/>
+                <a:cs typeface="+mn-cs"/>
+              </a:defRPr>
+            </a:lvl3pPr>
+            <a:lvl4pPr marL="1371600" algn="l" defTabSz="914400" rtl="0" eaLnBrk="1" latinLnBrk="0" hangingPunct="1">
+              <a:defRPr sz="1800" kern="1200">
+                <a:solidFill>
+                  <a:schemeClr val="lt1"/>
+                </a:solidFill>
+                <a:latin typeface="+mn-lt"/>
+                <a:ea typeface="+mn-ea"/>
+                <a:cs typeface="+mn-cs"/>
+              </a:defRPr>
+            </a:lvl4pPr>
+            <a:lvl5pPr marL="1828800" algn="l" defTabSz="914400" rtl="0" eaLnBrk="1" latinLnBrk="0" hangingPunct="1">
+              <a:defRPr sz="1800" kern="1200">
+                <a:solidFill>
+                  <a:schemeClr val="lt1"/>
+                </a:solidFill>
+                <a:latin typeface="+mn-lt"/>
+                <a:ea typeface="+mn-ea"/>
+                <a:cs typeface="+mn-cs"/>
+              </a:defRPr>
+            </a:lvl5pPr>
+            <a:lvl6pPr marL="2286000" algn="l" defTabSz="914400" rtl="0" eaLnBrk="1" latinLnBrk="0" hangingPunct="1">
+              <a:defRPr sz="1800" kern="1200">
+                <a:solidFill>
+                  <a:schemeClr val="lt1"/>
+                </a:solidFill>
+                <a:latin typeface="+mn-lt"/>
+                <a:ea typeface="+mn-ea"/>
+                <a:cs typeface="+mn-cs"/>
+              </a:defRPr>
+            </a:lvl6pPr>
+            <a:lvl7pPr marL="2743200" algn="l" defTabSz="914400" rtl="0" eaLnBrk="1" latinLnBrk="0" hangingPunct="1">
+              <a:defRPr sz="1800" kern="1200">
+                <a:solidFill>
+                  <a:schemeClr val="lt1"/>
+                </a:solidFill>
+                <a:latin typeface="+mn-lt"/>
+                <a:ea typeface="+mn-ea"/>
+                <a:cs typeface="+mn-cs"/>
+              </a:defRPr>
+            </a:lvl7pPr>
+            <a:lvl8pPr marL="3200400" algn="l" defTabSz="914400" rtl="0" eaLnBrk="1" latinLnBrk="0" hangingPunct="1">
+              <a:defRPr sz="1800" kern="1200">
+                <a:solidFill>
+                  <a:schemeClr val="lt1"/>
+                </a:solidFill>
+                <a:latin typeface="+mn-lt"/>
+                <a:ea typeface="+mn-ea"/>
+                <a:cs typeface="+mn-cs"/>
+              </a:defRPr>
+            </a:lvl8pPr>
+            <a:lvl9pPr marL="3657600" algn="l" defTabSz="914400" rtl="0" eaLnBrk="1" latinLnBrk="0" hangingPunct="1">
+              <a:defRPr sz="1800" kern="1200">
+                <a:solidFill>
+                  <a:schemeClr val="lt1"/>
+                </a:solidFill>
+                <a:latin typeface="+mn-lt"/>
+                <a:ea typeface="+mn-ea"/>
+                <a:cs typeface="+mn-cs"/>
+              </a:defRPr>
+            </a:lvl9pPr>
+          </a:lstStyle>
+          <a:p>
+            <a:pPr algn="ctr"/>
+            <a:endParaRPr lang="en-US"/>
+          </a:p>
+        </p:txBody>
+      </p:sp>
       <p:sp>
         <p:nvSpPr>
           <p:cNvPr id="2" name="Title 1">
@@ -8211,73 +12319,593 @@
             <p:ph type="title"/>
           </p:nvPr>
         </p:nvSpPr>
-        <p:spPr/>
+        <p:spPr>
+          <a:xfrm>
+            <a:off x="1251678" y="382385"/>
+            <a:ext cx="10178322" cy="1492132"/>
+          </a:xfrm>
+        </p:spPr>
         <p:txBody>
-          <a:bodyPr/>
+          <a:bodyPr anchor="ctr">
+            <a:normAutofit/>
+          </a:bodyPr>
           <a:lstStyle/>
           <a:p>
             <a:r>
-              <a:rPr lang="en-IN" dirty="0"/>
+              <a:rPr lang="en-IN"/>
               <a:t>Agenda</a:t>
             </a:r>
+            <a:endParaRPr lang="en-IN" dirty="0"/>
           </a:p>
         </p:txBody>
       </p:sp>
       <p:sp>
         <p:nvSpPr>
-          <p:cNvPr id="3" name="Content Placeholder 2">
+          <p:cNvPr id="16" name="Freeform 6">
             <a:extLst>
               <a:ext uri="{FF2B5EF4-FFF2-40B4-BE49-F238E27FC236}">
-                <a16:creationId xmlns:a16="http://schemas.microsoft.com/office/drawing/2014/main" id="{5E9DD5EB-96F1-4E33-B883-1F97D0B341C8}"/>
+                <a16:creationId xmlns:a16="http://schemas.microsoft.com/office/drawing/2014/main" id="{AB09A9E8-BF27-4613-A775-071F082083A9}"/>
+              </a:ext>
+              <a:ext uri="{C183D7F6-B498-43B3-948B-1728B52AA6E4}">
+                <adec:decorative xmlns:adec="http://schemas.microsoft.com/office/drawing/2017/decorative" val="1"/>
               </a:ext>
             </a:extLst>
           </p:cNvPr>
           <p:cNvSpPr>
-            <a:spLocks noGrp="1"/>
+            <a:spLocks noGrp="1" noRot="1" noChangeAspect="1" noMove="1" noResize="1" noEditPoints="1" noAdjustHandles="1" noChangeArrowheads="1" noChangeShapeType="1" noTextEdit="1"/>
           </p:cNvSpPr>
           <p:nvPr>
-            <p:ph idx="1"/>
+            <p:extLst>
+              <p:ext uri="{386F3935-93C4-4BCD-93E2-E3B085C9AB24}">
+                <p16:designElem xmlns:p16="http://schemas.microsoft.com/office/powerpoint/2015/main" val="1"/>
+              </p:ext>
+            </p:extLst>
           </p:nvPr>
         </p:nvSpPr>
-        <p:spPr/>
-        <p:txBody>
-          <a:bodyPr>
-            <a:normAutofit/>
-          </a:bodyPr>
-          <a:lstStyle/>
-          <a:p>
-            <a:r>
-              <a:rPr lang="en-US" sz="2400" dirty="0"/>
-              <a:t>What is Web Development?</a:t>
-            </a:r>
-          </a:p>
-          <a:p>
-            <a:r>
-              <a:rPr lang="en-US" sz="2400" dirty="0"/>
-              <a:t>Who is a Web Developer?</a:t>
-            </a:r>
-          </a:p>
-          <a:p>
-            <a:r>
-              <a:rPr lang="en-US" sz="2400" dirty="0"/>
-              <a:t>Who is a Web Designer?</a:t>
-            </a:r>
-          </a:p>
-          <a:p>
-            <a:r>
-              <a:rPr lang="en-US" sz="2400" dirty="0"/>
-              <a:t>Web Developer vs Web Designer: Key Roles</a:t>
-            </a:r>
-          </a:p>
-          <a:p>
-            <a:r>
-              <a:rPr lang="en-US" sz="2400" dirty="0"/>
-              <a:t>Salary Trends</a:t>
-            </a:r>
-            <a:endParaRPr lang="en-IN" sz="2400" dirty="0"/>
-          </a:p>
-        </p:txBody>
+        <p:spPr bwMode="auto">
+          <a:xfrm>
+            <a:off x="0" y="0"/>
+            <a:ext cx="885825" cy="6858000"/>
+          </a:xfrm>
+          <a:custGeom>
+            <a:avLst/>
+            <a:gdLst/>
+            <a:ahLst/>
+            <a:cxnLst/>
+            <a:rect l="0" t="0" r="r" b="b"/>
+            <a:pathLst>
+              <a:path w="558" h="4320">
+                <a:moveTo>
+                  <a:pt x="0" y="0"/>
+                </a:moveTo>
+                <a:lnTo>
+                  <a:pt x="447" y="0"/>
+                </a:lnTo>
+                <a:lnTo>
+                  <a:pt x="448" y="43"/>
+                </a:lnTo>
+                <a:lnTo>
+                  <a:pt x="453" y="81"/>
+                </a:lnTo>
+                <a:lnTo>
+                  <a:pt x="460" y="114"/>
+                </a:lnTo>
+                <a:lnTo>
+                  <a:pt x="469" y="143"/>
+                </a:lnTo>
+                <a:lnTo>
+                  <a:pt x="479" y="169"/>
+                </a:lnTo>
+                <a:lnTo>
+                  <a:pt x="491" y="192"/>
+                </a:lnTo>
+                <a:lnTo>
+                  <a:pt x="503" y="216"/>
+                </a:lnTo>
+                <a:lnTo>
+                  <a:pt x="515" y="240"/>
+                </a:lnTo>
+                <a:lnTo>
+                  <a:pt x="525" y="263"/>
+                </a:lnTo>
+                <a:lnTo>
+                  <a:pt x="535" y="289"/>
+                </a:lnTo>
+                <a:lnTo>
+                  <a:pt x="545" y="318"/>
+                </a:lnTo>
+                <a:lnTo>
+                  <a:pt x="552" y="351"/>
+                </a:lnTo>
+                <a:lnTo>
+                  <a:pt x="556" y="389"/>
+                </a:lnTo>
+                <a:lnTo>
+                  <a:pt x="558" y="432"/>
+                </a:lnTo>
+                <a:lnTo>
+                  <a:pt x="556" y="475"/>
+                </a:lnTo>
+                <a:lnTo>
+                  <a:pt x="552" y="513"/>
+                </a:lnTo>
+                <a:lnTo>
+                  <a:pt x="545" y="546"/>
+                </a:lnTo>
+                <a:lnTo>
+                  <a:pt x="535" y="575"/>
+                </a:lnTo>
+                <a:lnTo>
+                  <a:pt x="525" y="601"/>
+                </a:lnTo>
+                <a:lnTo>
+                  <a:pt x="515" y="624"/>
+                </a:lnTo>
+                <a:lnTo>
+                  <a:pt x="503" y="648"/>
+                </a:lnTo>
+                <a:lnTo>
+                  <a:pt x="491" y="672"/>
+                </a:lnTo>
+                <a:lnTo>
+                  <a:pt x="479" y="695"/>
+                </a:lnTo>
+                <a:lnTo>
+                  <a:pt x="469" y="721"/>
+                </a:lnTo>
+                <a:lnTo>
+                  <a:pt x="460" y="750"/>
+                </a:lnTo>
+                <a:lnTo>
+                  <a:pt x="453" y="783"/>
+                </a:lnTo>
+                <a:lnTo>
+                  <a:pt x="448" y="821"/>
+                </a:lnTo>
+                <a:lnTo>
+                  <a:pt x="447" y="864"/>
+                </a:lnTo>
+                <a:lnTo>
+                  <a:pt x="448" y="907"/>
+                </a:lnTo>
+                <a:lnTo>
+                  <a:pt x="453" y="945"/>
+                </a:lnTo>
+                <a:lnTo>
+                  <a:pt x="460" y="978"/>
+                </a:lnTo>
+                <a:lnTo>
+                  <a:pt x="469" y="1007"/>
+                </a:lnTo>
+                <a:lnTo>
+                  <a:pt x="479" y="1033"/>
+                </a:lnTo>
+                <a:lnTo>
+                  <a:pt x="491" y="1056"/>
+                </a:lnTo>
+                <a:lnTo>
+                  <a:pt x="503" y="1080"/>
+                </a:lnTo>
+                <a:lnTo>
+                  <a:pt x="515" y="1104"/>
+                </a:lnTo>
+                <a:lnTo>
+                  <a:pt x="525" y="1127"/>
+                </a:lnTo>
+                <a:lnTo>
+                  <a:pt x="535" y="1153"/>
+                </a:lnTo>
+                <a:lnTo>
+                  <a:pt x="545" y="1182"/>
+                </a:lnTo>
+                <a:lnTo>
+                  <a:pt x="552" y="1215"/>
+                </a:lnTo>
+                <a:lnTo>
+                  <a:pt x="556" y="1253"/>
+                </a:lnTo>
+                <a:lnTo>
+                  <a:pt x="558" y="1296"/>
+                </a:lnTo>
+                <a:lnTo>
+                  <a:pt x="556" y="1339"/>
+                </a:lnTo>
+                <a:lnTo>
+                  <a:pt x="552" y="1377"/>
+                </a:lnTo>
+                <a:lnTo>
+                  <a:pt x="545" y="1410"/>
+                </a:lnTo>
+                <a:lnTo>
+                  <a:pt x="535" y="1439"/>
+                </a:lnTo>
+                <a:lnTo>
+                  <a:pt x="525" y="1465"/>
+                </a:lnTo>
+                <a:lnTo>
+                  <a:pt x="515" y="1488"/>
+                </a:lnTo>
+                <a:lnTo>
+                  <a:pt x="503" y="1512"/>
+                </a:lnTo>
+                <a:lnTo>
+                  <a:pt x="491" y="1536"/>
+                </a:lnTo>
+                <a:lnTo>
+                  <a:pt x="479" y="1559"/>
+                </a:lnTo>
+                <a:lnTo>
+                  <a:pt x="469" y="1585"/>
+                </a:lnTo>
+                <a:lnTo>
+                  <a:pt x="460" y="1614"/>
+                </a:lnTo>
+                <a:lnTo>
+                  <a:pt x="453" y="1647"/>
+                </a:lnTo>
+                <a:lnTo>
+                  <a:pt x="448" y="1685"/>
+                </a:lnTo>
+                <a:lnTo>
+                  <a:pt x="447" y="1728"/>
+                </a:lnTo>
+                <a:lnTo>
+                  <a:pt x="448" y="1771"/>
+                </a:lnTo>
+                <a:lnTo>
+                  <a:pt x="453" y="1809"/>
+                </a:lnTo>
+                <a:lnTo>
+                  <a:pt x="460" y="1842"/>
+                </a:lnTo>
+                <a:lnTo>
+                  <a:pt x="469" y="1871"/>
+                </a:lnTo>
+                <a:lnTo>
+                  <a:pt x="479" y="1897"/>
+                </a:lnTo>
+                <a:lnTo>
+                  <a:pt x="491" y="1920"/>
+                </a:lnTo>
+                <a:lnTo>
+                  <a:pt x="503" y="1944"/>
+                </a:lnTo>
+                <a:lnTo>
+                  <a:pt x="515" y="1968"/>
+                </a:lnTo>
+                <a:lnTo>
+                  <a:pt x="525" y="1991"/>
+                </a:lnTo>
+                <a:lnTo>
+                  <a:pt x="535" y="2017"/>
+                </a:lnTo>
+                <a:lnTo>
+                  <a:pt x="545" y="2046"/>
+                </a:lnTo>
+                <a:lnTo>
+                  <a:pt x="552" y="2079"/>
+                </a:lnTo>
+                <a:lnTo>
+                  <a:pt x="556" y="2117"/>
+                </a:lnTo>
+                <a:lnTo>
+                  <a:pt x="558" y="2159"/>
+                </a:lnTo>
+                <a:lnTo>
+                  <a:pt x="556" y="2203"/>
+                </a:lnTo>
+                <a:lnTo>
+                  <a:pt x="552" y="2241"/>
+                </a:lnTo>
+                <a:lnTo>
+                  <a:pt x="545" y="2274"/>
+                </a:lnTo>
+                <a:lnTo>
+                  <a:pt x="535" y="2303"/>
+                </a:lnTo>
+                <a:lnTo>
+                  <a:pt x="525" y="2329"/>
+                </a:lnTo>
+                <a:lnTo>
+                  <a:pt x="515" y="2352"/>
+                </a:lnTo>
+                <a:lnTo>
+                  <a:pt x="503" y="2376"/>
+                </a:lnTo>
+                <a:lnTo>
+                  <a:pt x="491" y="2400"/>
+                </a:lnTo>
+                <a:lnTo>
+                  <a:pt x="479" y="2423"/>
+                </a:lnTo>
+                <a:lnTo>
+                  <a:pt x="469" y="2449"/>
+                </a:lnTo>
+                <a:lnTo>
+                  <a:pt x="460" y="2478"/>
+                </a:lnTo>
+                <a:lnTo>
+                  <a:pt x="453" y="2511"/>
+                </a:lnTo>
+                <a:lnTo>
+                  <a:pt x="448" y="2549"/>
+                </a:lnTo>
+                <a:lnTo>
+                  <a:pt x="447" y="2592"/>
+                </a:lnTo>
+                <a:lnTo>
+                  <a:pt x="448" y="2635"/>
+                </a:lnTo>
+                <a:lnTo>
+                  <a:pt x="453" y="2673"/>
+                </a:lnTo>
+                <a:lnTo>
+                  <a:pt x="460" y="2706"/>
+                </a:lnTo>
+                <a:lnTo>
+                  <a:pt x="469" y="2735"/>
+                </a:lnTo>
+                <a:lnTo>
+                  <a:pt x="479" y="2761"/>
+                </a:lnTo>
+                <a:lnTo>
+                  <a:pt x="491" y="2784"/>
+                </a:lnTo>
+                <a:lnTo>
+                  <a:pt x="515" y="2832"/>
+                </a:lnTo>
+                <a:lnTo>
+                  <a:pt x="525" y="2855"/>
+                </a:lnTo>
+                <a:lnTo>
+                  <a:pt x="535" y="2881"/>
+                </a:lnTo>
+                <a:lnTo>
+                  <a:pt x="545" y="2910"/>
+                </a:lnTo>
+                <a:lnTo>
+                  <a:pt x="552" y="2943"/>
+                </a:lnTo>
+                <a:lnTo>
+                  <a:pt x="556" y="2981"/>
+                </a:lnTo>
+                <a:lnTo>
+                  <a:pt x="558" y="3024"/>
+                </a:lnTo>
+                <a:lnTo>
+                  <a:pt x="556" y="3067"/>
+                </a:lnTo>
+                <a:lnTo>
+                  <a:pt x="552" y="3105"/>
+                </a:lnTo>
+                <a:lnTo>
+                  <a:pt x="545" y="3138"/>
+                </a:lnTo>
+                <a:lnTo>
+                  <a:pt x="535" y="3167"/>
+                </a:lnTo>
+                <a:lnTo>
+                  <a:pt x="525" y="3193"/>
+                </a:lnTo>
+                <a:lnTo>
+                  <a:pt x="515" y="3216"/>
+                </a:lnTo>
+                <a:lnTo>
+                  <a:pt x="503" y="3240"/>
+                </a:lnTo>
+                <a:lnTo>
+                  <a:pt x="491" y="3264"/>
+                </a:lnTo>
+                <a:lnTo>
+                  <a:pt x="479" y="3287"/>
+                </a:lnTo>
+                <a:lnTo>
+                  <a:pt x="469" y="3313"/>
+                </a:lnTo>
+                <a:lnTo>
+                  <a:pt x="460" y="3342"/>
+                </a:lnTo>
+                <a:lnTo>
+                  <a:pt x="453" y="3375"/>
+                </a:lnTo>
+                <a:lnTo>
+                  <a:pt x="448" y="3413"/>
+                </a:lnTo>
+                <a:lnTo>
+                  <a:pt x="447" y="3456"/>
+                </a:lnTo>
+                <a:lnTo>
+                  <a:pt x="448" y="3499"/>
+                </a:lnTo>
+                <a:lnTo>
+                  <a:pt x="453" y="3537"/>
+                </a:lnTo>
+                <a:lnTo>
+                  <a:pt x="460" y="3570"/>
+                </a:lnTo>
+                <a:lnTo>
+                  <a:pt x="469" y="3599"/>
+                </a:lnTo>
+                <a:lnTo>
+                  <a:pt x="479" y="3625"/>
+                </a:lnTo>
+                <a:lnTo>
+                  <a:pt x="491" y="3648"/>
+                </a:lnTo>
+                <a:lnTo>
+                  <a:pt x="503" y="3672"/>
+                </a:lnTo>
+                <a:lnTo>
+                  <a:pt x="515" y="3696"/>
+                </a:lnTo>
+                <a:lnTo>
+                  <a:pt x="525" y="3719"/>
+                </a:lnTo>
+                <a:lnTo>
+                  <a:pt x="535" y="3745"/>
+                </a:lnTo>
+                <a:lnTo>
+                  <a:pt x="545" y="3774"/>
+                </a:lnTo>
+                <a:lnTo>
+                  <a:pt x="552" y="3807"/>
+                </a:lnTo>
+                <a:lnTo>
+                  <a:pt x="556" y="3845"/>
+                </a:lnTo>
+                <a:lnTo>
+                  <a:pt x="558" y="3888"/>
+                </a:lnTo>
+                <a:lnTo>
+                  <a:pt x="556" y="3931"/>
+                </a:lnTo>
+                <a:lnTo>
+                  <a:pt x="552" y="3969"/>
+                </a:lnTo>
+                <a:lnTo>
+                  <a:pt x="545" y="4002"/>
+                </a:lnTo>
+                <a:lnTo>
+                  <a:pt x="535" y="4031"/>
+                </a:lnTo>
+                <a:lnTo>
+                  <a:pt x="525" y="4057"/>
+                </a:lnTo>
+                <a:lnTo>
+                  <a:pt x="515" y="4080"/>
+                </a:lnTo>
+                <a:lnTo>
+                  <a:pt x="503" y="4104"/>
+                </a:lnTo>
+                <a:lnTo>
+                  <a:pt x="491" y="4128"/>
+                </a:lnTo>
+                <a:lnTo>
+                  <a:pt x="479" y="4151"/>
+                </a:lnTo>
+                <a:lnTo>
+                  <a:pt x="469" y="4177"/>
+                </a:lnTo>
+                <a:lnTo>
+                  <a:pt x="460" y="4206"/>
+                </a:lnTo>
+                <a:lnTo>
+                  <a:pt x="453" y="4239"/>
+                </a:lnTo>
+                <a:lnTo>
+                  <a:pt x="448" y="4277"/>
+                </a:lnTo>
+                <a:lnTo>
+                  <a:pt x="447" y="4320"/>
+                </a:lnTo>
+                <a:lnTo>
+                  <a:pt x="0" y="4320"/>
+                </a:lnTo>
+                <a:lnTo>
+                  <a:pt x="0" y="0"/>
+                </a:lnTo>
+                <a:close/>
+              </a:path>
+            </a:pathLst>
+          </a:custGeom>
+          <a:solidFill>
+            <a:schemeClr val="accent1"/>
+          </a:solidFill>
+          <a:ln w="0">
+            <a:noFill/>
+            <a:prstDash val="solid"/>
+            <a:round/>
+            <a:headEnd/>
+            <a:tailEnd/>
+          </a:ln>
+        </p:spPr>
       </p:sp>
+      <p:sp>
+        <p:nvSpPr>
+          <p:cNvPr id="17" name="Rectangle 12">
+            <a:extLst>
+              <a:ext uri="{FF2B5EF4-FFF2-40B4-BE49-F238E27FC236}">
+                <a16:creationId xmlns:a16="http://schemas.microsoft.com/office/drawing/2014/main" id="{C3AFE299-6F79-44AF-9A77-2DC2DC1F8461}"/>
+              </a:ext>
+              <a:ext uri="{C183D7F6-B498-43B3-948B-1728B52AA6E4}">
+                <adec:decorative xmlns:adec="http://schemas.microsoft.com/office/drawing/2017/decorative" val="1"/>
+              </a:ext>
+            </a:extLst>
+          </p:cNvPr>
+          <p:cNvSpPr>
+            <a:spLocks noGrp="1" noRot="1" noChangeAspect="1" noMove="1" noResize="1" noEditPoints="1" noAdjustHandles="1" noChangeArrowheads="1" noChangeShapeType="1" noTextEdit="1"/>
+          </p:cNvSpPr>
+          <p:nvPr>
+            <p:extLst>
+              <p:ext uri="{386F3935-93C4-4BCD-93E2-E3B085C9AB24}">
+                <p16:designElem xmlns:p16="http://schemas.microsoft.com/office/powerpoint/2015/main" val="1"/>
+              </p:ext>
+            </p:extLst>
+          </p:nvPr>
+        </p:nvSpPr>
+        <p:spPr>
+          <a:xfrm>
+            <a:off x="11908536" y="0"/>
+            <a:ext cx="283464" cy="6858000"/>
+          </a:xfrm>
+          <a:prstGeom prst="rect">
+            <a:avLst/>
+          </a:prstGeom>
+          <a:solidFill>
+            <a:schemeClr val="accent1"/>
+          </a:solidFill>
+          <a:ln>
+            <a:noFill/>
+          </a:ln>
+        </p:spPr>
+        <p:style>
+          <a:lnRef idx="2">
+            <a:schemeClr val="accent1">
+              <a:shade val="50000"/>
+            </a:schemeClr>
+          </a:lnRef>
+          <a:fillRef idx="1">
+            <a:schemeClr val="accent1"/>
+          </a:fillRef>
+          <a:effectRef idx="0">
+            <a:schemeClr val="accent1"/>
+          </a:effectRef>
+          <a:fontRef idx="minor">
+            <a:schemeClr val="lt1"/>
+          </a:fontRef>
+        </p:style>
+      </p:sp>
+      <p:graphicFrame>
+        <p:nvGraphicFramePr>
+          <p:cNvPr id="18" name="Content Placeholder 2">
+            <a:extLst>
+              <a:ext uri="{FF2B5EF4-FFF2-40B4-BE49-F238E27FC236}">
+                <a16:creationId xmlns:a16="http://schemas.microsoft.com/office/drawing/2014/main" id="{E3D4F510-6228-4BBC-8AC4-3E6E670D57D8}"/>
+              </a:ext>
+            </a:extLst>
+          </p:cNvPr>
+          <p:cNvGraphicFramePr>
+            <a:graphicFrameLocks noGrp="1"/>
+          </p:cNvGraphicFramePr>
+          <p:nvPr>
+            <p:ph idx="1"/>
+            <p:extLst>
+              <p:ext uri="{D42A27DB-BD31-4B8C-83A1-F6EECF244321}">
+                <p14:modId xmlns:p14="http://schemas.microsoft.com/office/powerpoint/2010/main" val="3776267412"/>
+              </p:ext>
+            </p:extLst>
+          </p:nvPr>
+        </p:nvGraphicFramePr>
+        <p:xfrm>
+          <a:off x="1250950" y="2286000"/>
+          <a:ext cx="10179050" cy="3594100"/>
+        </p:xfrm>
+        <a:graphic>
+          <a:graphicData uri="http://schemas.openxmlformats.org/drawingml/2006/diagram">
+            <dgm:relIds xmlns:dgm="http://schemas.openxmlformats.org/drawingml/2006/diagram" xmlns:r="http://schemas.openxmlformats.org/officeDocument/2006/relationships" r:dm="rId2" r:lo="rId3" r:qs="rId4" r:cs="rId5"/>
+          </a:graphicData>
+        </a:graphic>
+      </p:graphicFrame>
     </p:spTree>
     <p:extLst>
       <p:ext uri="{BB962C8B-B14F-4D97-AF65-F5344CB8AC3E}">
@@ -8294,6 +12922,14 @@
 <file path=ppt/slides/slide3.xml><?xml version="1.0" encoding="utf-8"?>
 <p:sld xmlns:a="http://schemas.openxmlformats.org/drawingml/2006/main" xmlns:r="http://schemas.openxmlformats.org/officeDocument/2006/relationships" xmlns:p="http://schemas.openxmlformats.org/presentationml/2006/main">
   <p:cSld>
+    <p:bg>
+      <p:bgPr>
+        <a:solidFill>
+          <a:schemeClr val="bg2"/>
+        </a:solidFill>
+        <a:effectLst/>
+      </p:bgPr>
+    </p:bg>
     <p:spTree>
       <p:nvGrpSpPr>
         <p:cNvPr id="1" name=""/>
@@ -8324,13 +12960,20 @@
             <p:ph type="title"/>
           </p:nvPr>
         </p:nvSpPr>
-        <p:spPr/>
+        <p:spPr>
+          <a:xfrm>
+            <a:off x="1251677" y="645105"/>
+            <a:ext cx="4357499" cy="1320855"/>
+          </a:xfrm>
+        </p:spPr>
         <p:txBody>
-          <a:bodyPr/>
+          <a:bodyPr>
+            <a:normAutofit/>
+          </a:bodyPr>
           <a:lstStyle/>
           <a:p>
             <a:r>
-              <a:rPr lang="en-IN" dirty="0"/>
+              <a:rPr lang="en-IN" sz="4400"/>
               <a:t>What is Web Development?</a:t>
             </a:r>
           </a:p>
@@ -8354,13 +12997,13 @@
         </p:nvSpPr>
         <p:spPr>
           <a:xfrm>
-            <a:off x="1251678" y="1987548"/>
-            <a:ext cx="10178322" cy="3593591"/>
+            <a:off x="1251678" y="2286001"/>
+            <a:ext cx="4363595" cy="3593591"/>
           </a:xfrm>
         </p:spPr>
         <p:txBody>
           <a:bodyPr>
-            <a:normAutofit/>
+            <a:normAutofit lnSpcReduction="10000"/>
           </a:bodyPr>
           <a:lstStyle/>
           <a:p>
@@ -8389,7 +13032,7 @@
           </p:cNvPicPr>
           <p:nvPr/>
         </p:nvPicPr>
-        <p:blipFill>
+        <p:blipFill rotWithShape="1">
           <a:blip r:embed="rId2">
             <a:extLst>
               <a:ext uri="{28A0092B-C50C-407E-A947-70E740481C1C}">
@@ -8397,18 +13040,1034 @@
               </a:ext>
             </a:extLst>
           </a:blip>
-          <a:stretch>
-            <a:fillRect/>
-          </a:stretch>
+          <a:srcRect l="27970" r="33234" b="1"/>
+          <a:stretch/>
         </p:blipFill>
         <p:spPr>
           <a:xfrm>
-            <a:off x="2880851" y="3784343"/>
-            <a:ext cx="7315200" cy="2828925"/>
+            <a:off x="6096000" y="580713"/>
+            <a:ext cx="5414304" cy="5407737"/>
           </a:xfrm>
-          <a:prstGeom prst="rect">
+          <a:custGeom>
             <a:avLst/>
-          </a:prstGeom>
+            <a:gdLst/>
+            <a:ahLst/>
+            <a:cxnLst/>
+            <a:rect l="l" t="t" r="r" b="b"/>
+            <a:pathLst>
+              <a:path w="3860171" h="3855489">
+                <a:moveTo>
+                  <a:pt x="1930086" y="0"/>
+                </a:moveTo>
+                <a:lnTo>
+                  <a:pt x="1967540" y="3511"/>
+                </a:lnTo>
+                <a:lnTo>
+                  <a:pt x="2003824" y="12875"/>
+                </a:lnTo>
+                <a:lnTo>
+                  <a:pt x="2038938" y="26920"/>
+                </a:lnTo>
+                <a:lnTo>
+                  <a:pt x="2075222" y="44477"/>
+                </a:lnTo>
+                <a:lnTo>
+                  <a:pt x="2109166" y="64375"/>
+                </a:lnTo>
+                <a:lnTo>
+                  <a:pt x="2144279" y="85443"/>
+                </a:lnTo>
+                <a:lnTo>
+                  <a:pt x="2179393" y="104171"/>
+                </a:lnTo>
+                <a:lnTo>
+                  <a:pt x="2214507" y="122898"/>
+                </a:lnTo>
+                <a:lnTo>
+                  <a:pt x="2248450" y="136943"/>
+                </a:lnTo>
+                <a:lnTo>
+                  <a:pt x="2285905" y="146307"/>
+                </a:lnTo>
+                <a:lnTo>
+                  <a:pt x="2322189" y="150989"/>
+                </a:lnTo>
+                <a:lnTo>
+                  <a:pt x="2360814" y="150989"/>
+                </a:lnTo>
+                <a:lnTo>
+                  <a:pt x="2400610" y="148648"/>
+                </a:lnTo>
+                <a:lnTo>
+                  <a:pt x="2440405" y="143966"/>
+                </a:lnTo>
+                <a:lnTo>
+                  <a:pt x="2480201" y="138114"/>
+                </a:lnTo>
+                <a:lnTo>
+                  <a:pt x="2519996" y="133432"/>
+                </a:lnTo>
+                <a:lnTo>
+                  <a:pt x="2559792" y="129921"/>
+                </a:lnTo>
+                <a:lnTo>
+                  <a:pt x="2597247" y="131091"/>
+                </a:lnTo>
+                <a:lnTo>
+                  <a:pt x="2633531" y="135773"/>
+                </a:lnTo>
+                <a:lnTo>
+                  <a:pt x="2668644" y="146307"/>
+                </a:lnTo>
+                <a:lnTo>
+                  <a:pt x="2697906" y="161523"/>
+                </a:lnTo>
+                <a:lnTo>
+                  <a:pt x="2725997" y="181421"/>
+                </a:lnTo>
+                <a:lnTo>
+                  <a:pt x="2750577" y="204830"/>
+                </a:lnTo>
+                <a:lnTo>
+                  <a:pt x="2775156" y="231750"/>
+                </a:lnTo>
+                <a:lnTo>
+                  <a:pt x="2797395" y="259841"/>
+                </a:lnTo>
+                <a:lnTo>
+                  <a:pt x="2819634" y="289103"/>
+                </a:lnTo>
+                <a:lnTo>
+                  <a:pt x="2841872" y="318364"/>
+                </a:lnTo>
+                <a:lnTo>
+                  <a:pt x="2864111" y="346455"/>
+                </a:lnTo>
+                <a:lnTo>
+                  <a:pt x="2887520" y="373376"/>
+                </a:lnTo>
+                <a:lnTo>
+                  <a:pt x="2914441" y="396785"/>
+                </a:lnTo>
+                <a:lnTo>
+                  <a:pt x="2940191" y="417853"/>
+                </a:lnTo>
+                <a:lnTo>
+                  <a:pt x="2969452" y="434240"/>
+                </a:lnTo>
+                <a:lnTo>
+                  <a:pt x="3001055" y="448285"/>
+                </a:lnTo>
+                <a:lnTo>
+                  <a:pt x="3034998" y="459990"/>
+                </a:lnTo>
+                <a:lnTo>
+                  <a:pt x="3070112" y="470524"/>
+                </a:lnTo>
+                <a:lnTo>
+                  <a:pt x="3105226" y="479888"/>
+                </a:lnTo>
+                <a:lnTo>
+                  <a:pt x="3141510" y="489251"/>
+                </a:lnTo>
+                <a:lnTo>
+                  <a:pt x="3175453" y="499785"/>
+                </a:lnTo>
+                <a:lnTo>
+                  <a:pt x="3209396" y="511490"/>
+                </a:lnTo>
+                <a:lnTo>
+                  <a:pt x="3240999" y="525535"/>
+                </a:lnTo>
+                <a:lnTo>
+                  <a:pt x="3269090" y="543092"/>
+                </a:lnTo>
+                <a:lnTo>
+                  <a:pt x="3294840" y="564161"/>
+                </a:lnTo>
+                <a:lnTo>
+                  <a:pt x="3315908" y="589911"/>
+                </a:lnTo>
+                <a:lnTo>
+                  <a:pt x="3333465" y="618002"/>
+                </a:lnTo>
+                <a:lnTo>
+                  <a:pt x="3347510" y="649604"/>
+                </a:lnTo>
+                <a:lnTo>
+                  <a:pt x="3359215" y="683547"/>
+                </a:lnTo>
+                <a:lnTo>
+                  <a:pt x="3369749" y="717491"/>
+                </a:lnTo>
+                <a:lnTo>
+                  <a:pt x="3379113" y="753775"/>
+                </a:lnTo>
+                <a:lnTo>
+                  <a:pt x="3388476" y="788889"/>
+                </a:lnTo>
+                <a:lnTo>
+                  <a:pt x="3399010" y="824002"/>
+                </a:lnTo>
+                <a:lnTo>
+                  <a:pt x="3410715" y="857946"/>
+                </a:lnTo>
+                <a:lnTo>
+                  <a:pt x="3424760" y="889548"/>
+                </a:lnTo>
+                <a:lnTo>
+                  <a:pt x="3441147" y="918809"/>
+                </a:lnTo>
+                <a:lnTo>
+                  <a:pt x="3462215" y="944560"/>
+                </a:lnTo>
+                <a:lnTo>
+                  <a:pt x="3485624" y="971480"/>
+                </a:lnTo>
+                <a:lnTo>
+                  <a:pt x="3512545" y="994889"/>
+                </a:lnTo>
+                <a:lnTo>
+                  <a:pt x="3540636" y="1017128"/>
+                </a:lnTo>
+                <a:lnTo>
+                  <a:pt x="3571068" y="1039367"/>
+                </a:lnTo>
+                <a:lnTo>
+                  <a:pt x="3600329" y="1061605"/>
+                </a:lnTo>
+                <a:lnTo>
+                  <a:pt x="3628420" y="1083844"/>
+                </a:lnTo>
+                <a:lnTo>
+                  <a:pt x="3655341" y="1108424"/>
+                </a:lnTo>
+                <a:lnTo>
+                  <a:pt x="3678750" y="1133003"/>
+                </a:lnTo>
+                <a:lnTo>
+                  <a:pt x="3698648" y="1161094"/>
+                </a:lnTo>
+                <a:lnTo>
+                  <a:pt x="3713864" y="1190356"/>
+                </a:lnTo>
+                <a:lnTo>
+                  <a:pt x="3724398" y="1225469"/>
+                </a:lnTo>
+                <a:lnTo>
+                  <a:pt x="3729080" y="1261754"/>
+                </a:lnTo>
+                <a:lnTo>
+                  <a:pt x="3730250" y="1299208"/>
+                </a:lnTo>
+                <a:lnTo>
+                  <a:pt x="3726739" y="1339004"/>
+                </a:lnTo>
+                <a:lnTo>
+                  <a:pt x="3722057" y="1378799"/>
+                </a:lnTo>
+                <a:lnTo>
+                  <a:pt x="3716205" y="1418595"/>
+                </a:lnTo>
+                <a:lnTo>
+                  <a:pt x="3711523" y="1458391"/>
+                </a:lnTo>
+                <a:lnTo>
+                  <a:pt x="3709182" y="1498186"/>
+                </a:lnTo>
+                <a:lnTo>
+                  <a:pt x="3709182" y="1536811"/>
+                </a:lnTo>
+                <a:lnTo>
+                  <a:pt x="3713864" y="1573096"/>
+                </a:lnTo>
+                <a:lnTo>
+                  <a:pt x="3723228" y="1609380"/>
+                </a:lnTo>
+                <a:lnTo>
+                  <a:pt x="3737273" y="1643323"/>
+                </a:lnTo>
+                <a:lnTo>
+                  <a:pt x="3756000" y="1678437"/>
+                </a:lnTo>
+                <a:lnTo>
+                  <a:pt x="3774728" y="1713550"/>
+                </a:lnTo>
+                <a:lnTo>
+                  <a:pt x="3795796" y="1748664"/>
+                </a:lnTo>
+                <a:lnTo>
+                  <a:pt x="3815694" y="1782608"/>
+                </a:lnTo>
+                <a:lnTo>
+                  <a:pt x="3833250" y="1818892"/>
+                </a:lnTo>
+                <a:lnTo>
+                  <a:pt x="3847296" y="1854005"/>
+                </a:lnTo>
+                <a:lnTo>
+                  <a:pt x="3856660" y="1890290"/>
+                </a:lnTo>
+                <a:lnTo>
+                  <a:pt x="3860171" y="1927744"/>
+                </a:lnTo>
+                <a:lnTo>
+                  <a:pt x="3856660" y="1965199"/>
+                </a:lnTo>
+                <a:lnTo>
+                  <a:pt x="3847296" y="2001483"/>
+                </a:lnTo>
+                <a:lnTo>
+                  <a:pt x="3833250" y="2036597"/>
+                </a:lnTo>
+                <a:lnTo>
+                  <a:pt x="3815694" y="2072881"/>
+                </a:lnTo>
+                <a:lnTo>
+                  <a:pt x="3795796" y="2106824"/>
+                </a:lnTo>
+                <a:lnTo>
+                  <a:pt x="3774728" y="2141938"/>
+                </a:lnTo>
+                <a:lnTo>
+                  <a:pt x="3756000" y="2177052"/>
+                </a:lnTo>
+                <a:lnTo>
+                  <a:pt x="3737273" y="2212166"/>
+                </a:lnTo>
+                <a:lnTo>
+                  <a:pt x="3723228" y="2246109"/>
+                </a:lnTo>
+                <a:lnTo>
+                  <a:pt x="3713864" y="2282393"/>
+                </a:lnTo>
+                <a:lnTo>
+                  <a:pt x="3709182" y="2318677"/>
+                </a:lnTo>
+                <a:lnTo>
+                  <a:pt x="3709182" y="2357302"/>
+                </a:lnTo>
+                <a:lnTo>
+                  <a:pt x="3711523" y="2397098"/>
+                </a:lnTo>
+                <a:lnTo>
+                  <a:pt x="3716205" y="2436894"/>
+                </a:lnTo>
+                <a:lnTo>
+                  <a:pt x="3722057" y="2476689"/>
+                </a:lnTo>
+                <a:lnTo>
+                  <a:pt x="3726739" y="2516485"/>
+                </a:lnTo>
+                <a:lnTo>
+                  <a:pt x="3730250" y="2556280"/>
+                </a:lnTo>
+                <a:lnTo>
+                  <a:pt x="3729080" y="2593735"/>
+                </a:lnTo>
+                <a:lnTo>
+                  <a:pt x="3724398" y="2630019"/>
+                </a:lnTo>
+                <a:lnTo>
+                  <a:pt x="3713864" y="2665133"/>
+                </a:lnTo>
+                <a:lnTo>
+                  <a:pt x="3698648" y="2694394"/>
+                </a:lnTo>
+                <a:lnTo>
+                  <a:pt x="3678750" y="2722485"/>
+                </a:lnTo>
+                <a:lnTo>
+                  <a:pt x="3655341" y="2747065"/>
+                </a:lnTo>
+                <a:lnTo>
+                  <a:pt x="3628420" y="2771645"/>
+                </a:lnTo>
+                <a:lnTo>
+                  <a:pt x="3600329" y="2793883"/>
+                </a:lnTo>
+                <a:lnTo>
+                  <a:pt x="3571068" y="2816122"/>
+                </a:lnTo>
+                <a:lnTo>
+                  <a:pt x="3540636" y="2838361"/>
+                </a:lnTo>
+                <a:lnTo>
+                  <a:pt x="3512545" y="2860599"/>
+                </a:lnTo>
+                <a:lnTo>
+                  <a:pt x="3485624" y="2884009"/>
+                </a:lnTo>
+                <a:lnTo>
+                  <a:pt x="3462215" y="2910929"/>
+                </a:lnTo>
+                <a:lnTo>
+                  <a:pt x="3441147" y="2936679"/>
+                </a:lnTo>
+                <a:lnTo>
+                  <a:pt x="3424760" y="2965941"/>
+                </a:lnTo>
+                <a:lnTo>
+                  <a:pt x="3410715" y="2997543"/>
+                </a:lnTo>
+                <a:lnTo>
+                  <a:pt x="3399010" y="3031486"/>
+                </a:lnTo>
+                <a:lnTo>
+                  <a:pt x="3388476" y="3066600"/>
+                </a:lnTo>
+                <a:lnTo>
+                  <a:pt x="3379113" y="3101714"/>
+                </a:lnTo>
+                <a:lnTo>
+                  <a:pt x="3369749" y="3137998"/>
+                </a:lnTo>
+                <a:lnTo>
+                  <a:pt x="3359215" y="3171941"/>
+                </a:lnTo>
+                <a:lnTo>
+                  <a:pt x="3347510" y="3205885"/>
+                </a:lnTo>
+                <a:lnTo>
+                  <a:pt x="3333465" y="3237487"/>
+                </a:lnTo>
+                <a:lnTo>
+                  <a:pt x="3315908" y="3265578"/>
+                </a:lnTo>
+                <a:lnTo>
+                  <a:pt x="3294840" y="3291328"/>
+                </a:lnTo>
+                <a:lnTo>
+                  <a:pt x="3269090" y="3312396"/>
+                </a:lnTo>
+                <a:lnTo>
+                  <a:pt x="3240999" y="3329953"/>
+                </a:lnTo>
+                <a:lnTo>
+                  <a:pt x="3209396" y="3343999"/>
+                </a:lnTo>
+                <a:lnTo>
+                  <a:pt x="3175453" y="3355703"/>
+                </a:lnTo>
+                <a:lnTo>
+                  <a:pt x="3141510" y="3366237"/>
+                </a:lnTo>
+                <a:lnTo>
+                  <a:pt x="3105226" y="3375601"/>
+                </a:lnTo>
+                <a:lnTo>
+                  <a:pt x="3070112" y="3384965"/>
+                </a:lnTo>
+                <a:lnTo>
+                  <a:pt x="3034998" y="3395499"/>
+                </a:lnTo>
+                <a:lnTo>
+                  <a:pt x="3001055" y="3407203"/>
+                </a:lnTo>
+                <a:lnTo>
+                  <a:pt x="2969452" y="3421249"/>
+                </a:lnTo>
+                <a:lnTo>
+                  <a:pt x="2940191" y="3437635"/>
+                </a:lnTo>
+                <a:lnTo>
+                  <a:pt x="2914441" y="3458704"/>
+                </a:lnTo>
+                <a:lnTo>
+                  <a:pt x="2887520" y="3482113"/>
+                </a:lnTo>
+                <a:lnTo>
+                  <a:pt x="2864111" y="3509033"/>
+                </a:lnTo>
+                <a:lnTo>
+                  <a:pt x="2841872" y="3537124"/>
+                </a:lnTo>
+                <a:lnTo>
+                  <a:pt x="2819634" y="3566386"/>
+                </a:lnTo>
+                <a:lnTo>
+                  <a:pt x="2797395" y="3595647"/>
+                </a:lnTo>
+                <a:lnTo>
+                  <a:pt x="2775156" y="3623738"/>
+                </a:lnTo>
+                <a:lnTo>
+                  <a:pt x="2750577" y="3650659"/>
+                </a:lnTo>
+                <a:lnTo>
+                  <a:pt x="2725997" y="3674068"/>
+                </a:lnTo>
+                <a:lnTo>
+                  <a:pt x="2697906" y="3693966"/>
+                </a:lnTo>
+                <a:lnTo>
+                  <a:pt x="2668644" y="3709182"/>
+                </a:lnTo>
+                <a:lnTo>
+                  <a:pt x="2633531" y="3719716"/>
+                </a:lnTo>
+                <a:lnTo>
+                  <a:pt x="2597247" y="3724398"/>
+                </a:lnTo>
+                <a:lnTo>
+                  <a:pt x="2559792" y="3725568"/>
+                </a:lnTo>
+                <a:lnTo>
+                  <a:pt x="2519996" y="3722057"/>
+                </a:lnTo>
+                <a:lnTo>
+                  <a:pt x="2480201" y="3717375"/>
+                </a:lnTo>
+                <a:lnTo>
+                  <a:pt x="2440405" y="3711523"/>
+                </a:lnTo>
+                <a:lnTo>
+                  <a:pt x="2400610" y="3706841"/>
+                </a:lnTo>
+                <a:lnTo>
+                  <a:pt x="2360814" y="3704500"/>
+                </a:lnTo>
+                <a:lnTo>
+                  <a:pt x="2322189" y="3704500"/>
+                </a:lnTo>
+                <a:lnTo>
+                  <a:pt x="2285905" y="3709182"/>
+                </a:lnTo>
+                <a:lnTo>
+                  <a:pt x="2248450" y="3718545"/>
+                </a:lnTo>
+                <a:lnTo>
+                  <a:pt x="2214507" y="3732591"/>
+                </a:lnTo>
+                <a:lnTo>
+                  <a:pt x="2179393" y="3751318"/>
+                </a:lnTo>
+                <a:lnTo>
+                  <a:pt x="2144279" y="3770045"/>
+                </a:lnTo>
+                <a:lnTo>
+                  <a:pt x="2109166" y="3791114"/>
+                </a:lnTo>
+                <a:lnTo>
+                  <a:pt x="2075222" y="3811011"/>
+                </a:lnTo>
+                <a:lnTo>
+                  <a:pt x="2038938" y="3828568"/>
+                </a:lnTo>
+                <a:lnTo>
+                  <a:pt x="2003824" y="3842614"/>
+                </a:lnTo>
+                <a:lnTo>
+                  <a:pt x="1967540" y="3851978"/>
+                </a:lnTo>
+                <a:lnTo>
+                  <a:pt x="1930086" y="3855489"/>
+                </a:lnTo>
+                <a:lnTo>
+                  <a:pt x="1892631" y="3851978"/>
+                </a:lnTo>
+                <a:lnTo>
+                  <a:pt x="1856347" y="3842614"/>
+                </a:lnTo>
+                <a:lnTo>
+                  <a:pt x="1821233" y="3828568"/>
+                </a:lnTo>
+                <a:lnTo>
+                  <a:pt x="1784949" y="3811011"/>
+                </a:lnTo>
+                <a:lnTo>
+                  <a:pt x="1751005" y="3791114"/>
+                </a:lnTo>
+                <a:lnTo>
+                  <a:pt x="1715892" y="3770045"/>
+                </a:lnTo>
+                <a:lnTo>
+                  <a:pt x="1680778" y="3751318"/>
+                </a:lnTo>
+                <a:lnTo>
+                  <a:pt x="1645664" y="3732591"/>
+                </a:lnTo>
+                <a:lnTo>
+                  <a:pt x="1610550" y="3718545"/>
+                </a:lnTo>
+                <a:lnTo>
+                  <a:pt x="1574266" y="3709182"/>
+                </a:lnTo>
+                <a:lnTo>
+                  <a:pt x="1537982" y="3704500"/>
+                </a:lnTo>
+                <a:lnTo>
+                  <a:pt x="1499357" y="3704500"/>
+                </a:lnTo>
+                <a:lnTo>
+                  <a:pt x="1459561" y="3706841"/>
+                </a:lnTo>
+                <a:lnTo>
+                  <a:pt x="1419766" y="3711523"/>
+                </a:lnTo>
+                <a:lnTo>
+                  <a:pt x="1379970" y="3717375"/>
+                </a:lnTo>
+                <a:lnTo>
+                  <a:pt x="1340175" y="3722057"/>
+                </a:lnTo>
+                <a:lnTo>
+                  <a:pt x="1300379" y="3725568"/>
+                </a:lnTo>
+                <a:lnTo>
+                  <a:pt x="1262924" y="3724398"/>
+                </a:lnTo>
+                <a:lnTo>
+                  <a:pt x="1226640" y="3719716"/>
+                </a:lnTo>
+                <a:lnTo>
+                  <a:pt x="1191526" y="3709182"/>
+                </a:lnTo>
+                <a:lnTo>
+                  <a:pt x="1162265" y="3693966"/>
+                </a:lnTo>
+                <a:lnTo>
+                  <a:pt x="1134174" y="3674068"/>
+                </a:lnTo>
+                <a:lnTo>
+                  <a:pt x="1109594" y="3650659"/>
+                </a:lnTo>
+                <a:lnTo>
+                  <a:pt x="1085015" y="3623738"/>
+                </a:lnTo>
+                <a:lnTo>
+                  <a:pt x="1062776" y="3595647"/>
+                </a:lnTo>
+                <a:lnTo>
+                  <a:pt x="1040537" y="3566386"/>
+                </a:lnTo>
+                <a:lnTo>
+                  <a:pt x="1018299" y="3537124"/>
+                </a:lnTo>
+                <a:lnTo>
+                  <a:pt x="996060" y="3509033"/>
+                </a:lnTo>
+                <a:lnTo>
+                  <a:pt x="972651" y="3482113"/>
+                </a:lnTo>
+                <a:lnTo>
+                  <a:pt x="945730" y="3458704"/>
+                </a:lnTo>
+                <a:lnTo>
+                  <a:pt x="919980" y="3437635"/>
+                </a:lnTo>
+                <a:lnTo>
+                  <a:pt x="890719" y="3421249"/>
+                </a:lnTo>
+                <a:lnTo>
+                  <a:pt x="859116" y="3407203"/>
+                </a:lnTo>
+                <a:lnTo>
+                  <a:pt x="825173" y="3395499"/>
+                </a:lnTo>
+                <a:lnTo>
+                  <a:pt x="790059" y="3384965"/>
+                </a:lnTo>
+                <a:lnTo>
+                  <a:pt x="754946" y="3375601"/>
+                </a:lnTo>
+                <a:lnTo>
+                  <a:pt x="718662" y="3366237"/>
+                </a:lnTo>
+                <a:lnTo>
+                  <a:pt x="684718" y="3355703"/>
+                </a:lnTo>
+                <a:lnTo>
+                  <a:pt x="650775" y="3343999"/>
+                </a:lnTo>
+                <a:lnTo>
+                  <a:pt x="619173" y="3329953"/>
+                </a:lnTo>
+                <a:lnTo>
+                  <a:pt x="591082" y="3312396"/>
+                </a:lnTo>
+                <a:lnTo>
+                  <a:pt x="565332" y="3291328"/>
+                </a:lnTo>
+                <a:lnTo>
+                  <a:pt x="544263" y="3265578"/>
+                </a:lnTo>
+                <a:lnTo>
+                  <a:pt x="526706" y="3237487"/>
+                </a:lnTo>
+                <a:lnTo>
+                  <a:pt x="512661" y="3205885"/>
+                </a:lnTo>
+                <a:lnTo>
+                  <a:pt x="500956" y="3171941"/>
+                </a:lnTo>
+                <a:lnTo>
+                  <a:pt x="490422" y="3137998"/>
+                </a:lnTo>
+                <a:lnTo>
+                  <a:pt x="481059" y="3101714"/>
+                </a:lnTo>
+                <a:lnTo>
+                  <a:pt x="471695" y="3066600"/>
+                </a:lnTo>
+                <a:lnTo>
+                  <a:pt x="461161" y="3031486"/>
+                </a:lnTo>
+                <a:lnTo>
+                  <a:pt x="449456" y="2997543"/>
+                </a:lnTo>
+                <a:lnTo>
+                  <a:pt x="435411" y="2965941"/>
+                </a:lnTo>
+                <a:lnTo>
+                  <a:pt x="419024" y="2936679"/>
+                </a:lnTo>
+                <a:lnTo>
+                  <a:pt x="397956" y="2910929"/>
+                </a:lnTo>
+                <a:lnTo>
+                  <a:pt x="374547" y="2884009"/>
+                </a:lnTo>
+                <a:lnTo>
+                  <a:pt x="347626" y="2860599"/>
+                </a:lnTo>
+                <a:lnTo>
+                  <a:pt x="318365" y="2838361"/>
+                </a:lnTo>
+                <a:lnTo>
+                  <a:pt x="289103" y="2816122"/>
+                </a:lnTo>
+                <a:lnTo>
+                  <a:pt x="259842" y="2793883"/>
+                </a:lnTo>
+                <a:lnTo>
+                  <a:pt x="231751" y="2771645"/>
+                </a:lnTo>
+                <a:lnTo>
+                  <a:pt x="204830" y="2747065"/>
+                </a:lnTo>
+                <a:lnTo>
+                  <a:pt x="181421" y="2722485"/>
+                </a:lnTo>
+                <a:lnTo>
+                  <a:pt x="161523" y="2694394"/>
+                </a:lnTo>
+                <a:lnTo>
+                  <a:pt x="146308" y="2665133"/>
+                </a:lnTo>
+                <a:lnTo>
+                  <a:pt x="135773" y="2630019"/>
+                </a:lnTo>
+                <a:lnTo>
+                  <a:pt x="131092" y="2593735"/>
+                </a:lnTo>
+                <a:lnTo>
+                  <a:pt x="129921" y="2556280"/>
+                </a:lnTo>
+                <a:lnTo>
+                  <a:pt x="133432" y="2516485"/>
+                </a:lnTo>
+                <a:lnTo>
+                  <a:pt x="138114" y="2476689"/>
+                </a:lnTo>
+                <a:lnTo>
+                  <a:pt x="143967" y="2436894"/>
+                </a:lnTo>
+                <a:lnTo>
+                  <a:pt x="148648" y="2397098"/>
+                </a:lnTo>
+                <a:lnTo>
+                  <a:pt x="150989" y="2357302"/>
+                </a:lnTo>
+                <a:lnTo>
+                  <a:pt x="150989" y="2318677"/>
+                </a:lnTo>
+                <a:lnTo>
+                  <a:pt x="146308" y="2282393"/>
+                </a:lnTo>
+                <a:lnTo>
+                  <a:pt x="136944" y="2246109"/>
+                </a:lnTo>
+                <a:lnTo>
+                  <a:pt x="122898" y="2212166"/>
+                </a:lnTo>
+                <a:lnTo>
+                  <a:pt x="105341" y="2177052"/>
+                </a:lnTo>
+                <a:lnTo>
+                  <a:pt x="85444" y="2141938"/>
+                </a:lnTo>
+                <a:lnTo>
+                  <a:pt x="64375" y="2106824"/>
+                </a:lnTo>
+                <a:lnTo>
+                  <a:pt x="44478" y="2072881"/>
+                </a:lnTo>
+                <a:lnTo>
+                  <a:pt x="26921" y="2036597"/>
+                </a:lnTo>
+                <a:lnTo>
+                  <a:pt x="12875" y="2001483"/>
+                </a:lnTo>
+                <a:lnTo>
+                  <a:pt x="3512" y="1965199"/>
+                </a:lnTo>
+                <a:lnTo>
+                  <a:pt x="0" y="1927744"/>
+                </a:lnTo>
+                <a:lnTo>
+                  <a:pt x="3512" y="1890290"/>
+                </a:lnTo>
+                <a:lnTo>
+                  <a:pt x="12875" y="1854005"/>
+                </a:lnTo>
+                <a:lnTo>
+                  <a:pt x="26921" y="1818892"/>
+                </a:lnTo>
+                <a:lnTo>
+                  <a:pt x="44478" y="1782608"/>
+                </a:lnTo>
+                <a:lnTo>
+                  <a:pt x="64375" y="1748664"/>
+                </a:lnTo>
+                <a:lnTo>
+                  <a:pt x="85444" y="1713550"/>
+                </a:lnTo>
+                <a:lnTo>
+                  <a:pt x="105341" y="1678437"/>
+                </a:lnTo>
+                <a:lnTo>
+                  <a:pt x="122898" y="1643323"/>
+                </a:lnTo>
+                <a:lnTo>
+                  <a:pt x="136944" y="1609380"/>
+                </a:lnTo>
+                <a:lnTo>
+                  <a:pt x="146308" y="1573096"/>
+                </a:lnTo>
+                <a:lnTo>
+                  <a:pt x="150989" y="1536811"/>
+                </a:lnTo>
+                <a:lnTo>
+                  <a:pt x="150989" y="1498186"/>
+                </a:lnTo>
+                <a:lnTo>
+                  <a:pt x="148648" y="1458391"/>
+                </a:lnTo>
+                <a:lnTo>
+                  <a:pt x="143967" y="1418595"/>
+                </a:lnTo>
+                <a:lnTo>
+                  <a:pt x="138114" y="1378799"/>
+                </a:lnTo>
+                <a:lnTo>
+                  <a:pt x="133432" y="1339004"/>
+                </a:lnTo>
+                <a:lnTo>
+                  <a:pt x="129921" y="1299208"/>
+                </a:lnTo>
+                <a:lnTo>
+                  <a:pt x="131092" y="1261754"/>
+                </a:lnTo>
+                <a:lnTo>
+                  <a:pt x="135773" y="1225469"/>
+                </a:lnTo>
+                <a:lnTo>
+                  <a:pt x="146308" y="1190356"/>
+                </a:lnTo>
+                <a:lnTo>
+                  <a:pt x="161523" y="1161094"/>
+                </a:lnTo>
+                <a:lnTo>
+                  <a:pt x="181421" y="1133003"/>
+                </a:lnTo>
+                <a:lnTo>
+                  <a:pt x="204830" y="1108424"/>
+                </a:lnTo>
+                <a:lnTo>
+                  <a:pt x="231751" y="1083844"/>
+                </a:lnTo>
+                <a:lnTo>
+                  <a:pt x="259842" y="1061605"/>
+                </a:lnTo>
+                <a:lnTo>
+                  <a:pt x="289103" y="1039367"/>
+                </a:lnTo>
+                <a:lnTo>
+                  <a:pt x="318365" y="1017128"/>
+                </a:lnTo>
+                <a:lnTo>
+                  <a:pt x="347626" y="994889"/>
+                </a:lnTo>
+                <a:lnTo>
+                  <a:pt x="374547" y="971480"/>
+                </a:lnTo>
+                <a:lnTo>
+                  <a:pt x="397956" y="944560"/>
+                </a:lnTo>
+                <a:lnTo>
+                  <a:pt x="419024" y="918809"/>
+                </a:lnTo>
+                <a:lnTo>
+                  <a:pt x="435411" y="889548"/>
+                </a:lnTo>
+                <a:lnTo>
+                  <a:pt x="449456" y="857946"/>
+                </a:lnTo>
+                <a:lnTo>
+                  <a:pt x="461161" y="824002"/>
+                </a:lnTo>
+                <a:lnTo>
+                  <a:pt x="471695" y="788889"/>
+                </a:lnTo>
+                <a:lnTo>
+                  <a:pt x="481059" y="753775"/>
+                </a:lnTo>
+                <a:lnTo>
+                  <a:pt x="490422" y="717491"/>
+                </a:lnTo>
+                <a:lnTo>
+                  <a:pt x="500956" y="683547"/>
+                </a:lnTo>
+                <a:lnTo>
+                  <a:pt x="512661" y="649604"/>
+                </a:lnTo>
+                <a:lnTo>
+                  <a:pt x="526706" y="618002"/>
+                </a:lnTo>
+                <a:lnTo>
+                  <a:pt x="544263" y="589911"/>
+                </a:lnTo>
+                <a:lnTo>
+                  <a:pt x="565332" y="564161"/>
+                </a:lnTo>
+                <a:lnTo>
+                  <a:pt x="591082" y="543092"/>
+                </a:lnTo>
+                <a:lnTo>
+                  <a:pt x="619173" y="525535"/>
+                </a:lnTo>
+                <a:lnTo>
+                  <a:pt x="650775" y="511490"/>
+                </a:lnTo>
+                <a:lnTo>
+                  <a:pt x="684718" y="499785"/>
+                </a:lnTo>
+                <a:lnTo>
+                  <a:pt x="718662" y="489251"/>
+                </a:lnTo>
+                <a:lnTo>
+                  <a:pt x="754946" y="479888"/>
+                </a:lnTo>
+                <a:lnTo>
+                  <a:pt x="790059" y="470524"/>
+                </a:lnTo>
+                <a:lnTo>
+                  <a:pt x="825173" y="459990"/>
+                </a:lnTo>
+                <a:lnTo>
+                  <a:pt x="859116" y="448285"/>
+                </a:lnTo>
+                <a:lnTo>
+                  <a:pt x="890719" y="434240"/>
+                </a:lnTo>
+                <a:lnTo>
+                  <a:pt x="919980" y="417853"/>
+                </a:lnTo>
+                <a:lnTo>
+                  <a:pt x="945730" y="396785"/>
+                </a:lnTo>
+                <a:lnTo>
+                  <a:pt x="972651" y="373376"/>
+                </a:lnTo>
+                <a:lnTo>
+                  <a:pt x="996060" y="346455"/>
+                </a:lnTo>
+                <a:lnTo>
+                  <a:pt x="1018299" y="318364"/>
+                </a:lnTo>
+                <a:lnTo>
+                  <a:pt x="1040537" y="289103"/>
+                </a:lnTo>
+                <a:lnTo>
+                  <a:pt x="1062776" y="259841"/>
+                </a:lnTo>
+                <a:lnTo>
+                  <a:pt x="1085015" y="231750"/>
+                </a:lnTo>
+                <a:lnTo>
+                  <a:pt x="1109594" y="204830"/>
+                </a:lnTo>
+                <a:lnTo>
+                  <a:pt x="1134174" y="181421"/>
+                </a:lnTo>
+                <a:lnTo>
+                  <a:pt x="1162265" y="161523"/>
+                </a:lnTo>
+                <a:lnTo>
+                  <a:pt x="1191526" y="146307"/>
+                </a:lnTo>
+                <a:lnTo>
+                  <a:pt x="1226640" y="135773"/>
+                </a:lnTo>
+                <a:lnTo>
+                  <a:pt x="1262924" y="131091"/>
+                </a:lnTo>
+                <a:lnTo>
+                  <a:pt x="1300379" y="129921"/>
+                </a:lnTo>
+                <a:lnTo>
+                  <a:pt x="1340175" y="133432"/>
+                </a:lnTo>
+                <a:lnTo>
+                  <a:pt x="1379970" y="138114"/>
+                </a:lnTo>
+                <a:lnTo>
+                  <a:pt x="1419766" y="143966"/>
+                </a:lnTo>
+                <a:lnTo>
+                  <a:pt x="1459561" y="148648"/>
+                </a:lnTo>
+                <a:lnTo>
+                  <a:pt x="1499357" y="150989"/>
+                </a:lnTo>
+                <a:lnTo>
+                  <a:pt x="1537982" y="150989"/>
+                </a:lnTo>
+                <a:lnTo>
+                  <a:pt x="1574266" y="146307"/>
+                </a:lnTo>
+                <a:lnTo>
+                  <a:pt x="1610550" y="136943"/>
+                </a:lnTo>
+                <a:lnTo>
+                  <a:pt x="1645664" y="122898"/>
+                </a:lnTo>
+                <a:lnTo>
+                  <a:pt x="1680778" y="104171"/>
+                </a:lnTo>
+                <a:lnTo>
+                  <a:pt x="1715892" y="85443"/>
+                </a:lnTo>
+                <a:lnTo>
+                  <a:pt x="1751005" y="64375"/>
+                </a:lnTo>
+                <a:lnTo>
+                  <a:pt x="1784949" y="44477"/>
+                </a:lnTo>
+                <a:lnTo>
+                  <a:pt x="1821233" y="26920"/>
+                </a:lnTo>
+                <a:lnTo>
+                  <a:pt x="1856347" y="12875"/>
+                </a:lnTo>
+                <a:lnTo>
+                  <a:pt x="1892631" y="3511"/>
+                </a:lnTo>
+                <a:close/>
+              </a:path>
+            </a:pathLst>
+          </a:custGeom>
         </p:spPr>
       </p:pic>
     </p:spTree>
@@ -8427,6 +14086,14 @@
 <file path=ppt/slides/slide4.xml><?xml version="1.0" encoding="utf-8"?>
 <p:sld xmlns:a="http://schemas.openxmlformats.org/drawingml/2006/main" xmlns:r="http://schemas.openxmlformats.org/officeDocument/2006/relationships" xmlns:p="http://schemas.openxmlformats.org/presentationml/2006/main">
   <p:cSld>
+    <p:bg>
+      <p:bgPr>
+        <a:solidFill>
+          <a:schemeClr val="bg2"/>
+        </a:solidFill>
+        <a:effectLst/>
+      </p:bgPr>
+    </p:bg>
     <p:spTree>
       <p:nvGrpSpPr>
         <p:cNvPr id="1" name=""/>
@@ -8443,6 +14110,69 @@
       </p:grpSpPr>
       <p:sp>
         <p:nvSpPr>
+          <p:cNvPr id="10" name="Rectangle 9">
+            <a:extLst>
+              <a:ext uri="{FF2B5EF4-FFF2-40B4-BE49-F238E27FC236}">
+                <a16:creationId xmlns:a16="http://schemas.microsoft.com/office/drawing/2014/main" id="{93B3D315-2706-4149-873C-331EDFAFEF5A}"/>
+              </a:ext>
+              <a:ext uri="{C183D7F6-B498-43B3-948B-1728B52AA6E4}">
+                <adec:decorative xmlns:adec="http://schemas.microsoft.com/office/drawing/2017/decorative" val="1"/>
+              </a:ext>
+            </a:extLst>
+          </p:cNvPr>
+          <p:cNvSpPr>
+            <a:spLocks noGrp="1" noRot="1" noChangeAspect="1" noMove="1" noResize="1" noEditPoints="1" noAdjustHandles="1" noChangeArrowheads="1" noChangeShapeType="1" noTextEdit="1"/>
+          </p:cNvSpPr>
+          <p:nvPr>
+            <p:extLst>
+              <p:ext uri="{386F3935-93C4-4BCD-93E2-E3B085C9AB24}">
+                <p16:designElem xmlns:p16="http://schemas.microsoft.com/office/powerpoint/2015/main" val="1"/>
+              </p:ext>
+            </p:extLst>
+          </p:nvPr>
+        </p:nvSpPr>
+        <p:spPr bwMode="ltGray">
+          <a:xfrm>
+            <a:off x="0" y="0"/>
+            <a:ext cx="12192001" cy="6858000"/>
+          </a:xfrm>
+          <a:prstGeom prst="rect">
+            <a:avLst/>
+          </a:prstGeom>
+          <a:solidFill>
+            <a:schemeClr val="accent1"/>
+          </a:solidFill>
+          <a:ln>
+            <a:noFill/>
+          </a:ln>
+        </p:spPr>
+        <p:style>
+          <a:lnRef idx="2">
+            <a:schemeClr val="accent1">
+              <a:shade val="50000"/>
+            </a:schemeClr>
+          </a:lnRef>
+          <a:fillRef idx="1">
+            <a:schemeClr val="accent1"/>
+          </a:fillRef>
+          <a:effectRef idx="0">
+            <a:schemeClr val="accent1"/>
+          </a:effectRef>
+          <a:fontRef idx="minor">
+            <a:schemeClr val="lt1"/>
+          </a:fontRef>
+        </p:style>
+        <p:txBody>
+          <a:bodyPr rtlCol="0" anchor="ctr"/>
+          <a:lstStyle/>
+          <a:p>
+            <a:pPr algn="ctr"/>
+            <a:endParaRPr lang="en-US"/>
+          </a:p>
+        </p:txBody>
+      </p:sp>
+      <p:sp>
+        <p:nvSpPr>
           <p:cNvPr id="2" name="Title 1">
             <a:extLst>
               <a:ext uri="{FF2B5EF4-FFF2-40B4-BE49-F238E27FC236}">
@@ -8457,33 +14187,89 @@
             <p:ph type="title"/>
           </p:nvPr>
         </p:nvSpPr>
-        <p:spPr/>
+        <p:spPr>
+          <a:xfrm>
+            <a:off x="1251678" y="949642"/>
+            <a:ext cx="4882422" cy="1492132"/>
+          </a:xfrm>
+        </p:spPr>
         <p:txBody>
-          <a:bodyPr/>
+          <a:bodyPr>
+            <a:normAutofit/>
+          </a:bodyPr>
           <a:lstStyle/>
           <a:p>
             <a:r>
-              <a:rPr lang="en-US" b="1" i="0" dirty="0">
-                <a:solidFill>
-                  <a:srgbClr val="4A4A4A"/>
-                </a:solidFill>
+              <a:rPr lang="en-US" sz="3200" b="1" i="0">
                 <a:effectLst/>
                 <a:latin typeface="Open Sans"/>
               </a:rPr>
               <a:t>Who is a Web Developer?</a:t>
             </a:r>
             <a:br>
-              <a:rPr lang="en-US" b="0" i="0" dirty="0">
-                <a:solidFill>
-                  <a:srgbClr val="4A4A4A"/>
-                </a:solidFill>
+              <a:rPr lang="en-US" sz="3200" b="0" i="0">
                 <a:effectLst/>
                 <a:latin typeface="Open Sans"/>
               </a:rPr>
             </a:br>
-            <a:endParaRPr lang="en-IN" dirty="0"/>
+            <a:endParaRPr lang="en-IN" sz="3200"/>
           </a:p>
         </p:txBody>
+      </p:sp>
+      <p:sp>
+        <p:nvSpPr>
+          <p:cNvPr id="12" name="Rectangle 11">
+            <a:extLst>
+              <a:ext uri="{FF2B5EF4-FFF2-40B4-BE49-F238E27FC236}">
+                <a16:creationId xmlns:a16="http://schemas.microsoft.com/office/drawing/2014/main" id="{8D04E398-086D-467C-B390-9F9079FA7ABA}"/>
+              </a:ext>
+              <a:ext uri="{C183D7F6-B498-43B3-948B-1728B52AA6E4}">
+                <adec:decorative xmlns:adec="http://schemas.microsoft.com/office/drawing/2017/decorative" val="1"/>
+              </a:ext>
+            </a:extLst>
+          </p:cNvPr>
+          <p:cNvSpPr>
+            <a:spLocks noGrp="1" noRot="1" noChangeAspect="1" noMove="1" noResize="1" noEditPoints="1" noAdjustHandles="1" noChangeArrowheads="1" noChangeShapeType="1" noTextEdit="1"/>
+          </p:cNvSpPr>
+          <p:nvPr>
+            <p:extLst>
+              <p:ext uri="{386F3935-93C4-4BCD-93E2-E3B085C9AB24}">
+                <p16:designElem xmlns:p16="http://schemas.microsoft.com/office/powerpoint/2015/main" val="1"/>
+              </p:ext>
+            </p:extLst>
+          </p:nvPr>
+        </p:nvSpPr>
+        <p:spPr>
+          <a:xfrm>
+            <a:off x="0" y="0"/>
+            <a:ext cx="283464" cy="6858000"/>
+          </a:xfrm>
+          <a:prstGeom prst="rect">
+            <a:avLst/>
+          </a:prstGeom>
+          <a:solidFill>
+            <a:schemeClr val="tx2"/>
+          </a:solidFill>
+          <a:ln>
+            <a:noFill/>
+          </a:ln>
+        </p:spPr>
+        <p:style>
+          <a:lnRef idx="2">
+            <a:schemeClr val="accent1">
+              <a:shade val="50000"/>
+            </a:schemeClr>
+          </a:lnRef>
+          <a:fillRef idx="1">
+            <a:schemeClr val="accent1"/>
+          </a:fillRef>
+          <a:effectRef idx="0">
+            <a:schemeClr val="accent1"/>
+          </a:effectRef>
+          <a:fontRef idx="minor">
+            <a:schemeClr val="lt1"/>
+          </a:fontRef>
+        </p:style>
       </p:sp>
       <p:sp>
         <p:nvSpPr>
@@ -8503,8 +14289,8 @@
         </p:nvSpPr>
         <p:spPr>
           <a:xfrm>
-            <a:off x="1251678" y="1534275"/>
-            <a:ext cx="10178322" cy="3593591"/>
+            <a:off x="1251678" y="2667000"/>
+            <a:ext cx="4964065" cy="3212592"/>
           </a:xfrm>
         </p:spPr>
         <p:txBody>
@@ -8517,18 +14303,1091 @@
               <a:buNone/>
             </a:pPr>
             <a:r>
-              <a:rPr lang="en-US" sz="2400" b="0" i="0" dirty="0">
+              <a:rPr lang="en-US" b="0" i="0">
                 <a:solidFill>
-                  <a:srgbClr val="4A4A4A"/>
+                  <a:schemeClr val="tx1">
+                    <a:lumMod val="85000"/>
+                    <a:lumOff val="15000"/>
+                  </a:schemeClr>
                 </a:solidFill>
                 <a:effectLst/>
                 <a:latin typeface="Open Sans"/>
               </a:rPr>
               <a:t>A web developer is a programmer who specializes in the development of World Wide Web applications using a client-server model. They are also responsible for designing, coding and modifying websites, from layout to function and according to a client’s specifications.</a:t>
             </a:r>
-            <a:endParaRPr lang="en-IN" sz="2400" dirty="0"/>
+            <a:endParaRPr lang="en-IN">
+              <a:solidFill>
+                <a:schemeClr val="tx1">
+                  <a:lumMod val="85000"/>
+                  <a:lumOff val="15000"/>
+                </a:schemeClr>
+              </a:solidFill>
+            </a:endParaRPr>
           </a:p>
         </p:txBody>
+      </p:sp>
+      <p:sp>
+        <p:nvSpPr>
+          <p:cNvPr id="14" name="Freeform 6">
+            <a:extLst>
+              <a:ext uri="{FF2B5EF4-FFF2-40B4-BE49-F238E27FC236}">
+                <a16:creationId xmlns:a16="http://schemas.microsoft.com/office/drawing/2014/main" id="{20E344BB-E23E-4198-B2C7-8E752C6A956A}"/>
+              </a:ext>
+              <a:ext uri="{C183D7F6-B498-43B3-948B-1728B52AA6E4}">
+                <adec:decorative xmlns:adec="http://schemas.microsoft.com/office/drawing/2017/decorative" val="1"/>
+              </a:ext>
+            </a:extLst>
+          </p:cNvPr>
+          <p:cNvSpPr>
+            <a:spLocks noGrp="1" noRot="1" noChangeAspect="1" noMove="1" noResize="1" noEditPoints="1" noAdjustHandles="1" noChangeArrowheads="1" noChangeShapeType="1" noTextEdit="1"/>
+          </p:cNvSpPr>
+          <p:nvPr>
+            <p:extLst>
+              <p:ext uri="{386F3935-93C4-4BCD-93E2-E3B085C9AB24}">
+                <p16:designElem xmlns:p16="http://schemas.microsoft.com/office/powerpoint/2015/main" val="1"/>
+              </p:ext>
+            </p:extLst>
+          </p:nvPr>
+        </p:nvSpPr>
+        <p:spPr bwMode="auto">
+          <a:xfrm>
+            <a:off x="6390140" y="613446"/>
+            <a:ext cx="5235575" cy="5229225"/>
+          </a:xfrm>
+          <a:custGeom>
+            <a:avLst/>
+            <a:gdLst/>
+            <a:ahLst/>
+            <a:cxnLst/>
+            <a:rect l="0" t="0" r="r" b="b"/>
+            <a:pathLst>
+              <a:path w="3298" h="3294">
+                <a:moveTo>
+                  <a:pt x="1649" y="0"/>
+                </a:moveTo>
+                <a:lnTo>
+                  <a:pt x="1681" y="3"/>
+                </a:lnTo>
+                <a:lnTo>
+                  <a:pt x="1712" y="11"/>
+                </a:lnTo>
+                <a:lnTo>
+                  <a:pt x="1742" y="23"/>
+                </a:lnTo>
+                <a:lnTo>
+                  <a:pt x="1773" y="38"/>
+                </a:lnTo>
+                <a:lnTo>
+                  <a:pt x="1802" y="55"/>
+                </a:lnTo>
+                <a:lnTo>
+                  <a:pt x="1832" y="73"/>
+                </a:lnTo>
+                <a:lnTo>
+                  <a:pt x="1862" y="89"/>
+                </a:lnTo>
+                <a:lnTo>
+                  <a:pt x="1892" y="105"/>
+                </a:lnTo>
+                <a:lnTo>
+                  <a:pt x="1921" y="117"/>
+                </a:lnTo>
+                <a:lnTo>
+                  <a:pt x="1953" y="125"/>
+                </a:lnTo>
+                <a:lnTo>
+                  <a:pt x="1984" y="129"/>
+                </a:lnTo>
+                <a:lnTo>
+                  <a:pt x="2017" y="129"/>
+                </a:lnTo>
+                <a:lnTo>
+                  <a:pt x="2051" y="127"/>
+                </a:lnTo>
+                <a:lnTo>
+                  <a:pt x="2085" y="123"/>
+                </a:lnTo>
+                <a:lnTo>
+                  <a:pt x="2119" y="118"/>
+                </a:lnTo>
+                <a:lnTo>
+                  <a:pt x="2153" y="114"/>
+                </a:lnTo>
+                <a:lnTo>
+                  <a:pt x="2187" y="111"/>
+                </a:lnTo>
+                <a:lnTo>
+                  <a:pt x="2219" y="112"/>
+                </a:lnTo>
+                <a:lnTo>
+                  <a:pt x="2250" y="116"/>
+                </a:lnTo>
+                <a:lnTo>
+                  <a:pt x="2280" y="125"/>
+                </a:lnTo>
+                <a:lnTo>
+                  <a:pt x="2305" y="138"/>
+                </a:lnTo>
+                <a:lnTo>
+                  <a:pt x="2329" y="155"/>
+                </a:lnTo>
+                <a:lnTo>
+                  <a:pt x="2350" y="175"/>
+                </a:lnTo>
+                <a:lnTo>
+                  <a:pt x="2371" y="198"/>
+                </a:lnTo>
+                <a:lnTo>
+                  <a:pt x="2390" y="222"/>
+                </a:lnTo>
+                <a:lnTo>
+                  <a:pt x="2409" y="247"/>
+                </a:lnTo>
+                <a:lnTo>
+                  <a:pt x="2428" y="272"/>
+                </a:lnTo>
+                <a:lnTo>
+                  <a:pt x="2447" y="296"/>
+                </a:lnTo>
+                <a:lnTo>
+                  <a:pt x="2467" y="319"/>
+                </a:lnTo>
+                <a:lnTo>
+                  <a:pt x="2490" y="339"/>
+                </a:lnTo>
+                <a:lnTo>
+                  <a:pt x="2512" y="357"/>
+                </a:lnTo>
+                <a:lnTo>
+                  <a:pt x="2537" y="371"/>
+                </a:lnTo>
+                <a:lnTo>
+                  <a:pt x="2564" y="383"/>
+                </a:lnTo>
+                <a:lnTo>
+                  <a:pt x="2593" y="393"/>
+                </a:lnTo>
+                <a:lnTo>
+                  <a:pt x="2623" y="402"/>
+                </a:lnTo>
+                <a:lnTo>
+                  <a:pt x="2653" y="410"/>
+                </a:lnTo>
+                <a:lnTo>
+                  <a:pt x="2684" y="418"/>
+                </a:lnTo>
+                <a:lnTo>
+                  <a:pt x="2713" y="427"/>
+                </a:lnTo>
+                <a:lnTo>
+                  <a:pt x="2742" y="437"/>
+                </a:lnTo>
+                <a:lnTo>
+                  <a:pt x="2769" y="449"/>
+                </a:lnTo>
+                <a:lnTo>
+                  <a:pt x="2793" y="464"/>
+                </a:lnTo>
+                <a:lnTo>
+                  <a:pt x="2815" y="482"/>
+                </a:lnTo>
+                <a:lnTo>
+                  <a:pt x="2833" y="504"/>
+                </a:lnTo>
+                <a:lnTo>
+                  <a:pt x="2848" y="528"/>
+                </a:lnTo>
+                <a:lnTo>
+                  <a:pt x="2860" y="555"/>
+                </a:lnTo>
+                <a:lnTo>
+                  <a:pt x="2870" y="584"/>
+                </a:lnTo>
+                <a:lnTo>
+                  <a:pt x="2879" y="613"/>
+                </a:lnTo>
+                <a:lnTo>
+                  <a:pt x="2887" y="644"/>
+                </a:lnTo>
+                <a:lnTo>
+                  <a:pt x="2895" y="674"/>
+                </a:lnTo>
+                <a:lnTo>
+                  <a:pt x="2904" y="704"/>
+                </a:lnTo>
+                <a:lnTo>
+                  <a:pt x="2914" y="733"/>
+                </a:lnTo>
+                <a:lnTo>
+                  <a:pt x="2926" y="760"/>
+                </a:lnTo>
+                <a:lnTo>
+                  <a:pt x="2940" y="785"/>
+                </a:lnTo>
+                <a:lnTo>
+                  <a:pt x="2958" y="807"/>
+                </a:lnTo>
+                <a:lnTo>
+                  <a:pt x="2978" y="830"/>
+                </a:lnTo>
+                <a:lnTo>
+                  <a:pt x="3001" y="850"/>
+                </a:lnTo>
+                <a:lnTo>
+                  <a:pt x="3025" y="869"/>
+                </a:lnTo>
+                <a:lnTo>
+                  <a:pt x="3051" y="888"/>
+                </a:lnTo>
+                <a:lnTo>
+                  <a:pt x="3076" y="907"/>
+                </a:lnTo>
+                <a:lnTo>
+                  <a:pt x="3100" y="926"/>
+                </a:lnTo>
+                <a:lnTo>
+                  <a:pt x="3123" y="947"/>
+                </a:lnTo>
+                <a:lnTo>
+                  <a:pt x="3143" y="968"/>
+                </a:lnTo>
+                <a:lnTo>
+                  <a:pt x="3160" y="992"/>
+                </a:lnTo>
+                <a:lnTo>
+                  <a:pt x="3173" y="1017"/>
+                </a:lnTo>
+                <a:lnTo>
+                  <a:pt x="3182" y="1047"/>
+                </a:lnTo>
+                <a:lnTo>
+                  <a:pt x="3186" y="1078"/>
+                </a:lnTo>
+                <a:lnTo>
+                  <a:pt x="3187" y="1110"/>
+                </a:lnTo>
+                <a:lnTo>
+                  <a:pt x="3184" y="1144"/>
+                </a:lnTo>
+                <a:lnTo>
+                  <a:pt x="3180" y="1178"/>
+                </a:lnTo>
+                <a:lnTo>
+                  <a:pt x="3175" y="1212"/>
+                </a:lnTo>
+                <a:lnTo>
+                  <a:pt x="3171" y="1246"/>
+                </a:lnTo>
+                <a:lnTo>
+                  <a:pt x="3169" y="1280"/>
+                </a:lnTo>
+                <a:lnTo>
+                  <a:pt x="3169" y="1313"/>
+                </a:lnTo>
+                <a:lnTo>
+                  <a:pt x="3173" y="1344"/>
+                </a:lnTo>
+                <a:lnTo>
+                  <a:pt x="3181" y="1375"/>
+                </a:lnTo>
+                <a:lnTo>
+                  <a:pt x="3193" y="1404"/>
+                </a:lnTo>
+                <a:lnTo>
+                  <a:pt x="3209" y="1434"/>
+                </a:lnTo>
+                <a:lnTo>
+                  <a:pt x="3225" y="1464"/>
+                </a:lnTo>
+                <a:lnTo>
+                  <a:pt x="3243" y="1494"/>
+                </a:lnTo>
+                <a:lnTo>
+                  <a:pt x="3260" y="1523"/>
+                </a:lnTo>
+                <a:lnTo>
+                  <a:pt x="3275" y="1554"/>
+                </a:lnTo>
+                <a:lnTo>
+                  <a:pt x="3287" y="1584"/>
+                </a:lnTo>
+                <a:lnTo>
+                  <a:pt x="3295" y="1615"/>
+                </a:lnTo>
+                <a:lnTo>
+                  <a:pt x="3298" y="1647"/>
+                </a:lnTo>
+                <a:lnTo>
+                  <a:pt x="3295" y="1679"/>
+                </a:lnTo>
+                <a:lnTo>
+                  <a:pt x="3287" y="1710"/>
+                </a:lnTo>
+                <a:lnTo>
+                  <a:pt x="3275" y="1740"/>
+                </a:lnTo>
+                <a:lnTo>
+                  <a:pt x="3260" y="1771"/>
+                </a:lnTo>
+                <a:lnTo>
+                  <a:pt x="3243" y="1800"/>
+                </a:lnTo>
+                <a:lnTo>
+                  <a:pt x="3225" y="1830"/>
+                </a:lnTo>
+                <a:lnTo>
+                  <a:pt x="3209" y="1860"/>
+                </a:lnTo>
+                <a:lnTo>
+                  <a:pt x="3193" y="1890"/>
+                </a:lnTo>
+                <a:lnTo>
+                  <a:pt x="3181" y="1919"/>
+                </a:lnTo>
+                <a:lnTo>
+                  <a:pt x="3173" y="1950"/>
+                </a:lnTo>
+                <a:lnTo>
+                  <a:pt x="3169" y="1981"/>
+                </a:lnTo>
+                <a:lnTo>
+                  <a:pt x="3169" y="2014"/>
+                </a:lnTo>
+                <a:lnTo>
+                  <a:pt x="3171" y="2048"/>
+                </a:lnTo>
+                <a:lnTo>
+                  <a:pt x="3175" y="2082"/>
+                </a:lnTo>
+                <a:lnTo>
+                  <a:pt x="3180" y="2116"/>
+                </a:lnTo>
+                <a:lnTo>
+                  <a:pt x="3184" y="2150"/>
+                </a:lnTo>
+                <a:lnTo>
+                  <a:pt x="3187" y="2184"/>
+                </a:lnTo>
+                <a:lnTo>
+                  <a:pt x="3186" y="2216"/>
+                </a:lnTo>
+                <a:lnTo>
+                  <a:pt x="3182" y="2247"/>
+                </a:lnTo>
+                <a:lnTo>
+                  <a:pt x="3173" y="2277"/>
+                </a:lnTo>
+                <a:lnTo>
+                  <a:pt x="3160" y="2302"/>
+                </a:lnTo>
+                <a:lnTo>
+                  <a:pt x="3143" y="2326"/>
+                </a:lnTo>
+                <a:lnTo>
+                  <a:pt x="3123" y="2347"/>
+                </a:lnTo>
+                <a:lnTo>
+                  <a:pt x="3100" y="2368"/>
+                </a:lnTo>
+                <a:lnTo>
+                  <a:pt x="3076" y="2387"/>
+                </a:lnTo>
+                <a:lnTo>
+                  <a:pt x="3051" y="2406"/>
+                </a:lnTo>
+                <a:lnTo>
+                  <a:pt x="3025" y="2425"/>
+                </a:lnTo>
+                <a:lnTo>
+                  <a:pt x="3001" y="2444"/>
+                </a:lnTo>
+                <a:lnTo>
+                  <a:pt x="2978" y="2464"/>
+                </a:lnTo>
+                <a:lnTo>
+                  <a:pt x="2958" y="2487"/>
+                </a:lnTo>
+                <a:lnTo>
+                  <a:pt x="2940" y="2509"/>
+                </a:lnTo>
+                <a:lnTo>
+                  <a:pt x="2926" y="2534"/>
+                </a:lnTo>
+                <a:lnTo>
+                  <a:pt x="2914" y="2561"/>
+                </a:lnTo>
+                <a:lnTo>
+                  <a:pt x="2904" y="2590"/>
+                </a:lnTo>
+                <a:lnTo>
+                  <a:pt x="2895" y="2620"/>
+                </a:lnTo>
+                <a:lnTo>
+                  <a:pt x="2887" y="2650"/>
+                </a:lnTo>
+                <a:lnTo>
+                  <a:pt x="2879" y="2681"/>
+                </a:lnTo>
+                <a:lnTo>
+                  <a:pt x="2870" y="2710"/>
+                </a:lnTo>
+                <a:lnTo>
+                  <a:pt x="2860" y="2739"/>
+                </a:lnTo>
+                <a:lnTo>
+                  <a:pt x="2848" y="2766"/>
+                </a:lnTo>
+                <a:lnTo>
+                  <a:pt x="2833" y="2790"/>
+                </a:lnTo>
+                <a:lnTo>
+                  <a:pt x="2815" y="2812"/>
+                </a:lnTo>
+                <a:lnTo>
+                  <a:pt x="2793" y="2830"/>
+                </a:lnTo>
+                <a:lnTo>
+                  <a:pt x="2769" y="2845"/>
+                </a:lnTo>
+                <a:lnTo>
+                  <a:pt x="2742" y="2857"/>
+                </a:lnTo>
+                <a:lnTo>
+                  <a:pt x="2713" y="2867"/>
+                </a:lnTo>
+                <a:lnTo>
+                  <a:pt x="2684" y="2876"/>
+                </a:lnTo>
+                <a:lnTo>
+                  <a:pt x="2653" y="2884"/>
+                </a:lnTo>
+                <a:lnTo>
+                  <a:pt x="2623" y="2892"/>
+                </a:lnTo>
+                <a:lnTo>
+                  <a:pt x="2593" y="2901"/>
+                </a:lnTo>
+                <a:lnTo>
+                  <a:pt x="2564" y="2911"/>
+                </a:lnTo>
+                <a:lnTo>
+                  <a:pt x="2537" y="2923"/>
+                </a:lnTo>
+                <a:lnTo>
+                  <a:pt x="2512" y="2937"/>
+                </a:lnTo>
+                <a:lnTo>
+                  <a:pt x="2490" y="2955"/>
+                </a:lnTo>
+                <a:lnTo>
+                  <a:pt x="2467" y="2975"/>
+                </a:lnTo>
+                <a:lnTo>
+                  <a:pt x="2447" y="2998"/>
+                </a:lnTo>
+                <a:lnTo>
+                  <a:pt x="2428" y="3022"/>
+                </a:lnTo>
+                <a:lnTo>
+                  <a:pt x="2409" y="3047"/>
+                </a:lnTo>
+                <a:lnTo>
+                  <a:pt x="2390" y="3072"/>
+                </a:lnTo>
+                <a:lnTo>
+                  <a:pt x="2371" y="3096"/>
+                </a:lnTo>
+                <a:lnTo>
+                  <a:pt x="2350" y="3119"/>
+                </a:lnTo>
+                <a:lnTo>
+                  <a:pt x="2329" y="3139"/>
+                </a:lnTo>
+                <a:lnTo>
+                  <a:pt x="2305" y="3156"/>
+                </a:lnTo>
+                <a:lnTo>
+                  <a:pt x="2280" y="3169"/>
+                </a:lnTo>
+                <a:lnTo>
+                  <a:pt x="2250" y="3178"/>
+                </a:lnTo>
+                <a:lnTo>
+                  <a:pt x="2219" y="3182"/>
+                </a:lnTo>
+                <a:lnTo>
+                  <a:pt x="2187" y="3183"/>
+                </a:lnTo>
+                <a:lnTo>
+                  <a:pt x="2153" y="3180"/>
+                </a:lnTo>
+                <a:lnTo>
+                  <a:pt x="2119" y="3176"/>
+                </a:lnTo>
+                <a:lnTo>
+                  <a:pt x="2085" y="3171"/>
+                </a:lnTo>
+                <a:lnTo>
+                  <a:pt x="2051" y="3167"/>
+                </a:lnTo>
+                <a:lnTo>
+                  <a:pt x="2017" y="3165"/>
+                </a:lnTo>
+                <a:lnTo>
+                  <a:pt x="1984" y="3165"/>
+                </a:lnTo>
+                <a:lnTo>
+                  <a:pt x="1953" y="3169"/>
+                </a:lnTo>
+                <a:lnTo>
+                  <a:pt x="1921" y="3177"/>
+                </a:lnTo>
+                <a:lnTo>
+                  <a:pt x="1892" y="3189"/>
+                </a:lnTo>
+                <a:lnTo>
+                  <a:pt x="1862" y="3205"/>
+                </a:lnTo>
+                <a:lnTo>
+                  <a:pt x="1832" y="3221"/>
+                </a:lnTo>
+                <a:lnTo>
+                  <a:pt x="1802" y="3239"/>
+                </a:lnTo>
+                <a:lnTo>
+                  <a:pt x="1773" y="3256"/>
+                </a:lnTo>
+                <a:lnTo>
+                  <a:pt x="1742" y="3271"/>
+                </a:lnTo>
+                <a:lnTo>
+                  <a:pt x="1712" y="3283"/>
+                </a:lnTo>
+                <a:lnTo>
+                  <a:pt x="1681" y="3291"/>
+                </a:lnTo>
+                <a:lnTo>
+                  <a:pt x="1649" y="3294"/>
+                </a:lnTo>
+                <a:lnTo>
+                  <a:pt x="1617" y="3291"/>
+                </a:lnTo>
+                <a:lnTo>
+                  <a:pt x="1586" y="3283"/>
+                </a:lnTo>
+                <a:lnTo>
+                  <a:pt x="1556" y="3271"/>
+                </a:lnTo>
+                <a:lnTo>
+                  <a:pt x="1525" y="3256"/>
+                </a:lnTo>
+                <a:lnTo>
+                  <a:pt x="1496" y="3239"/>
+                </a:lnTo>
+                <a:lnTo>
+                  <a:pt x="1466" y="3221"/>
+                </a:lnTo>
+                <a:lnTo>
+                  <a:pt x="1436" y="3205"/>
+                </a:lnTo>
+                <a:lnTo>
+                  <a:pt x="1406" y="3189"/>
+                </a:lnTo>
+                <a:lnTo>
+                  <a:pt x="1376" y="3177"/>
+                </a:lnTo>
+                <a:lnTo>
+                  <a:pt x="1345" y="3169"/>
+                </a:lnTo>
+                <a:lnTo>
+                  <a:pt x="1314" y="3165"/>
+                </a:lnTo>
+                <a:lnTo>
+                  <a:pt x="1281" y="3165"/>
+                </a:lnTo>
+                <a:lnTo>
+                  <a:pt x="1247" y="3167"/>
+                </a:lnTo>
+                <a:lnTo>
+                  <a:pt x="1213" y="3171"/>
+                </a:lnTo>
+                <a:lnTo>
+                  <a:pt x="1179" y="3176"/>
+                </a:lnTo>
+                <a:lnTo>
+                  <a:pt x="1145" y="3180"/>
+                </a:lnTo>
+                <a:lnTo>
+                  <a:pt x="1111" y="3183"/>
+                </a:lnTo>
+                <a:lnTo>
+                  <a:pt x="1079" y="3182"/>
+                </a:lnTo>
+                <a:lnTo>
+                  <a:pt x="1048" y="3178"/>
+                </a:lnTo>
+                <a:lnTo>
+                  <a:pt x="1018" y="3169"/>
+                </a:lnTo>
+                <a:lnTo>
+                  <a:pt x="993" y="3156"/>
+                </a:lnTo>
+                <a:lnTo>
+                  <a:pt x="969" y="3139"/>
+                </a:lnTo>
+                <a:lnTo>
+                  <a:pt x="948" y="3119"/>
+                </a:lnTo>
+                <a:lnTo>
+                  <a:pt x="927" y="3096"/>
+                </a:lnTo>
+                <a:lnTo>
+                  <a:pt x="908" y="3072"/>
+                </a:lnTo>
+                <a:lnTo>
+                  <a:pt x="889" y="3047"/>
+                </a:lnTo>
+                <a:lnTo>
+                  <a:pt x="870" y="3022"/>
+                </a:lnTo>
+                <a:lnTo>
+                  <a:pt x="851" y="2998"/>
+                </a:lnTo>
+                <a:lnTo>
+                  <a:pt x="831" y="2975"/>
+                </a:lnTo>
+                <a:lnTo>
+                  <a:pt x="808" y="2955"/>
+                </a:lnTo>
+                <a:lnTo>
+                  <a:pt x="786" y="2937"/>
+                </a:lnTo>
+                <a:lnTo>
+                  <a:pt x="761" y="2923"/>
+                </a:lnTo>
+                <a:lnTo>
+                  <a:pt x="734" y="2911"/>
+                </a:lnTo>
+                <a:lnTo>
+                  <a:pt x="705" y="2901"/>
+                </a:lnTo>
+                <a:lnTo>
+                  <a:pt x="675" y="2892"/>
+                </a:lnTo>
+                <a:lnTo>
+                  <a:pt x="645" y="2884"/>
+                </a:lnTo>
+                <a:lnTo>
+                  <a:pt x="614" y="2876"/>
+                </a:lnTo>
+                <a:lnTo>
+                  <a:pt x="585" y="2867"/>
+                </a:lnTo>
+                <a:lnTo>
+                  <a:pt x="556" y="2857"/>
+                </a:lnTo>
+                <a:lnTo>
+                  <a:pt x="529" y="2845"/>
+                </a:lnTo>
+                <a:lnTo>
+                  <a:pt x="505" y="2830"/>
+                </a:lnTo>
+                <a:lnTo>
+                  <a:pt x="483" y="2812"/>
+                </a:lnTo>
+                <a:lnTo>
+                  <a:pt x="465" y="2790"/>
+                </a:lnTo>
+                <a:lnTo>
+                  <a:pt x="450" y="2766"/>
+                </a:lnTo>
+                <a:lnTo>
+                  <a:pt x="438" y="2739"/>
+                </a:lnTo>
+                <a:lnTo>
+                  <a:pt x="428" y="2710"/>
+                </a:lnTo>
+                <a:lnTo>
+                  <a:pt x="419" y="2681"/>
+                </a:lnTo>
+                <a:lnTo>
+                  <a:pt x="411" y="2650"/>
+                </a:lnTo>
+                <a:lnTo>
+                  <a:pt x="403" y="2620"/>
+                </a:lnTo>
+                <a:lnTo>
+                  <a:pt x="394" y="2590"/>
+                </a:lnTo>
+                <a:lnTo>
+                  <a:pt x="384" y="2561"/>
+                </a:lnTo>
+                <a:lnTo>
+                  <a:pt x="372" y="2534"/>
+                </a:lnTo>
+                <a:lnTo>
+                  <a:pt x="358" y="2509"/>
+                </a:lnTo>
+                <a:lnTo>
+                  <a:pt x="340" y="2487"/>
+                </a:lnTo>
+                <a:lnTo>
+                  <a:pt x="320" y="2464"/>
+                </a:lnTo>
+                <a:lnTo>
+                  <a:pt x="297" y="2444"/>
+                </a:lnTo>
+                <a:lnTo>
+                  <a:pt x="272" y="2425"/>
+                </a:lnTo>
+                <a:lnTo>
+                  <a:pt x="247" y="2406"/>
+                </a:lnTo>
+                <a:lnTo>
+                  <a:pt x="222" y="2387"/>
+                </a:lnTo>
+                <a:lnTo>
+                  <a:pt x="198" y="2368"/>
+                </a:lnTo>
+                <a:lnTo>
+                  <a:pt x="175" y="2347"/>
+                </a:lnTo>
+                <a:lnTo>
+                  <a:pt x="155" y="2326"/>
+                </a:lnTo>
+                <a:lnTo>
+                  <a:pt x="138" y="2302"/>
+                </a:lnTo>
+                <a:lnTo>
+                  <a:pt x="125" y="2277"/>
+                </a:lnTo>
+                <a:lnTo>
+                  <a:pt x="116" y="2247"/>
+                </a:lnTo>
+                <a:lnTo>
+                  <a:pt x="112" y="2216"/>
+                </a:lnTo>
+                <a:lnTo>
+                  <a:pt x="111" y="2184"/>
+                </a:lnTo>
+                <a:lnTo>
+                  <a:pt x="114" y="2150"/>
+                </a:lnTo>
+                <a:lnTo>
+                  <a:pt x="118" y="2116"/>
+                </a:lnTo>
+                <a:lnTo>
+                  <a:pt x="123" y="2082"/>
+                </a:lnTo>
+                <a:lnTo>
+                  <a:pt x="127" y="2048"/>
+                </a:lnTo>
+                <a:lnTo>
+                  <a:pt x="129" y="2014"/>
+                </a:lnTo>
+                <a:lnTo>
+                  <a:pt x="129" y="1981"/>
+                </a:lnTo>
+                <a:lnTo>
+                  <a:pt x="125" y="1950"/>
+                </a:lnTo>
+                <a:lnTo>
+                  <a:pt x="117" y="1919"/>
+                </a:lnTo>
+                <a:lnTo>
+                  <a:pt x="105" y="1890"/>
+                </a:lnTo>
+                <a:lnTo>
+                  <a:pt x="90" y="1860"/>
+                </a:lnTo>
+                <a:lnTo>
+                  <a:pt x="73" y="1830"/>
+                </a:lnTo>
+                <a:lnTo>
+                  <a:pt x="55" y="1800"/>
+                </a:lnTo>
+                <a:lnTo>
+                  <a:pt x="38" y="1771"/>
+                </a:lnTo>
+                <a:lnTo>
+                  <a:pt x="23" y="1740"/>
+                </a:lnTo>
+                <a:lnTo>
+                  <a:pt x="11" y="1710"/>
+                </a:lnTo>
+                <a:lnTo>
+                  <a:pt x="3" y="1679"/>
+                </a:lnTo>
+                <a:lnTo>
+                  <a:pt x="0" y="1647"/>
+                </a:lnTo>
+                <a:lnTo>
+                  <a:pt x="3" y="1615"/>
+                </a:lnTo>
+                <a:lnTo>
+                  <a:pt x="11" y="1584"/>
+                </a:lnTo>
+                <a:lnTo>
+                  <a:pt x="23" y="1554"/>
+                </a:lnTo>
+                <a:lnTo>
+                  <a:pt x="38" y="1523"/>
+                </a:lnTo>
+                <a:lnTo>
+                  <a:pt x="55" y="1494"/>
+                </a:lnTo>
+                <a:lnTo>
+                  <a:pt x="73" y="1464"/>
+                </a:lnTo>
+                <a:lnTo>
+                  <a:pt x="90" y="1434"/>
+                </a:lnTo>
+                <a:lnTo>
+                  <a:pt x="105" y="1404"/>
+                </a:lnTo>
+                <a:lnTo>
+                  <a:pt x="117" y="1375"/>
+                </a:lnTo>
+                <a:lnTo>
+                  <a:pt x="125" y="1344"/>
+                </a:lnTo>
+                <a:lnTo>
+                  <a:pt x="129" y="1313"/>
+                </a:lnTo>
+                <a:lnTo>
+                  <a:pt x="129" y="1280"/>
+                </a:lnTo>
+                <a:lnTo>
+                  <a:pt x="127" y="1246"/>
+                </a:lnTo>
+                <a:lnTo>
+                  <a:pt x="123" y="1212"/>
+                </a:lnTo>
+                <a:lnTo>
+                  <a:pt x="118" y="1178"/>
+                </a:lnTo>
+                <a:lnTo>
+                  <a:pt x="114" y="1144"/>
+                </a:lnTo>
+                <a:lnTo>
+                  <a:pt x="111" y="1110"/>
+                </a:lnTo>
+                <a:lnTo>
+                  <a:pt x="112" y="1078"/>
+                </a:lnTo>
+                <a:lnTo>
+                  <a:pt x="116" y="1047"/>
+                </a:lnTo>
+                <a:lnTo>
+                  <a:pt x="125" y="1017"/>
+                </a:lnTo>
+                <a:lnTo>
+                  <a:pt x="138" y="992"/>
+                </a:lnTo>
+                <a:lnTo>
+                  <a:pt x="155" y="968"/>
+                </a:lnTo>
+                <a:lnTo>
+                  <a:pt x="175" y="947"/>
+                </a:lnTo>
+                <a:lnTo>
+                  <a:pt x="198" y="926"/>
+                </a:lnTo>
+                <a:lnTo>
+                  <a:pt x="222" y="907"/>
+                </a:lnTo>
+                <a:lnTo>
+                  <a:pt x="247" y="888"/>
+                </a:lnTo>
+                <a:lnTo>
+                  <a:pt x="272" y="869"/>
+                </a:lnTo>
+                <a:lnTo>
+                  <a:pt x="297" y="850"/>
+                </a:lnTo>
+                <a:lnTo>
+                  <a:pt x="320" y="830"/>
+                </a:lnTo>
+                <a:lnTo>
+                  <a:pt x="340" y="807"/>
+                </a:lnTo>
+                <a:lnTo>
+                  <a:pt x="358" y="785"/>
+                </a:lnTo>
+                <a:lnTo>
+                  <a:pt x="372" y="760"/>
+                </a:lnTo>
+                <a:lnTo>
+                  <a:pt x="384" y="733"/>
+                </a:lnTo>
+                <a:lnTo>
+                  <a:pt x="394" y="704"/>
+                </a:lnTo>
+                <a:lnTo>
+                  <a:pt x="403" y="674"/>
+                </a:lnTo>
+                <a:lnTo>
+                  <a:pt x="411" y="644"/>
+                </a:lnTo>
+                <a:lnTo>
+                  <a:pt x="419" y="613"/>
+                </a:lnTo>
+                <a:lnTo>
+                  <a:pt x="428" y="584"/>
+                </a:lnTo>
+                <a:lnTo>
+                  <a:pt x="438" y="555"/>
+                </a:lnTo>
+                <a:lnTo>
+                  <a:pt x="450" y="528"/>
+                </a:lnTo>
+                <a:lnTo>
+                  <a:pt x="465" y="504"/>
+                </a:lnTo>
+                <a:lnTo>
+                  <a:pt x="483" y="482"/>
+                </a:lnTo>
+                <a:lnTo>
+                  <a:pt x="505" y="464"/>
+                </a:lnTo>
+                <a:lnTo>
+                  <a:pt x="529" y="449"/>
+                </a:lnTo>
+                <a:lnTo>
+                  <a:pt x="556" y="437"/>
+                </a:lnTo>
+                <a:lnTo>
+                  <a:pt x="585" y="427"/>
+                </a:lnTo>
+                <a:lnTo>
+                  <a:pt x="614" y="418"/>
+                </a:lnTo>
+                <a:lnTo>
+                  <a:pt x="645" y="410"/>
+                </a:lnTo>
+                <a:lnTo>
+                  <a:pt x="675" y="402"/>
+                </a:lnTo>
+                <a:lnTo>
+                  <a:pt x="705" y="393"/>
+                </a:lnTo>
+                <a:lnTo>
+                  <a:pt x="734" y="383"/>
+                </a:lnTo>
+                <a:lnTo>
+                  <a:pt x="761" y="371"/>
+                </a:lnTo>
+                <a:lnTo>
+                  <a:pt x="786" y="357"/>
+                </a:lnTo>
+                <a:lnTo>
+                  <a:pt x="808" y="339"/>
+                </a:lnTo>
+                <a:lnTo>
+                  <a:pt x="831" y="319"/>
+                </a:lnTo>
+                <a:lnTo>
+                  <a:pt x="851" y="296"/>
+                </a:lnTo>
+                <a:lnTo>
+                  <a:pt x="870" y="272"/>
+                </a:lnTo>
+                <a:lnTo>
+                  <a:pt x="889" y="247"/>
+                </a:lnTo>
+                <a:lnTo>
+                  <a:pt x="908" y="222"/>
+                </a:lnTo>
+                <a:lnTo>
+                  <a:pt x="927" y="198"/>
+                </a:lnTo>
+                <a:lnTo>
+                  <a:pt x="948" y="175"/>
+                </a:lnTo>
+                <a:lnTo>
+                  <a:pt x="969" y="155"/>
+                </a:lnTo>
+                <a:lnTo>
+                  <a:pt x="993" y="138"/>
+                </a:lnTo>
+                <a:lnTo>
+                  <a:pt x="1018" y="125"/>
+                </a:lnTo>
+                <a:lnTo>
+                  <a:pt x="1048" y="116"/>
+                </a:lnTo>
+                <a:lnTo>
+                  <a:pt x="1079" y="112"/>
+                </a:lnTo>
+                <a:lnTo>
+                  <a:pt x="1111" y="111"/>
+                </a:lnTo>
+                <a:lnTo>
+                  <a:pt x="1145" y="114"/>
+                </a:lnTo>
+                <a:lnTo>
+                  <a:pt x="1179" y="118"/>
+                </a:lnTo>
+                <a:lnTo>
+                  <a:pt x="1213" y="123"/>
+                </a:lnTo>
+                <a:lnTo>
+                  <a:pt x="1247" y="127"/>
+                </a:lnTo>
+                <a:lnTo>
+                  <a:pt x="1281" y="129"/>
+                </a:lnTo>
+                <a:lnTo>
+                  <a:pt x="1314" y="129"/>
+                </a:lnTo>
+                <a:lnTo>
+                  <a:pt x="1345" y="125"/>
+                </a:lnTo>
+                <a:lnTo>
+                  <a:pt x="1376" y="117"/>
+                </a:lnTo>
+                <a:lnTo>
+                  <a:pt x="1406" y="105"/>
+                </a:lnTo>
+                <a:lnTo>
+                  <a:pt x="1436" y="89"/>
+                </a:lnTo>
+                <a:lnTo>
+                  <a:pt x="1466" y="73"/>
+                </a:lnTo>
+                <a:lnTo>
+                  <a:pt x="1496" y="55"/>
+                </a:lnTo>
+                <a:lnTo>
+                  <a:pt x="1525" y="38"/>
+                </a:lnTo>
+                <a:lnTo>
+                  <a:pt x="1556" y="23"/>
+                </a:lnTo>
+                <a:lnTo>
+                  <a:pt x="1586" y="11"/>
+                </a:lnTo>
+                <a:lnTo>
+                  <a:pt x="1617" y="3"/>
+                </a:lnTo>
+                <a:lnTo>
+                  <a:pt x="1649" y="0"/>
+                </a:lnTo>
+                <a:close/>
+              </a:path>
+            </a:pathLst>
+          </a:custGeom>
+          <a:solidFill>
+            <a:schemeClr val="bg2"/>
+          </a:solidFill>
+          <a:ln w="0">
+            <a:noFill/>
+            <a:prstDash val="solid"/>
+            <a:round/>
+            <a:headEnd/>
+            <a:tailEnd/>
+          </a:ln>
+        </p:spPr>
       </p:sp>
       <p:pic>
         <p:nvPicPr>
@@ -8544,7 +15403,7 @@
           </p:cNvPicPr>
           <p:nvPr/>
         </p:nvPicPr>
-        <p:blipFill>
+        <p:blipFill rotWithShape="1">
           <a:blip r:embed="rId2">
             <a:extLst>
               <a:ext uri="{28A0092B-C50C-407E-A947-70E740481C1C}">
@@ -8552,14 +15411,13 @@
               </a:ext>
             </a:extLst>
           </a:blip>
-          <a:stretch>
-            <a:fillRect/>
-          </a:stretch>
+          <a:srcRect l="16060" r="17341" b="1"/>
+          <a:stretch/>
         </p:blipFill>
         <p:spPr>
           <a:xfrm>
-            <a:off x="2231921" y="3435246"/>
-            <a:ext cx="8000776" cy="3397731"/>
+            <a:off x="7399261" y="1621344"/>
+            <a:ext cx="3217333" cy="3213428"/>
           </a:xfrm>
           <a:prstGeom prst="rect">
             <a:avLst/>
@@ -8697,7 +15555,52 @@
           </a:bodyPr>
           <a:lstStyle/>
           <a:p>
-            <a:endParaRPr lang="en-IN"/>
+            <a:r>
+              <a:rPr lang="en-IN" dirty="0"/>
+              <a:t>HTML</a:t>
+            </a:r>
+          </a:p>
+          <a:p>
+            <a:r>
+              <a:rPr lang="en-IN" dirty="0"/>
+              <a:t>CSS</a:t>
+            </a:r>
+          </a:p>
+          <a:p>
+            <a:r>
+              <a:rPr lang="en-IN" dirty="0"/>
+              <a:t>JS</a:t>
+            </a:r>
+          </a:p>
+          <a:p>
+            <a:endParaRPr lang="en-IN" dirty="0"/>
+          </a:p>
+          <a:p>
+            <a:r>
+              <a:rPr lang="en-IN" dirty="0"/>
+              <a:t>React </a:t>
+            </a:r>
+          </a:p>
+          <a:p>
+            <a:r>
+              <a:rPr lang="en-IN" dirty="0"/>
+              <a:t>Angular</a:t>
+            </a:r>
+          </a:p>
+          <a:p>
+            <a:endParaRPr lang="en-IN" dirty="0"/>
+          </a:p>
+          <a:p>
+            <a:r>
+              <a:rPr lang="en-IN" dirty="0"/>
+              <a:t>Bootstrap</a:t>
+            </a:r>
+          </a:p>
+          <a:p>
+            <a:pPr marL="0" indent="0">
+              <a:buNone/>
+            </a:pPr>
+            <a:endParaRPr lang="en-IN" dirty="0"/>
           </a:p>
         </p:txBody>
       </p:sp>
@@ -8837,7 +15740,40 @@
           </a:bodyPr>
           <a:lstStyle/>
           <a:p>
-            <a:endParaRPr lang="en-IN"/>
+            <a:r>
+              <a:rPr lang="en-IN" dirty="0"/>
+              <a:t>PHP</a:t>
+            </a:r>
+          </a:p>
+          <a:p>
+            <a:r>
+              <a:rPr lang="en-IN" dirty="0"/>
+              <a:t>NODE</a:t>
+            </a:r>
+          </a:p>
+          <a:p>
+            <a:r>
+              <a:rPr lang="en-IN" dirty="0"/>
+              <a:t>JAVA</a:t>
+            </a:r>
+          </a:p>
+          <a:p>
+            <a:r>
+              <a:rPr lang="en-IN" dirty="0"/>
+              <a:t>Ruby on rails</a:t>
+            </a:r>
+          </a:p>
+          <a:p>
+            <a:r>
+              <a:rPr lang="en-IN" dirty="0"/>
+              <a:t>MySQL</a:t>
+            </a:r>
+          </a:p>
+          <a:p>
+            <a:r>
+              <a:rPr lang="en-IN" dirty="0"/>
+              <a:t>Mango</a:t>
+            </a:r>
           </a:p>
         </p:txBody>
       </p:sp>
@@ -8893,7 +15829,7 @@
           <a:lstStyle/>
           <a:p>
             <a:r>
-              <a:rPr lang="en-IN" b="1" i="0" dirty="0">
+              <a:rPr lang="en-IN" b="1" i="0">
                 <a:solidFill>
                   <a:srgbClr val="4A4A4A"/>
                 </a:solidFill>
@@ -8903,7 +15839,7 @@
               <a:t>Full-Stack Developer</a:t>
             </a:r>
             <a:br>
-              <a:rPr lang="en-IN" b="0" i="0" dirty="0">
+              <a:rPr lang="en-IN" b="0" i="0">
                 <a:solidFill>
                   <a:srgbClr val="4A4A4A"/>
                 </a:solidFill>
@@ -8928,56 +15864,24 @@
             <a:spLocks noGrp="1"/>
           </p:cNvSpPr>
           <p:nvPr>
-            <p:ph sz="half" idx="1"/>
-          </p:nvPr>
-        </p:nvSpPr>
-        <p:spPr>
-          <a:xfrm>
-            <a:off x="1257300" y="2285999"/>
-            <a:ext cx="4800600" cy="3927987"/>
-          </a:xfrm>
-        </p:spPr>
-        <p:txBody>
-          <a:bodyPr>
-            <a:normAutofit fontScale="92500"/>
-          </a:bodyPr>
-          <a:lstStyle/>
-          <a:p>
-            <a:pPr marL="0" indent="0">
-              <a:buNone/>
-            </a:pPr>
-            <a:r>
-              <a:rPr lang="en-US" sz="2400" dirty="0"/>
-              <a:t>A Full Stack Web Developer is someone who has a good understanding of how the web works at each and every level, including setting up and configuring Linux or Windows servers, coding server-side APIs, running the client-side of the application by using JavaScript, operating and querying databases and structuring and designing the web page with CSS, HTML and JavaScript.</a:t>
-            </a:r>
-            <a:endParaRPr lang="en-IN" sz="2400" dirty="0"/>
-          </a:p>
-        </p:txBody>
-      </p:sp>
-      <p:sp>
-        <p:nvSpPr>
-          <p:cNvPr id="5" name="Content Placeholder 4">
-            <a:extLst>
-              <a:ext uri="{FF2B5EF4-FFF2-40B4-BE49-F238E27FC236}">
-                <a16:creationId xmlns:a16="http://schemas.microsoft.com/office/drawing/2014/main" id="{84BCAA21-DB7C-414B-B672-DB9D6A074CC1}"/>
-              </a:ext>
-            </a:extLst>
-          </p:cNvPr>
-          <p:cNvSpPr>
-            <a:spLocks noGrp="1"/>
-          </p:cNvSpPr>
-          <p:nvPr>
-            <p:ph sz="half" idx="2"/>
+            <p:ph idx="1"/>
           </p:nvPr>
         </p:nvSpPr>
         <p:spPr/>
         <p:txBody>
           <a:bodyPr>
-            <a:normAutofit fontScale="92500"/>
+            <a:normAutofit/>
           </a:bodyPr>
           <a:lstStyle/>
           <a:p>
-            <a:endParaRPr lang="en-IN"/>
+            <a:pPr marL="0" indent="0">
+              <a:buNone/>
+            </a:pPr>
+            <a:r>
+              <a:rPr lang="en-US" sz="2400"/>
+              <a:t>A Full Stack Web Developer is someone who has a good understanding of how the web works at each and every level, including setting up and configuring Linux or Windows servers, coding server-side APIs, running the client-side of the application by using JavaScript, operating and querying databases and structuring and designing the web page with CSS, HTML and JavaScript.</a:t>
+            </a:r>
+            <a:endParaRPr lang="en-IN" sz="2400" dirty="0"/>
           </a:p>
         </p:txBody>
       </p:sp>
@@ -8997,6 +15901,14 @@
 <file path=ppt/slides/slide8.xml><?xml version="1.0" encoding="utf-8"?>
 <p:sld xmlns:a="http://schemas.openxmlformats.org/drawingml/2006/main" xmlns:r="http://schemas.openxmlformats.org/officeDocument/2006/relationships" xmlns:p="http://schemas.openxmlformats.org/presentationml/2006/main">
   <p:cSld>
+    <p:bg>
+      <p:bgPr>
+        <a:solidFill>
+          <a:schemeClr val="bg2"/>
+        </a:solidFill>
+        <a:effectLst/>
+      </p:bgPr>
+    </p:bg>
     <p:spTree>
       <p:nvGrpSpPr>
         <p:cNvPr id="1" name=""/>
@@ -9013,6 +15925,69 @@
       </p:grpSpPr>
       <p:sp>
         <p:nvSpPr>
+          <p:cNvPr id="10" name="Rectangle 9">
+            <a:extLst>
+              <a:ext uri="{FF2B5EF4-FFF2-40B4-BE49-F238E27FC236}">
+                <a16:creationId xmlns:a16="http://schemas.microsoft.com/office/drawing/2014/main" id="{93B3D315-2706-4149-873C-331EDFAFEF5A}"/>
+              </a:ext>
+              <a:ext uri="{C183D7F6-B498-43B3-948B-1728B52AA6E4}">
+                <adec:decorative xmlns:adec="http://schemas.microsoft.com/office/drawing/2017/decorative" val="1"/>
+              </a:ext>
+            </a:extLst>
+          </p:cNvPr>
+          <p:cNvSpPr>
+            <a:spLocks noGrp="1" noRot="1" noChangeAspect="1" noMove="1" noResize="1" noEditPoints="1" noAdjustHandles="1" noChangeArrowheads="1" noChangeShapeType="1" noTextEdit="1"/>
+          </p:cNvSpPr>
+          <p:nvPr>
+            <p:extLst>
+              <p:ext uri="{386F3935-93C4-4BCD-93E2-E3B085C9AB24}">
+                <p16:designElem xmlns:p16="http://schemas.microsoft.com/office/powerpoint/2015/main" val="1"/>
+              </p:ext>
+            </p:extLst>
+          </p:nvPr>
+        </p:nvSpPr>
+        <p:spPr bwMode="ltGray">
+          <a:xfrm>
+            <a:off x="0" y="0"/>
+            <a:ext cx="12192001" cy="6858000"/>
+          </a:xfrm>
+          <a:prstGeom prst="rect">
+            <a:avLst/>
+          </a:prstGeom>
+          <a:solidFill>
+            <a:schemeClr val="accent1"/>
+          </a:solidFill>
+          <a:ln>
+            <a:noFill/>
+          </a:ln>
+        </p:spPr>
+        <p:style>
+          <a:lnRef idx="2">
+            <a:schemeClr val="accent1">
+              <a:shade val="50000"/>
+            </a:schemeClr>
+          </a:lnRef>
+          <a:fillRef idx="1">
+            <a:schemeClr val="accent1"/>
+          </a:fillRef>
+          <a:effectRef idx="0">
+            <a:schemeClr val="accent1"/>
+          </a:effectRef>
+          <a:fontRef idx="minor">
+            <a:schemeClr val="lt1"/>
+          </a:fontRef>
+        </p:style>
+        <p:txBody>
+          <a:bodyPr rtlCol="0" anchor="ctr"/>
+          <a:lstStyle/>
+          <a:p>
+            <a:pPr algn="ctr"/>
+            <a:endParaRPr lang="en-US"/>
+          </a:p>
+        </p:txBody>
+      </p:sp>
+      <p:sp>
+        <p:nvSpPr>
           <p:cNvPr id="2" name="Title 1">
             <a:extLst>
               <a:ext uri="{FF2B5EF4-FFF2-40B4-BE49-F238E27FC236}">
@@ -9027,33 +16002,89 @@
             <p:ph type="title"/>
           </p:nvPr>
         </p:nvSpPr>
-        <p:spPr/>
+        <p:spPr>
+          <a:xfrm>
+            <a:off x="1251678" y="949642"/>
+            <a:ext cx="4882422" cy="1492132"/>
+          </a:xfrm>
+        </p:spPr>
         <p:txBody>
-          <a:bodyPr/>
+          <a:bodyPr>
+            <a:normAutofit/>
+          </a:bodyPr>
           <a:lstStyle/>
           <a:p>
             <a:r>
-              <a:rPr lang="en-US" b="1" i="0" dirty="0">
-                <a:solidFill>
-                  <a:srgbClr val="4A4A4A"/>
-                </a:solidFill>
+              <a:rPr lang="en-US" sz="3200" b="1" i="0">
                 <a:effectLst/>
                 <a:latin typeface="Open Sans"/>
               </a:rPr>
               <a:t>Who is a Web Designer?</a:t>
             </a:r>
             <a:br>
-              <a:rPr lang="en-US" b="0" i="0" dirty="0">
-                <a:solidFill>
-                  <a:srgbClr val="4A4A4A"/>
-                </a:solidFill>
+              <a:rPr lang="en-US" sz="3200" b="0" i="0">
                 <a:effectLst/>
                 <a:latin typeface="Open Sans"/>
               </a:rPr>
             </a:br>
-            <a:endParaRPr lang="en-IN" dirty="0"/>
+            <a:endParaRPr lang="en-IN" sz="3200"/>
           </a:p>
         </p:txBody>
+      </p:sp>
+      <p:sp>
+        <p:nvSpPr>
+          <p:cNvPr id="12" name="Rectangle 11">
+            <a:extLst>
+              <a:ext uri="{FF2B5EF4-FFF2-40B4-BE49-F238E27FC236}">
+                <a16:creationId xmlns:a16="http://schemas.microsoft.com/office/drawing/2014/main" id="{8D04E398-086D-467C-B390-9F9079FA7ABA}"/>
+              </a:ext>
+              <a:ext uri="{C183D7F6-B498-43B3-948B-1728B52AA6E4}">
+                <adec:decorative xmlns:adec="http://schemas.microsoft.com/office/drawing/2017/decorative" val="1"/>
+              </a:ext>
+            </a:extLst>
+          </p:cNvPr>
+          <p:cNvSpPr>
+            <a:spLocks noGrp="1" noRot="1" noChangeAspect="1" noMove="1" noResize="1" noEditPoints="1" noAdjustHandles="1" noChangeArrowheads="1" noChangeShapeType="1" noTextEdit="1"/>
+          </p:cNvSpPr>
+          <p:nvPr>
+            <p:extLst>
+              <p:ext uri="{386F3935-93C4-4BCD-93E2-E3B085C9AB24}">
+                <p16:designElem xmlns:p16="http://schemas.microsoft.com/office/powerpoint/2015/main" val="1"/>
+              </p:ext>
+            </p:extLst>
+          </p:nvPr>
+        </p:nvSpPr>
+        <p:spPr>
+          <a:xfrm>
+            <a:off x="0" y="0"/>
+            <a:ext cx="283464" cy="6858000"/>
+          </a:xfrm>
+          <a:prstGeom prst="rect">
+            <a:avLst/>
+          </a:prstGeom>
+          <a:solidFill>
+            <a:schemeClr val="tx2"/>
+          </a:solidFill>
+          <a:ln>
+            <a:noFill/>
+          </a:ln>
+        </p:spPr>
+        <p:style>
+          <a:lnRef idx="2">
+            <a:schemeClr val="accent1">
+              <a:shade val="50000"/>
+            </a:schemeClr>
+          </a:lnRef>
+          <a:fillRef idx="1">
+            <a:schemeClr val="accent1"/>
+          </a:fillRef>
+          <a:effectRef idx="0">
+            <a:schemeClr val="accent1"/>
+          </a:effectRef>
+          <a:fontRef idx="minor">
+            <a:schemeClr val="lt1"/>
+          </a:fontRef>
+        </p:style>
       </p:sp>
       <p:sp>
         <p:nvSpPr>
@@ -9073,8 +16104,8 @@
         </p:nvSpPr>
         <p:spPr>
           <a:xfrm>
-            <a:off x="1251678" y="1389893"/>
-            <a:ext cx="10178322" cy="3593591"/>
+            <a:off x="1251678" y="2667000"/>
+            <a:ext cx="4964065" cy="3212592"/>
           </a:xfrm>
         </p:spPr>
         <p:txBody>
@@ -9087,18 +16118,1091 @@
               <a:buNone/>
             </a:pPr>
             <a:r>
-              <a:rPr lang="en-US" sz="2400" b="0" i="0" dirty="0">
+              <a:rPr lang="en-US" b="0" i="0" dirty="0">
                 <a:solidFill>
-                  <a:srgbClr val="4A4A4A"/>
+                  <a:schemeClr val="tx1">
+                    <a:lumMod val="85000"/>
+                    <a:lumOff val="15000"/>
+                  </a:schemeClr>
                 </a:solidFill>
                 <a:effectLst/>
                 <a:latin typeface="Open Sans"/>
               </a:rPr>
               <a:t>Web designers create layouts that are visually pleasing for visitors. The work of a web designer is critical in making sure that visitors spend more time on a website. They analyze the latest trends in web design, respect design principles, and norms, follow what users expect when visiting a website, etc.</a:t>
             </a:r>
-            <a:endParaRPr lang="en-IN" sz="2400" dirty="0"/>
+            <a:endParaRPr lang="en-IN" dirty="0">
+              <a:solidFill>
+                <a:schemeClr val="tx1">
+                  <a:lumMod val="85000"/>
+                  <a:lumOff val="15000"/>
+                </a:schemeClr>
+              </a:solidFill>
+            </a:endParaRPr>
           </a:p>
         </p:txBody>
+      </p:sp>
+      <p:sp>
+        <p:nvSpPr>
+          <p:cNvPr id="14" name="Freeform 6">
+            <a:extLst>
+              <a:ext uri="{FF2B5EF4-FFF2-40B4-BE49-F238E27FC236}">
+                <a16:creationId xmlns:a16="http://schemas.microsoft.com/office/drawing/2014/main" id="{20E344BB-E23E-4198-B2C7-8E752C6A956A}"/>
+              </a:ext>
+              <a:ext uri="{C183D7F6-B498-43B3-948B-1728B52AA6E4}">
+                <adec:decorative xmlns:adec="http://schemas.microsoft.com/office/drawing/2017/decorative" val="1"/>
+              </a:ext>
+            </a:extLst>
+          </p:cNvPr>
+          <p:cNvSpPr>
+            <a:spLocks noGrp="1" noRot="1" noChangeAspect="1" noMove="1" noResize="1" noEditPoints="1" noAdjustHandles="1" noChangeArrowheads="1" noChangeShapeType="1" noTextEdit="1"/>
+          </p:cNvSpPr>
+          <p:nvPr>
+            <p:extLst>
+              <p:ext uri="{386F3935-93C4-4BCD-93E2-E3B085C9AB24}">
+                <p16:designElem xmlns:p16="http://schemas.microsoft.com/office/powerpoint/2015/main" val="1"/>
+              </p:ext>
+            </p:extLst>
+          </p:nvPr>
+        </p:nvSpPr>
+        <p:spPr bwMode="auto">
+          <a:xfrm>
+            <a:off x="6390140" y="613446"/>
+            <a:ext cx="5235575" cy="5229225"/>
+          </a:xfrm>
+          <a:custGeom>
+            <a:avLst/>
+            <a:gdLst/>
+            <a:ahLst/>
+            <a:cxnLst/>
+            <a:rect l="0" t="0" r="r" b="b"/>
+            <a:pathLst>
+              <a:path w="3298" h="3294">
+                <a:moveTo>
+                  <a:pt x="1649" y="0"/>
+                </a:moveTo>
+                <a:lnTo>
+                  <a:pt x="1681" y="3"/>
+                </a:lnTo>
+                <a:lnTo>
+                  <a:pt x="1712" y="11"/>
+                </a:lnTo>
+                <a:lnTo>
+                  <a:pt x="1742" y="23"/>
+                </a:lnTo>
+                <a:lnTo>
+                  <a:pt x="1773" y="38"/>
+                </a:lnTo>
+                <a:lnTo>
+                  <a:pt x="1802" y="55"/>
+                </a:lnTo>
+                <a:lnTo>
+                  <a:pt x="1832" y="73"/>
+                </a:lnTo>
+                <a:lnTo>
+                  <a:pt x="1862" y="89"/>
+                </a:lnTo>
+                <a:lnTo>
+                  <a:pt x="1892" y="105"/>
+                </a:lnTo>
+                <a:lnTo>
+                  <a:pt x="1921" y="117"/>
+                </a:lnTo>
+                <a:lnTo>
+                  <a:pt x="1953" y="125"/>
+                </a:lnTo>
+                <a:lnTo>
+                  <a:pt x="1984" y="129"/>
+                </a:lnTo>
+                <a:lnTo>
+                  <a:pt x="2017" y="129"/>
+                </a:lnTo>
+                <a:lnTo>
+                  <a:pt x="2051" y="127"/>
+                </a:lnTo>
+                <a:lnTo>
+                  <a:pt x="2085" y="123"/>
+                </a:lnTo>
+                <a:lnTo>
+                  <a:pt x="2119" y="118"/>
+                </a:lnTo>
+                <a:lnTo>
+                  <a:pt x="2153" y="114"/>
+                </a:lnTo>
+                <a:lnTo>
+                  <a:pt x="2187" y="111"/>
+                </a:lnTo>
+                <a:lnTo>
+                  <a:pt x="2219" y="112"/>
+                </a:lnTo>
+                <a:lnTo>
+                  <a:pt x="2250" y="116"/>
+                </a:lnTo>
+                <a:lnTo>
+                  <a:pt x="2280" y="125"/>
+                </a:lnTo>
+                <a:lnTo>
+                  <a:pt x="2305" y="138"/>
+                </a:lnTo>
+                <a:lnTo>
+                  <a:pt x="2329" y="155"/>
+                </a:lnTo>
+                <a:lnTo>
+                  <a:pt x="2350" y="175"/>
+                </a:lnTo>
+                <a:lnTo>
+                  <a:pt x="2371" y="198"/>
+                </a:lnTo>
+                <a:lnTo>
+                  <a:pt x="2390" y="222"/>
+                </a:lnTo>
+                <a:lnTo>
+                  <a:pt x="2409" y="247"/>
+                </a:lnTo>
+                <a:lnTo>
+                  <a:pt x="2428" y="272"/>
+                </a:lnTo>
+                <a:lnTo>
+                  <a:pt x="2447" y="296"/>
+                </a:lnTo>
+                <a:lnTo>
+                  <a:pt x="2467" y="319"/>
+                </a:lnTo>
+                <a:lnTo>
+                  <a:pt x="2490" y="339"/>
+                </a:lnTo>
+                <a:lnTo>
+                  <a:pt x="2512" y="357"/>
+                </a:lnTo>
+                <a:lnTo>
+                  <a:pt x="2537" y="371"/>
+                </a:lnTo>
+                <a:lnTo>
+                  <a:pt x="2564" y="383"/>
+                </a:lnTo>
+                <a:lnTo>
+                  <a:pt x="2593" y="393"/>
+                </a:lnTo>
+                <a:lnTo>
+                  <a:pt x="2623" y="402"/>
+                </a:lnTo>
+                <a:lnTo>
+                  <a:pt x="2653" y="410"/>
+                </a:lnTo>
+                <a:lnTo>
+                  <a:pt x="2684" y="418"/>
+                </a:lnTo>
+                <a:lnTo>
+                  <a:pt x="2713" y="427"/>
+                </a:lnTo>
+                <a:lnTo>
+                  <a:pt x="2742" y="437"/>
+                </a:lnTo>
+                <a:lnTo>
+                  <a:pt x="2769" y="449"/>
+                </a:lnTo>
+                <a:lnTo>
+                  <a:pt x="2793" y="464"/>
+                </a:lnTo>
+                <a:lnTo>
+                  <a:pt x="2815" y="482"/>
+                </a:lnTo>
+                <a:lnTo>
+                  <a:pt x="2833" y="504"/>
+                </a:lnTo>
+                <a:lnTo>
+                  <a:pt x="2848" y="528"/>
+                </a:lnTo>
+                <a:lnTo>
+                  <a:pt x="2860" y="555"/>
+                </a:lnTo>
+                <a:lnTo>
+                  <a:pt x="2870" y="584"/>
+                </a:lnTo>
+                <a:lnTo>
+                  <a:pt x="2879" y="613"/>
+                </a:lnTo>
+                <a:lnTo>
+                  <a:pt x="2887" y="644"/>
+                </a:lnTo>
+                <a:lnTo>
+                  <a:pt x="2895" y="674"/>
+                </a:lnTo>
+                <a:lnTo>
+                  <a:pt x="2904" y="704"/>
+                </a:lnTo>
+                <a:lnTo>
+                  <a:pt x="2914" y="733"/>
+                </a:lnTo>
+                <a:lnTo>
+                  <a:pt x="2926" y="760"/>
+                </a:lnTo>
+                <a:lnTo>
+                  <a:pt x="2940" y="785"/>
+                </a:lnTo>
+                <a:lnTo>
+                  <a:pt x="2958" y="807"/>
+                </a:lnTo>
+                <a:lnTo>
+                  <a:pt x="2978" y="830"/>
+                </a:lnTo>
+                <a:lnTo>
+                  <a:pt x="3001" y="850"/>
+                </a:lnTo>
+                <a:lnTo>
+                  <a:pt x="3025" y="869"/>
+                </a:lnTo>
+                <a:lnTo>
+                  <a:pt x="3051" y="888"/>
+                </a:lnTo>
+                <a:lnTo>
+                  <a:pt x="3076" y="907"/>
+                </a:lnTo>
+                <a:lnTo>
+                  <a:pt x="3100" y="926"/>
+                </a:lnTo>
+                <a:lnTo>
+                  <a:pt x="3123" y="947"/>
+                </a:lnTo>
+                <a:lnTo>
+                  <a:pt x="3143" y="968"/>
+                </a:lnTo>
+                <a:lnTo>
+                  <a:pt x="3160" y="992"/>
+                </a:lnTo>
+                <a:lnTo>
+                  <a:pt x="3173" y="1017"/>
+                </a:lnTo>
+                <a:lnTo>
+                  <a:pt x="3182" y="1047"/>
+                </a:lnTo>
+                <a:lnTo>
+                  <a:pt x="3186" y="1078"/>
+                </a:lnTo>
+                <a:lnTo>
+                  <a:pt x="3187" y="1110"/>
+                </a:lnTo>
+                <a:lnTo>
+                  <a:pt x="3184" y="1144"/>
+                </a:lnTo>
+                <a:lnTo>
+                  <a:pt x="3180" y="1178"/>
+                </a:lnTo>
+                <a:lnTo>
+                  <a:pt x="3175" y="1212"/>
+                </a:lnTo>
+                <a:lnTo>
+                  <a:pt x="3171" y="1246"/>
+                </a:lnTo>
+                <a:lnTo>
+                  <a:pt x="3169" y="1280"/>
+                </a:lnTo>
+                <a:lnTo>
+                  <a:pt x="3169" y="1313"/>
+                </a:lnTo>
+                <a:lnTo>
+                  <a:pt x="3173" y="1344"/>
+                </a:lnTo>
+                <a:lnTo>
+                  <a:pt x="3181" y="1375"/>
+                </a:lnTo>
+                <a:lnTo>
+                  <a:pt x="3193" y="1404"/>
+                </a:lnTo>
+                <a:lnTo>
+                  <a:pt x="3209" y="1434"/>
+                </a:lnTo>
+                <a:lnTo>
+                  <a:pt x="3225" y="1464"/>
+                </a:lnTo>
+                <a:lnTo>
+                  <a:pt x="3243" y="1494"/>
+                </a:lnTo>
+                <a:lnTo>
+                  <a:pt x="3260" y="1523"/>
+                </a:lnTo>
+                <a:lnTo>
+                  <a:pt x="3275" y="1554"/>
+                </a:lnTo>
+                <a:lnTo>
+                  <a:pt x="3287" y="1584"/>
+                </a:lnTo>
+                <a:lnTo>
+                  <a:pt x="3295" y="1615"/>
+                </a:lnTo>
+                <a:lnTo>
+                  <a:pt x="3298" y="1647"/>
+                </a:lnTo>
+                <a:lnTo>
+                  <a:pt x="3295" y="1679"/>
+                </a:lnTo>
+                <a:lnTo>
+                  <a:pt x="3287" y="1710"/>
+                </a:lnTo>
+                <a:lnTo>
+                  <a:pt x="3275" y="1740"/>
+                </a:lnTo>
+                <a:lnTo>
+                  <a:pt x="3260" y="1771"/>
+                </a:lnTo>
+                <a:lnTo>
+                  <a:pt x="3243" y="1800"/>
+                </a:lnTo>
+                <a:lnTo>
+                  <a:pt x="3225" y="1830"/>
+                </a:lnTo>
+                <a:lnTo>
+                  <a:pt x="3209" y="1860"/>
+                </a:lnTo>
+                <a:lnTo>
+                  <a:pt x="3193" y="1890"/>
+                </a:lnTo>
+                <a:lnTo>
+                  <a:pt x="3181" y="1919"/>
+                </a:lnTo>
+                <a:lnTo>
+                  <a:pt x="3173" y="1950"/>
+                </a:lnTo>
+                <a:lnTo>
+                  <a:pt x="3169" y="1981"/>
+                </a:lnTo>
+                <a:lnTo>
+                  <a:pt x="3169" y="2014"/>
+                </a:lnTo>
+                <a:lnTo>
+                  <a:pt x="3171" y="2048"/>
+                </a:lnTo>
+                <a:lnTo>
+                  <a:pt x="3175" y="2082"/>
+                </a:lnTo>
+                <a:lnTo>
+                  <a:pt x="3180" y="2116"/>
+                </a:lnTo>
+                <a:lnTo>
+                  <a:pt x="3184" y="2150"/>
+                </a:lnTo>
+                <a:lnTo>
+                  <a:pt x="3187" y="2184"/>
+                </a:lnTo>
+                <a:lnTo>
+                  <a:pt x="3186" y="2216"/>
+                </a:lnTo>
+                <a:lnTo>
+                  <a:pt x="3182" y="2247"/>
+                </a:lnTo>
+                <a:lnTo>
+                  <a:pt x="3173" y="2277"/>
+                </a:lnTo>
+                <a:lnTo>
+                  <a:pt x="3160" y="2302"/>
+                </a:lnTo>
+                <a:lnTo>
+                  <a:pt x="3143" y="2326"/>
+                </a:lnTo>
+                <a:lnTo>
+                  <a:pt x="3123" y="2347"/>
+                </a:lnTo>
+                <a:lnTo>
+                  <a:pt x="3100" y="2368"/>
+                </a:lnTo>
+                <a:lnTo>
+                  <a:pt x="3076" y="2387"/>
+                </a:lnTo>
+                <a:lnTo>
+                  <a:pt x="3051" y="2406"/>
+                </a:lnTo>
+                <a:lnTo>
+                  <a:pt x="3025" y="2425"/>
+                </a:lnTo>
+                <a:lnTo>
+                  <a:pt x="3001" y="2444"/>
+                </a:lnTo>
+                <a:lnTo>
+                  <a:pt x="2978" y="2464"/>
+                </a:lnTo>
+                <a:lnTo>
+                  <a:pt x="2958" y="2487"/>
+                </a:lnTo>
+                <a:lnTo>
+                  <a:pt x="2940" y="2509"/>
+                </a:lnTo>
+                <a:lnTo>
+                  <a:pt x="2926" y="2534"/>
+                </a:lnTo>
+                <a:lnTo>
+                  <a:pt x="2914" y="2561"/>
+                </a:lnTo>
+                <a:lnTo>
+                  <a:pt x="2904" y="2590"/>
+                </a:lnTo>
+                <a:lnTo>
+                  <a:pt x="2895" y="2620"/>
+                </a:lnTo>
+                <a:lnTo>
+                  <a:pt x="2887" y="2650"/>
+                </a:lnTo>
+                <a:lnTo>
+                  <a:pt x="2879" y="2681"/>
+                </a:lnTo>
+                <a:lnTo>
+                  <a:pt x="2870" y="2710"/>
+                </a:lnTo>
+                <a:lnTo>
+                  <a:pt x="2860" y="2739"/>
+                </a:lnTo>
+                <a:lnTo>
+                  <a:pt x="2848" y="2766"/>
+                </a:lnTo>
+                <a:lnTo>
+                  <a:pt x="2833" y="2790"/>
+                </a:lnTo>
+                <a:lnTo>
+                  <a:pt x="2815" y="2812"/>
+                </a:lnTo>
+                <a:lnTo>
+                  <a:pt x="2793" y="2830"/>
+                </a:lnTo>
+                <a:lnTo>
+                  <a:pt x="2769" y="2845"/>
+                </a:lnTo>
+                <a:lnTo>
+                  <a:pt x="2742" y="2857"/>
+                </a:lnTo>
+                <a:lnTo>
+                  <a:pt x="2713" y="2867"/>
+                </a:lnTo>
+                <a:lnTo>
+                  <a:pt x="2684" y="2876"/>
+                </a:lnTo>
+                <a:lnTo>
+                  <a:pt x="2653" y="2884"/>
+                </a:lnTo>
+                <a:lnTo>
+                  <a:pt x="2623" y="2892"/>
+                </a:lnTo>
+                <a:lnTo>
+                  <a:pt x="2593" y="2901"/>
+                </a:lnTo>
+                <a:lnTo>
+                  <a:pt x="2564" y="2911"/>
+                </a:lnTo>
+                <a:lnTo>
+                  <a:pt x="2537" y="2923"/>
+                </a:lnTo>
+                <a:lnTo>
+                  <a:pt x="2512" y="2937"/>
+                </a:lnTo>
+                <a:lnTo>
+                  <a:pt x="2490" y="2955"/>
+                </a:lnTo>
+                <a:lnTo>
+                  <a:pt x="2467" y="2975"/>
+                </a:lnTo>
+                <a:lnTo>
+                  <a:pt x="2447" y="2998"/>
+                </a:lnTo>
+                <a:lnTo>
+                  <a:pt x="2428" y="3022"/>
+                </a:lnTo>
+                <a:lnTo>
+                  <a:pt x="2409" y="3047"/>
+                </a:lnTo>
+                <a:lnTo>
+                  <a:pt x="2390" y="3072"/>
+                </a:lnTo>
+                <a:lnTo>
+                  <a:pt x="2371" y="3096"/>
+                </a:lnTo>
+                <a:lnTo>
+                  <a:pt x="2350" y="3119"/>
+                </a:lnTo>
+                <a:lnTo>
+                  <a:pt x="2329" y="3139"/>
+                </a:lnTo>
+                <a:lnTo>
+                  <a:pt x="2305" y="3156"/>
+                </a:lnTo>
+                <a:lnTo>
+                  <a:pt x="2280" y="3169"/>
+                </a:lnTo>
+                <a:lnTo>
+                  <a:pt x="2250" y="3178"/>
+                </a:lnTo>
+                <a:lnTo>
+                  <a:pt x="2219" y="3182"/>
+                </a:lnTo>
+                <a:lnTo>
+                  <a:pt x="2187" y="3183"/>
+                </a:lnTo>
+                <a:lnTo>
+                  <a:pt x="2153" y="3180"/>
+                </a:lnTo>
+                <a:lnTo>
+                  <a:pt x="2119" y="3176"/>
+                </a:lnTo>
+                <a:lnTo>
+                  <a:pt x="2085" y="3171"/>
+                </a:lnTo>
+                <a:lnTo>
+                  <a:pt x="2051" y="3167"/>
+                </a:lnTo>
+                <a:lnTo>
+                  <a:pt x="2017" y="3165"/>
+                </a:lnTo>
+                <a:lnTo>
+                  <a:pt x="1984" y="3165"/>
+                </a:lnTo>
+                <a:lnTo>
+                  <a:pt x="1953" y="3169"/>
+                </a:lnTo>
+                <a:lnTo>
+                  <a:pt x="1921" y="3177"/>
+                </a:lnTo>
+                <a:lnTo>
+                  <a:pt x="1892" y="3189"/>
+                </a:lnTo>
+                <a:lnTo>
+                  <a:pt x="1862" y="3205"/>
+                </a:lnTo>
+                <a:lnTo>
+                  <a:pt x="1832" y="3221"/>
+                </a:lnTo>
+                <a:lnTo>
+                  <a:pt x="1802" y="3239"/>
+                </a:lnTo>
+                <a:lnTo>
+                  <a:pt x="1773" y="3256"/>
+                </a:lnTo>
+                <a:lnTo>
+                  <a:pt x="1742" y="3271"/>
+                </a:lnTo>
+                <a:lnTo>
+                  <a:pt x="1712" y="3283"/>
+                </a:lnTo>
+                <a:lnTo>
+                  <a:pt x="1681" y="3291"/>
+                </a:lnTo>
+                <a:lnTo>
+                  <a:pt x="1649" y="3294"/>
+                </a:lnTo>
+                <a:lnTo>
+                  <a:pt x="1617" y="3291"/>
+                </a:lnTo>
+                <a:lnTo>
+                  <a:pt x="1586" y="3283"/>
+                </a:lnTo>
+                <a:lnTo>
+                  <a:pt x="1556" y="3271"/>
+                </a:lnTo>
+                <a:lnTo>
+                  <a:pt x="1525" y="3256"/>
+                </a:lnTo>
+                <a:lnTo>
+                  <a:pt x="1496" y="3239"/>
+                </a:lnTo>
+                <a:lnTo>
+                  <a:pt x="1466" y="3221"/>
+                </a:lnTo>
+                <a:lnTo>
+                  <a:pt x="1436" y="3205"/>
+                </a:lnTo>
+                <a:lnTo>
+                  <a:pt x="1406" y="3189"/>
+                </a:lnTo>
+                <a:lnTo>
+                  <a:pt x="1376" y="3177"/>
+                </a:lnTo>
+                <a:lnTo>
+                  <a:pt x="1345" y="3169"/>
+                </a:lnTo>
+                <a:lnTo>
+                  <a:pt x="1314" y="3165"/>
+                </a:lnTo>
+                <a:lnTo>
+                  <a:pt x="1281" y="3165"/>
+                </a:lnTo>
+                <a:lnTo>
+                  <a:pt x="1247" y="3167"/>
+                </a:lnTo>
+                <a:lnTo>
+                  <a:pt x="1213" y="3171"/>
+                </a:lnTo>
+                <a:lnTo>
+                  <a:pt x="1179" y="3176"/>
+                </a:lnTo>
+                <a:lnTo>
+                  <a:pt x="1145" y="3180"/>
+                </a:lnTo>
+                <a:lnTo>
+                  <a:pt x="1111" y="3183"/>
+                </a:lnTo>
+                <a:lnTo>
+                  <a:pt x="1079" y="3182"/>
+                </a:lnTo>
+                <a:lnTo>
+                  <a:pt x="1048" y="3178"/>
+                </a:lnTo>
+                <a:lnTo>
+                  <a:pt x="1018" y="3169"/>
+                </a:lnTo>
+                <a:lnTo>
+                  <a:pt x="993" y="3156"/>
+                </a:lnTo>
+                <a:lnTo>
+                  <a:pt x="969" y="3139"/>
+                </a:lnTo>
+                <a:lnTo>
+                  <a:pt x="948" y="3119"/>
+                </a:lnTo>
+                <a:lnTo>
+                  <a:pt x="927" y="3096"/>
+                </a:lnTo>
+                <a:lnTo>
+                  <a:pt x="908" y="3072"/>
+                </a:lnTo>
+                <a:lnTo>
+                  <a:pt x="889" y="3047"/>
+                </a:lnTo>
+                <a:lnTo>
+                  <a:pt x="870" y="3022"/>
+                </a:lnTo>
+                <a:lnTo>
+                  <a:pt x="851" y="2998"/>
+                </a:lnTo>
+                <a:lnTo>
+                  <a:pt x="831" y="2975"/>
+                </a:lnTo>
+                <a:lnTo>
+                  <a:pt x="808" y="2955"/>
+                </a:lnTo>
+                <a:lnTo>
+                  <a:pt x="786" y="2937"/>
+                </a:lnTo>
+                <a:lnTo>
+                  <a:pt x="761" y="2923"/>
+                </a:lnTo>
+                <a:lnTo>
+                  <a:pt x="734" y="2911"/>
+                </a:lnTo>
+                <a:lnTo>
+                  <a:pt x="705" y="2901"/>
+                </a:lnTo>
+                <a:lnTo>
+                  <a:pt x="675" y="2892"/>
+                </a:lnTo>
+                <a:lnTo>
+                  <a:pt x="645" y="2884"/>
+                </a:lnTo>
+                <a:lnTo>
+                  <a:pt x="614" y="2876"/>
+                </a:lnTo>
+                <a:lnTo>
+                  <a:pt x="585" y="2867"/>
+                </a:lnTo>
+                <a:lnTo>
+                  <a:pt x="556" y="2857"/>
+                </a:lnTo>
+                <a:lnTo>
+                  <a:pt x="529" y="2845"/>
+                </a:lnTo>
+                <a:lnTo>
+                  <a:pt x="505" y="2830"/>
+                </a:lnTo>
+                <a:lnTo>
+                  <a:pt x="483" y="2812"/>
+                </a:lnTo>
+                <a:lnTo>
+                  <a:pt x="465" y="2790"/>
+                </a:lnTo>
+                <a:lnTo>
+                  <a:pt x="450" y="2766"/>
+                </a:lnTo>
+                <a:lnTo>
+                  <a:pt x="438" y="2739"/>
+                </a:lnTo>
+                <a:lnTo>
+                  <a:pt x="428" y="2710"/>
+                </a:lnTo>
+                <a:lnTo>
+                  <a:pt x="419" y="2681"/>
+                </a:lnTo>
+                <a:lnTo>
+                  <a:pt x="411" y="2650"/>
+                </a:lnTo>
+                <a:lnTo>
+                  <a:pt x="403" y="2620"/>
+                </a:lnTo>
+                <a:lnTo>
+                  <a:pt x="394" y="2590"/>
+                </a:lnTo>
+                <a:lnTo>
+                  <a:pt x="384" y="2561"/>
+                </a:lnTo>
+                <a:lnTo>
+                  <a:pt x="372" y="2534"/>
+                </a:lnTo>
+                <a:lnTo>
+                  <a:pt x="358" y="2509"/>
+                </a:lnTo>
+                <a:lnTo>
+                  <a:pt x="340" y="2487"/>
+                </a:lnTo>
+                <a:lnTo>
+                  <a:pt x="320" y="2464"/>
+                </a:lnTo>
+                <a:lnTo>
+                  <a:pt x="297" y="2444"/>
+                </a:lnTo>
+                <a:lnTo>
+                  <a:pt x="272" y="2425"/>
+                </a:lnTo>
+                <a:lnTo>
+                  <a:pt x="247" y="2406"/>
+                </a:lnTo>
+                <a:lnTo>
+                  <a:pt x="222" y="2387"/>
+                </a:lnTo>
+                <a:lnTo>
+                  <a:pt x="198" y="2368"/>
+                </a:lnTo>
+                <a:lnTo>
+                  <a:pt x="175" y="2347"/>
+                </a:lnTo>
+                <a:lnTo>
+                  <a:pt x="155" y="2326"/>
+                </a:lnTo>
+                <a:lnTo>
+                  <a:pt x="138" y="2302"/>
+                </a:lnTo>
+                <a:lnTo>
+                  <a:pt x="125" y="2277"/>
+                </a:lnTo>
+                <a:lnTo>
+                  <a:pt x="116" y="2247"/>
+                </a:lnTo>
+                <a:lnTo>
+                  <a:pt x="112" y="2216"/>
+                </a:lnTo>
+                <a:lnTo>
+                  <a:pt x="111" y="2184"/>
+                </a:lnTo>
+                <a:lnTo>
+                  <a:pt x="114" y="2150"/>
+                </a:lnTo>
+                <a:lnTo>
+                  <a:pt x="118" y="2116"/>
+                </a:lnTo>
+                <a:lnTo>
+                  <a:pt x="123" y="2082"/>
+                </a:lnTo>
+                <a:lnTo>
+                  <a:pt x="127" y="2048"/>
+                </a:lnTo>
+                <a:lnTo>
+                  <a:pt x="129" y="2014"/>
+                </a:lnTo>
+                <a:lnTo>
+                  <a:pt x="129" y="1981"/>
+                </a:lnTo>
+                <a:lnTo>
+                  <a:pt x="125" y="1950"/>
+                </a:lnTo>
+                <a:lnTo>
+                  <a:pt x="117" y="1919"/>
+                </a:lnTo>
+                <a:lnTo>
+                  <a:pt x="105" y="1890"/>
+                </a:lnTo>
+                <a:lnTo>
+                  <a:pt x="90" y="1860"/>
+                </a:lnTo>
+                <a:lnTo>
+                  <a:pt x="73" y="1830"/>
+                </a:lnTo>
+                <a:lnTo>
+                  <a:pt x="55" y="1800"/>
+                </a:lnTo>
+                <a:lnTo>
+                  <a:pt x="38" y="1771"/>
+                </a:lnTo>
+                <a:lnTo>
+                  <a:pt x="23" y="1740"/>
+                </a:lnTo>
+                <a:lnTo>
+                  <a:pt x="11" y="1710"/>
+                </a:lnTo>
+                <a:lnTo>
+                  <a:pt x="3" y="1679"/>
+                </a:lnTo>
+                <a:lnTo>
+                  <a:pt x="0" y="1647"/>
+                </a:lnTo>
+                <a:lnTo>
+                  <a:pt x="3" y="1615"/>
+                </a:lnTo>
+                <a:lnTo>
+                  <a:pt x="11" y="1584"/>
+                </a:lnTo>
+                <a:lnTo>
+                  <a:pt x="23" y="1554"/>
+                </a:lnTo>
+                <a:lnTo>
+                  <a:pt x="38" y="1523"/>
+                </a:lnTo>
+                <a:lnTo>
+                  <a:pt x="55" y="1494"/>
+                </a:lnTo>
+                <a:lnTo>
+                  <a:pt x="73" y="1464"/>
+                </a:lnTo>
+                <a:lnTo>
+                  <a:pt x="90" y="1434"/>
+                </a:lnTo>
+                <a:lnTo>
+                  <a:pt x="105" y="1404"/>
+                </a:lnTo>
+                <a:lnTo>
+                  <a:pt x="117" y="1375"/>
+                </a:lnTo>
+                <a:lnTo>
+                  <a:pt x="125" y="1344"/>
+                </a:lnTo>
+                <a:lnTo>
+                  <a:pt x="129" y="1313"/>
+                </a:lnTo>
+                <a:lnTo>
+                  <a:pt x="129" y="1280"/>
+                </a:lnTo>
+                <a:lnTo>
+                  <a:pt x="127" y="1246"/>
+                </a:lnTo>
+                <a:lnTo>
+                  <a:pt x="123" y="1212"/>
+                </a:lnTo>
+                <a:lnTo>
+                  <a:pt x="118" y="1178"/>
+                </a:lnTo>
+                <a:lnTo>
+                  <a:pt x="114" y="1144"/>
+                </a:lnTo>
+                <a:lnTo>
+                  <a:pt x="111" y="1110"/>
+                </a:lnTo>
+                <a:lnTo>
+                  <a:pt x="112" y="1078"/>
+                </a:lnTo>
+                <a:lnTo>
+                  <a:pt x="116" y="1047"/>
+                </a:lnTo>
+                <a:lnTo>
+                  <a:pt x="125" y="1017"/>
+                </a:lnTo>
+                <a:lnTo>
+                  <a:pt x="138" y="992"/>
+                </a:lnTo>
+                <a:lnTo>
+                  <a:pt x="155" y="968"/>
+                </a:lnTo>
+                <a:lnTo>
+                  <a:pt x="175" y="947"/>
+                </a:lnTo>
+                <a:lnTo>
+                  <a:pt x="198" y="926"/>
+                </a:lnTo>
+                <a:lnTo>
+                  <a:pt x="222" y="907"/>
+                </a:lnTo>
+                <a:lnTo>
+                  <a:pt x="247" y="888"/>
+                </a:lnTo>
+                <a:lnTo>
+                  <a:pt x="272" y="869"/>
+                </a:lnTo>
+                <a:lnTo>
+                  <a:pt x="297" y="850"/>
+                </a:lnTo>
+                <a:lnTo>
+                  <a:pt x="320" y="830"/>
+                </a:lnTo>
+                <a:lnTo>
+                  <a:pt x="340" y="807"/>
+                </a:lnTo>
+                <a:lnTo>
+                  <a:pt x="358" y="785"/>
+                </a:lnTo>
+                <a:lnTo>
+                  <a:pt x="372" y="760"/>
+                </a:lnTo>
+                <a:lnTo>
+                  <a:pt x="384" y="733"/>
+                </a:lnTo>
+                <a:lnTo>
+                  <a:pt x="394" y="704"/>
+                </a:lnTo>
+                <a:lnTo>
+                  <a:pt x="403" y="674"/>
+                </a:lnTo>
+                <a:lnTo>
+                  <a:pt x="411" y="644"/>
+                </a:lnTo>
+                <a:lnTo>
+                  <a:pt x="419" y="613"/>
+                </a:lnTo>
+                <a:lnTo>
+                  <a:pt x="428" y="584"/>
+                </a:lnTo>
+                <a:lnTo>
+                  <a:pt x="438" y="555"/>
+                </a:lnTo>
+                <a:lnTo>
+                  <a:pt x="450" y="528"/>
+                </a:lnTo>
+                <a:lnTo>
+                  <a:pt x="465" y="504"/>
+                </a:lnTo>
+                <a:lnTo>
+                  <a:pt x="483" y="482"/>
+                </a:lnTo>
+                <a:lnTo>
+                  <a:pt x="505" y="464"/>
+                </a:lnTo>
+                <a:lnTo>
+                  <a:pt x="529" y="449"/>
+                </a:lnTo>
+                <a:lnTo>
+                  <a:pt x="556" y="437"/>
+                </a:lnTo>
+                <a:lnTo>
+                  <a:pt x="585" y="427"/>
+                </a:lnTo>
+                <a:lnTo>
+                  <a:pt x="614" y="418"/>
+                </a:lnTo>
+                <a:lnTo>
+                  <a:pt x="645" y="410"/>
+                </a:lnTo>
+                <a:lnTo>
+                  <a:pt x="675" y="402"/>
+                </a:lnTo>
+                <a:lnTo>
+                  <a:pt x="705" y="393"/>
+                </a:lnTo>
+                <a:lnTo>
+                  <a:pt x="734" y="383"/>
+                </a:lnTo>
+                <a:lnTo>
+                  <a:pt x="761" y="371"/>
+                </a:lnTo>
+                <a:lnTo>
+                  <a:pt x="786" y="357"/>
+                </a:lnTo>
+                <a:lnTo>
+                  <a:pt x="808" y="339"/>
+                </a:lnTo>
+                <a:lnTo>
+                  <a:pt x="831" y="319"/>
+                </a:lnTo>
+                <a:lnTo>
+                  <a:pt x="851" y="296"/>
+                </a:lnTo>
+                <a:lnTo>
+                  <a:pt x="870" y="272"/>
+                </a:lnTo>
+                <a:lnTo>
+                  <a:pt x="889" y="247"/>
+                </a:lnTo>
+                <a:lnTo>
+                  <a:pt x="908" y="222"/>
+                </a:lnTo>
+                <a:lnTo>
+                  <a:pt x="927" y="198"/>
+                </a:lnTo>
+                <a:lnTo>
+                  <a:pt x="948" y="175"/>
+                </a:lnTo>
+                <a:lnTo>
+                  <a:pt x="969" y="155"/>
+                </a:lnTo>
+                <a:lnTo>
+                  <a:pt x="993" y="138"/>
+                </a:lnTo>
+                <a:lnTo>
+                  <a:pt x="1018" y="125"/>
+                </a:lnTo>
+                <a:lnTo>
+                  <a:pt x="1048" y="116"/>
+                </a:lnTo>
+                <a:lnTo>
+                  <a:pt x="1079" y="112"/>
+                </a:lnTo>
+                <a:lnTo>
+                  <a:pt x="1111" y="111"/>
+                </a:lnTo>
+                <a:lnTo>
+                  <a:pt x="1145" y="114"/>
+                </a:lnTo>
+                <a:lnTo>
+                  <a:pt x="1179" y="118"/>
+                </a:lnTo>
+                <a:lnTo>
+                  <a:pt x="1213" y="123"/>
+                </a:lnTo>
+                <a:lnTo>
+                  <a:pt x="1247" y="127"/>
+                </a:lnTo>
+                <a:lnTo>
+                  <a:pt x="1281" y="129"/>
+                </a:lnTo>
+                <a:lnTo>
+                  <a:pt x="1314" y="129"/>
+                </a:lnTo>
+                <a:lnTo>
+                  <a:pt x="1345" y="125"/>
+                </a:lnTo>
+                <a:lnTo>
+                  <a:pt x="1376" y="117"/>
+                </a:lnTo>
+                <a:lnTo>
+                  <a:pt x="1406" y="105"/>
+                </a:lnTo>
+                <a:lnTo>
+                  <a:pt x="1436" y="89"/>
+                </a:lnTo>
+                <a:lnTo>
+                  <a:pt x="1466" y="73"/>
+                </a:lnTo>
+                <a:lnTo>
+                  <a:pt x="1496" y="55"/>
+                </a:lnTo>
+                <a:lnTo>
+                  <a:pt x="1525" y="38"/>
+                </a:lnTo>
+                <a:lnTo>
+                  <a:pt x="1556" y="23"/>
+                </a:lnTo>
+                <a:lnTo>
+                  <a:pt x="1586" y="11"/>
+                </a:lnTo>
+                <a:lnTo>
+                  <a:pt x="1617" y="3"/>
+                </a:lnTo>
+                <a:lnTo>
+                  <a:pt x="1649" y="0"/>
+                </a:lnTo>
+                <a:close/>
+              </a:path>
+            </a:pathLst>
+          </a:custGeom>
+          <a:solidFill>
+            <a:schemeClr val="bg2"/>
+          </a:solidFill>
+          <a:ln w="0">
+            <a:noFill/>
+            <a:prstDash val="solid"/>
+            <a:round/>
+            <a:headEnd/>
+            <a:tailEnd/>
+          </a:ln>
+        </p:spPr>
       </p:sp>
       <p:pic>
         <p:nvPicPr>
@@ -9128,8 +17232,8 @@
         </p:blipFill>
         <p:spPr>
           <a:xfrm>
-            <a:off x="3977761" y="3429000"/>
-            <a:ext cx="4536973" cy="3240695"/>
+            <a:off x="7399261" y="2077862"/>
+            <a:ext cx="3217333" cy="2300393"/>
           </a:xfrm>
           <a:prstGeom prst="rect">
             <a:avLst/>
@@ -9152,6 +17256,14 @@
 <file path=ppt/slides/slide9.xml><?xml version="1.0" encoding="utf-8"?>
 <p:sld xmlns:a="http://schemas.openxmlformats.org/drawingml/2006/main" xmlns:r="http://schemas.openxmlformats.org/officeDocument/2006/relationships" xmlns:p="http://schemas.openxmlformats.org/presentationml/2006/main">
   <p:cSld>
+    <p:bg>
+      <p:bgPr>
+        <a:solidFill>
+          <a:schemeClr val="bg2"/>
+        </a:solidFill>
+        <a:effectLst/>
+      </p:bgPr>
+    </p:bg>
     <p:spTree>
       <p:nvGrpSpPr>
         <p:cNvPr id="1" name=""/>
@@ -9166,6 +17278,66 @@
           <a:chExt cx="0" cy="0"/>
         </a:xfrm>
       </p:grpSpPr>
+      <p:sp useBgFill="1">
+        <p:nvSpPr>
+          <p:cNvPr id="8" name="Rectangle 7">
+            <a:extLst>
+              <a:ext uri="{FF2B5EF4-FFF2-40B4-BE49-F238E27FC236}">
+                <a16:creationId xmlns:a16="http://schemas.microsoft.com/office/drawing/2014/main" id="{B680D4D6-B06E-4316-8BBC-7A65A10AC853}"/>
+              </a:ext>
+              <a:ext uri="{C183D7F6-B498-43B3-948B-1728B52AA6E4}">
+                <adec:decorative xmlns:adec="http://schemas.microsoft.com/office/drawing/2017/decorative" val="1"/>
+              </a:ext>
+            </a:extLst>
+          </p:cNvPr>
+          <p:cNvSpPr>
+            <a:spLocks noGrp="1" noRot="1" noChangeAspect="1" noMove="1" noResize="1" noEditPoints="1" noAdjustHandles="1" noChangeArrowheads="1" noChangeShapeType="1" noTextEdit="1"/>
+          </p:cNvSpPr>
+          <p:nvPr>
+            <p:extLst>
+              <p:ext uri="{386F3935-93C4-4BCD-93E2-E3B085C9AB24}">
+                <p16:designElem xmlns:p16="http://schemas.microsoft.com/office/powerpoint/2015/main" val="1"/>
+              </p:ext>
+            </p:extLst>
+          </p:nvPr>
+        </p:nvSpPr>
+        <p:spPr bwMode="ltGray">
+          <a:xfrm>
+            <a:off x="0" y="0"/>
+            <a:ext cx="12191999" cy="6858000"/>
+          </a:xfrm>
+          <a:prstGeom prst="rect">
+            <a:avLst/>
+          </a:prstGeom>
+          <a:ln>
+            <a:noFill/>
+          </a:ln>
+        </p:spPr>
+        <p:style>
+          <a:lnRef idx="2">
+            <a:schemeClr val="accent1">
+              <a:shade val="50000"/>
+            </a:schemeClr>
+          </a:lnRef>
+          <a:fillRef idx="1">
+            <a:schemeClr val="accent1"/>
+          </a:fillRef>
+          <a:effectRef idx="0">
+            <a:schemeClr val="accent1"/>
+          </a:effectRef>
+          <a:fontRef idx="minor">
+            <a:schemeClr val="lt1"/>
+          </a:fontRef>
+        </p:style>
+        <p:txBody>
+          <a:bodyPr rtlCol="0" anchor="ctr"/>
+          <a:lstStyle/>
+          <a:p>
+            <a:pPr algn="ctr"/>
+            <a:endParaRPr lang="en-US"/>
+          </a:p>
+        </p:txBody>
+      </p:sp>
       <p:sp>
         <p:nvSpPr>
           <p:cNvPr id="2" name="Title 1">
@@ -9182,34 +17354,89 @@
             <p:ph type="title"/>
           </p:nvPr>
         </p:nvSpPr>
-        <p:spPr/>
+        <p:spPr>
+          <a:xfrm>
+            <a:off x="761996" y="1153287"/>
+            <a:ext cx="3570566" cy="4551426"/>
+          </a:xfrm>
+        </p:spPr>
         <p:txBody>
-          <a:bodyPr/>
+          <a:bodyPr anchor="ctr">
+            <a:normAutofit/>
+          </a:bodyPr>
           <a:lstStyle/>
           <a:p>
+            <a:pPr algn="r"/>
             <a:r>
-              <a:rPr lang="en-IN" b="1" i="0" dirty="0">
-                <a:solidFill>
-                  <a:srgbClr val="4A4A4A"/>
-                </a:solidFill>
+              <a:rPr lang="en-IN" sz="3200" b="1" i="0">
                 <a:effectLst/>
                 <a:latin typeface="Open Sans"/>
               </a:rPr>
               <a:t>UI Designers</a:t>
             </a:r>
             <a:br>
-              <a:rPr lang="en-IN" b="0" i="0" dirty="0">
-                <a:solidFill>
-                  <a:srgbClr val="4A4A4A"/>
-                </a:solidFill>
+              <a:rPr lang="en-IN" sz="3200" b="0" i="0">
                 <a:effectLst/>
                 <a:latin typeface="Open Sans"/>
               </a:rPr>
             </a:br>
-            <a:endParaRPr lang="en-IN" dirty="0"/>
+            <a:endParaRPr lang="en-IN" sz="3200"/>
           </a:p>
         </p:txBody>
       </p:sp>
+      <p:cxnSp>
+        <p:nvCxnSpPr>
+          <p:cNvPr id="10" name="Straight Connector 9">
+            <a:extLst>
+              <a:ext uri="{FF2B5EF4-FFF2-40B4-BE49-F238E27FC236}">
+                <a16:creationId xmlns:a16="http://schemas.microsoft.com/office/drawing/2014/main" id="{ED72A37F-0C2F-473C-9D71-B80AEE71BF03}"/>
+              </a:ext>
+              <a:ext uri="{C183D7F6-B498-43B3-948B-1728B52AA6E4}">
+                <adec:decorative xmlns:adec="http://schemas.microsoft.com/office/drawing/2017/decorative" val="1"/>
+              </a:ext>
+            </a:extLst>
+          </p:cNvPr>
+          <p:cNvCxnSpPr>
+            <a:cxnSpLocks noGrp="1" noRot="1" noChangeAspect="1" noMove="1" noResize="1" noEditPoints="1" noAdjustHandles="1" noChangeArrowheads="1" noChangeShapeType="1"/>
+          </p:cNvCxnSpPr>
+          <p:nvPr>
+            <p:extLst>
+              <p:ext uri="{386F3935-93C4-4BCD-93E2-E3B085C9AB24}">
+                <p16:designElem xmlns:p16="http://schemas.microsoft.com/office/powerpoint/2015/main" val="1"/>
+              </p:ext>
+            </p:extLst>
+          </p:nvPr>
+        </p:nvCxnSpPr>
+        <p:spPr>
+          <a:xfrm>
+            <a:off x="4663796" y="1962397"/>
+            <a:ext cx="0" cy="2933206"/>
+          </a:xfrm>
+          <a:prstGeom prst="line">
+            <a:avLst/>
+          </a:prstGeom>
+          <a:ln w="22225">
+            <a:solidFill>
+              <a:schemeClr val="accent1"/>
+            </a:solidFill>
+            <a:miter lim="800000"/>
+          </a:ln>
+        </p:spPr>
+        <p:style>
+          <a:lnRef idx="1">
+            <a:schemeClr val="accent1"/>
+          </a:lnRef>
+          <a:fillRef idx="0">
+            <a:schemeClr val="accent1"/>
+          </a:fillRef>
+          <a:effectRef idx="0">
+            <a:schemeClr val="accent1"/>
+          </a:effectRef>
+          <a:fontRef idx="minor">
+            <a:schemeClr val="tx1"/>
+          </a:fontRef>
+        </p:style>
+      </p:cxnSp>
       <p:sp>
         <p:nvSpPr>
           <p:cNvPr id="3" name="Content Placeholder 2">
@@ -9226,37 +17453,86 @@
             <p:ph idx="1"/>
           </p:nvPr>
         </p:nvSpPr>
-        <p:spPr/>
+        <p:spPr>
+          <a:xfrm>
+            <a:off x="4976031" y="1153287"/>
+            <a:ext cx="6453969" cy="4551426"/>
+          </a:xfrm>
+        </p:spPr>
         <p:txBody>
-          <a:bodyPr/>
+          <a:bodyPr anchor="ctr">
+            <a:normAutofit/>
+          </a:bodyPr>
           <a:lstStyle/>
           <a:p>
             <a:pPr marL="0" indent="0">
               <a:buNone/>
             </a:pPr>
             <a:r>
-              <a:rPr lang="en-US" sz="2400" b="0" i="0" dirty="0">
-                <a:solidFill>
-                  <a:srgbClr val="4A4A4A"/>
-                </a:solidFill>
+              <a:rPr lang="en-US" b="0" i="0" dirty="0">
                 <a:effectLst/>
                 <a:latin typeface="Open Sans"/>
               </a:rPr>
-              <a:t>User Interface (UI) designers are the ones who deal with user interaction. They make sure that users are able to interact with the elements that are present on the website. The User Interface is everything that a visitor sees when they access a website, and it needs to be designed in a manner so that it fits the user’s expected </a:t>
-            </a:r>
-            <a:r>
-              <a:rPr lang="en-US" b="0" i="0" dirty="0">
-                <a:solidFill>
-                  <a:srgbClr val="4A4A4A"/>
-                </a:solidFill>
-                <a:effectLst/>
-                <a:latin typeface="Open Sans"/>
-              </a:rPr>
-              <a:t>workflow.</a:t>
+              <a:t>User Interface (UI) designers are the ones who deal with user interaction. They make sure that users are able to interact with the elements that are present on the website. The User Interface is everything that a visitor sees when they access a website, and it needs to be designed in a manner so that it fits the user’s expected workflow.</a:t>
             </a:r>
             <a:endParaRPr lang="en-IN" dirty="0"/>
           </a:p>
         </p:txBody>
+      </p:sp>
+      <p:sp>
+        <p:nvSpPr>
+          <p:cNvPr id="12" name="Rectangle 11">
+            <a:extLst>
+              <a:ext uri="{FF2B5EF4-FFF2-40B4-BE49-F238E27FC236}">
+                <a16:creationId xmlns:a16="http://schemas.microsoft.com/office/drawing/2014/main" id="{64016ABB-4F5D-4BFA-9406-7CD61399B6CC}"/>
+              </a:ext>
+              <a:ext uri="{C183D7F6-B498-43B3-948B-1728B52AA6E4}">
+                <adec:decorative xmlns:adec="http://schemas.microsoft.com/office/drawing/2017/decorative" val="1"/>
+              </a:ext>
+            </a:extLst>
+          </p:cNvPr>
+          <p:cNvSpPr>
+            <a:spLocks noGrp="1" noRot="1" noChangeAspect="1" noMove="1" noResize="1" noEditPoints="1" noAdjustHandles="1" noChangeArrowheads="1" noChangeShapeType="1" noTextEdit="1"/>
+          </p:cNvSpPr>
+          <p:nvPr>
+            <p:extLst>
+              <p:ext uri="{386F3935-93C4-4BCD-93E2-E3B085C9AB24}">
+                <p16:designElem xmlns:p16="http://schemas.microsoft.com/office/powerpoint/2015/main" val="1"/>
+              </p:ext>
+            </p:extLst>
+          </p:nvPr>
+        </p:nvSpPr>
+        <p:spPr>
+          <a:xfrm rot="5400000">
+            <a:off x="5774263" y="440267"/>
+            <a:ext cx="643467" cy="12191999"/>
+          </a:xfrm>
+          <a:prstGeom prst="rect">
+            <a:avLst/>
+          </a:prstGeom>
+          <a:solidFill>
+            <a:schemeClr val="accent1"/>
+          </a:solidFill>
+          <a:ln>
+            <a:noFill/>
+          </a:ln>
+        </p:spPr>
+        <p:style>
+          <a:lnRef idx="2">
+            <a:schemeClr val="accent1">
+              <a:shade val="50000"/>
+            </a:schemeClr>
+          </a:lnRef>
+          <a:fillRef idx="1">
+            <a:schemeClr val="accent1"/>
+          </a:fillRef>
+          <a:effectRef idx="0">
+            <a:schemeClr val="accent1"/>
+          </a:effectRef>
+          <a:fontRef idx="minor">
+            <a:schemeClr val="lt1"/>
+          </a:fontRef>
+        </p:style>
       </p:sp>
     </p:spTree>
     <p:extLst>
